--- a/corp_training/Python Training - Week 1.pptx
+++ b/corp_training/Python Training - Week 1.pptx
@@ -33,26 +33,6 @@
     <p:sldId id="294" r:id="rId27"/>
     <p:sldId id="295" r:id="rId28"/>
     <p:sldId id="296" r:id="rId29"/>
-    <p:sldId id="303" r:id="rId30"/>
-    <p:sldId id="300" r:id="rId31"/>
-    <p:sldId id="302" r:id="rId32"/>
-    <p:sldId id="318" r:id="rId33"/>
-    <p:sldId id="319" r:id="rId34"/>
-    <p:sldId id="298" r:id="rId35"/>
-    <p:sldId id="307" r:id="rId36"/>
-    <p:sldId id="308" r:id="rId37"/>
-    <p:sldId id="309" r:id="rId38"/>
-    <p:sldId id="310" r:id="rId39"/>
-    <p:sldId id="311" r:id="rId40"/>
-    <p:sldId id="299" r:id="rId41"/>
-    <p:sldId id="312" r:id="rId42"/>
-    <p:sldId id="316" r:id="rId43"/>
-    <p:sldId id="315" r:id="rId44"/>
-    <p:sldId id="317" r:id="rId45"/>
-    <p:sldId id="297" r:id="rId46"/>
-    <p:sldId id="304" r:id="rId47"/>
-    <p:sldId id="305" r:id="rId48"/>
-    <p:sldId id="306" r:id="rId49"/>
   </p:sldIdLst>
   <p:sldSz cx="12192000" cy="6858000"/>
   <p:notesSz cx="6858000" cy="9144000"/>
@@ -450,7 +430,7 @@
           <a:p>
             <a:fld id="{BD68F779-2669-4091-A9E1-5C164A3B942B}" type="datetimeFigureOut">
               <a:rPr lang="en-US" smtClean="0"/>
-              <a:t>31/03/2021</a:t>
+              <a:t>05/04/2021</a:t>
             </a:fld>
             <a:endParaRPr lang="en-US"/>
           </a:p>
@@ -630,7 +610,7 @@
           <a:p>
             <a:fld id="{BD68F779-2669-4091-A9E1-5C164A3B942B}" type="datetimeFigureOut">
               <a:rPr lang="en-US" smtClean="0"/>
-              <a:t>31/03/2021</a:t>
+              <a:t>05/04/2021</a:t>
             </a:fld>
             <a:endParaRPr lang="en-US"/>
           </a:p>
@@ -1008,7 +988,7 @@
           <a:p>
             <a:fld id="{BD68F779-2669-4091-A9E1-5C164A3B942B}" type="datetimeFigureOut">
               <a:rPr lang="en-US" smtClean="0"/>
-              <a:t>31/03/2021</a:t>
+              <a:t>05/04/2021</a:t>
             </a:fld>
             <a:endParaRPr lang="en-US"/>
           </a:p>
@@ -1240,7 +1220,7 @@
           <a:p>
             <a:fld id="{BD68F779-2669-4091-A9E1-5C164A3B942B}" type="datetimeFigureOut">
               <a:rPr lang="en-US" smtClean="0"/>
-              <a:t>31/03/2021</a:t>
+              <a:t>05/04/2021</a:t>
             </a:fld>
             <a:endParaRPr lang="en-US"/>
           </a:p>
@@ -1607,7 +1587,7 @@
           <a:p>
             <a:fld id="{BD68F779-2669-4091-A9E1-5C164A3B942B}" type="datetimeFigureOut">
               <a:rPr lang="en-US" smtClean="0"/>
-              <a:t>31/03/2021</a:t>
+              <a:t>05/04/2021</a:t>
             </a:fld>
             <a:endParaRPr lang="en-US"/>
           </a:p>
@@ -1725,7 +1705,7 @@
           <a:p>
             <a:fld id="{BD68F779-2669-4091-A9E1-5C164A3B942B}" type="datetimeFigureOut">
               <a:rPr lang="en-US" smtClean="0"/>
-              <a:t>31/03/2021</a:t>
+              <a:t>05/04/2021</a:t>
             </a:fld>
             <a:endParaRPr lang="en-US"/>
           </a:p>
@@ -1820,7 +1800,7 @@
           <a:p>
             <a:fld id="{BD68F779-2669-4091-A9E1-5C164A3B942B}" type="datetimeFigureOut">
               <a:rPr lang="en-US" smtClean="0"/>
-              <a:t>31/03/2021</a:t>
+              <a:t>05/04/2021</a:t>
             </a:fld>
             <a:endParaRPr lang="en-US"/>
           </a:p>
@@ -2097,7 +2077,7 @@
           <a:p>
             <a:fld id="{BD68F779-2669-4091-A9E1-5C164A3B942B}" type="datetimeFigureOut">
               <a:rPr lang="en-US" smtClean="0"/>
-              <a:t>31/03/2021</a:t>
+              <a:t>05/04/2021</a:t>
             </a:fld>
             <a:endParaRPr lang="en-US"/>
           </a:p>
@@ -2350,7 +2330,7 @@
           <a:p>
             <a:fld id="{BD68F779-2669-4091-A9E1-5C164A3B942B}" type="datetimeFigureOut">
               <a:rPr lang="en-US" smtClean="0"/>
-              <a:t>31/03/2021</a:t>
+              <a:t>05/04/2021</a:t>
             </a:fld>
             <a:endParaRPr lang="en-US"/>
           </a:p>
@@ -2566,7 +2546,7 @@
           <a:p>
             <a:fld id="{BD68F779-2669-4091-A9E1-5C164A3B942B}" type="datetimeFigureOut">
               <a:rPr lang="en-US" smtClean="0"/>
-              <a:t>31/03/2021</a:t>
+              <a:t>05/04/2021</a:t>
             </a:fld>
             <a:endParaRPr lang="en-US"/>
           </a:p>
@@ -10519,158 +10499,6 @@
 </p:sld>
 </file>
 
-<file path=ppt/slides/slide29.xml><?xml version="1.0" encoding="utf-8"?>
-<p:sld xmlns:a="http://schemas.openxmlformats.org/drawingml/2006/main" xmlns:r="http://schemas.openxmlformats.org/officeDocument/2006/relationships" xmlns:p="http://schemas.openxmlformats.org/presentationml/2006/main">
-  <p:cSld>
-    <p:spTree>
-      <p:nvGrpSpPr>
-        <p:cNvPr id="1" name=""/>
-        <p:cNvGrpSpPr/>
-        <p:nvPr/>
-      </p:nvGrpSpPr>
-      <p:grpSpPr>
-        <a:xfrm>
-          <a:off x="0" y="0"/>
-          <a:ext cx="0" cy="0"/>
-          <a:chOff x="0" y="0"/>
-          <a:chExt cx="0" cy="0"/>
-        </a:xfrm>
-      </p:grpSpPr>
-      <p:sp>
-        <p:nvSpPr>
-          <p:cNvPr id="4" name="TextBox 3"/>
-          <p:cNvSpPr txBox="1"/>
-          <p:nvPr/>
-        </p:nvSpPr>
-        <p:spPr>
-          <a:xfrm>
-            <a:off x="5065029" y="2355494"/>
-            <a:ext cx="2262159" cy="1200329"/>
-          </a:xfrm>
-          <a:prstGeom prst="rect">
-            <a:avLst/>
-          </a:prstGeom>
-          <a:noFill/>
-        </p:spPr>
-        <p:txBody>
-          <a:bodyPr wrap="none" rtlCol="0">
-            <a:spAutoFit/>
-          </a:bodyPr>
-          <a:lstStyle/>
-          <a:p>
-            <a:pPr algn="ctr"/>
-            <a:r>
-              <a:rPr lang="en-US" sz="3600">
-                <a:solidFill>
-                  <a:schemeClr val="bg1"/>
-                </a:solidFill>
-                <a:latin typeface="Times New Roman" panose="02020603050405020304" pitchFamily="18" charset="0"/>
-                <a:cs typeface="Times New Roman" panose="02020603050405020304" pitchFamily="18" charset="0"/>
-              </a:rPr>
-              <a:t>Phần </a:t>
-            </a:r>
-            <a:r>
-              <a:rPr lang="en-US" sz="3600" smtClean="0">
-                <a:solidFill>
-                  <a:schemeClr val="bg1"/>
-                </a:solidFill>
-                <a:latin typeface="Times New Roman" panose="02020603050405020304" pitchFamily="18" charset="0"/>
-                <a:cs typeface="Times New Roman" panose="02020603050405020304" pitchFamily="18" charset="0"/>
-              </a:rPr>
-              <a:t>5:</a:t>
-            </a:r>
-            <a:br>
-              <a:rPr lang="en-US" sz="3600" smtClean="0">
-                <a:solidFill>
-                  <a:schemeClr val="bg1"/>
-                </a:solidFill>
-                <a:latin typeface="Times New Roman" panose="02020603050405020304" pitchFamily="18" charset="0"/>
-                <a:cs typeface="Times New Roman" panose="02020603050405020304" pitchFamily="18" charset="0"/>
-              </a:rPr>
-            </a:br>
-            <a:r>
-              <a:rPr lang="en-US" sz="3600" smtClean="0">
-                <a:solidFill>
-                  <a:schemeClr val="accent4">
-                    <a:lumMod val="60000"/>
-                    <a:lumOff val="40000"/>
-                  </a:schemeClr>
-                </a:solidFill>
-                <a:latin typeface="Times New Roman" panose="02020603050405020304" pitchFamily="18" charset="0"/>
-                <a:cs typeface="Times New Roman" panose="02020603050405020304" pitchFamily="18" charset="0"/>
-              </a:rPr>
-              <a:t>if  elif  else</a:t>
-            </a:r>
-            <a:endParaRPr lang="en-US" sz="3600">
-              <a:solidFill>
-                <a:schemeClr val="accent4">
-                  <a:lumMod val="60000"/>
-                  <a:lumOff val="40000"/>
-                </a:schemeClr>
-              </a:solidFill>
-              <a:latin typeface="Times New Roman" panose="02020603050405020304" pitchFamily="18" charset="0"/>
-              <a:cs typeface="Times New Roman" panose="02020603050405020304" pitchFamily="18" charset="0"/>
-            </a:endParaRPr>
-          </a:p>
-        </p:txBody>
-      </p:sp>
-      <p:cxnSp>
-        <p:nvCxnSpPr>
-          <p:cNvPr id="10" name="Straight Connector 9"/>
-          <p:cNvCxnSpPr/>
-          <p:nvPr/>
-        </p:nvCxnSpPr>
-        <p:spPr>
-          <a:xfrm>
-            <a:off x="4504467" y="3730428"/>
-            <a:ext cx="3383280" cy="0"/>
-          </a:xfrm>
-          <a:prstGeom prst="line">
-            <a:avLst/>
-          </a:prstGeom>
-          <a:ln w="19050">
-            <a:solidFill>
-              <a:schemeClr val="bg2">
-                <a:lumMod val="50000"/>
-              </a:schemeClr>
-            </a:solidFill>
-          </a:ln>
-        </p:spPr>
-        <p:style>
-          <a:lnRef idx="1">
-            <a:schemeClr val="accent1"/>
-          </a:lnRef>
-          <a:fillRef idx="0">
-            <a:schemeClr val="accent1"/>
-          </a:fillRef>
-          <a:effectRef idx="0">
-            <a:schemeClr val="accent1"/>
-          </a:effectRef>
-          <a:fontRef idx="minor">
-            <a:schemeClr val="tx1"/>
-          </a:fontRef>
-        </p:style>
-      </p:cxnSp>
-    </p:spTree>
-    <p:extLst>
-      <p:ext uri="{BB962C8B-B14F-4D97-AF65-F5344CB8AC3E}">
-        <p14:creationId xmlns:p14="http://schemas.microsoft.com/office/powerpoint/2010/main" val="2502286565"/>
-      </p:ext>
-    </p:extLst>
-  </p:cSld>
-  <p:clrMapOvr>
-    <a:masterClrMapping/>
-  </p:clrMapOvr>
-  <p:timing>
-    <p:tnLst>
-      <p:par>
-        <p:cTn id="1" dur="indefinite" restart="never" nodeType="tmRoot"/>
-      </p:par>
-    </p:tnLst>
-  </p:timing>
-</p:sld>
-</file>
-
 <file path=ppt/slides/slide3.xml><?xml version="1.0" encoding="utf-8"?>
 <p:sld xmlns:a="http://schemas.openxmlformats.org/drawingml/2006/main" xmlns:r="http://schemas.openxmlformats.org/officeDocument/2006/relationships" xmlns:p="http://schemas.openxmlformats.org/presentationml/2006/main">
   <p:cSld>
@@ -11296,2898 +11124,6 @@
     <p:extLst>
       <p:ext uri="{BB962C8B-B14F-4D97-AF65-F5344CB8AC3E}">
         <p14:creationId xmlns:p14="http://schemas.microsoft.com/office/powerpoint/2010/main" val="2606538619"/>
-      </p:ext>
-    </p:extLst>
-  </p:cSld>
-  <p:clrMapOvr>
-    <a:masterClrMapping/>
-  </p:clrMapOvr>
-  <p:timing>
-    <p:tnLst>
-      <p:par>
-        <p:cTn id="1" dur="indefinite" restart="never" nodeType="tmRoot"/>
-      </p:par>
-    </p:tnLst>
-  </p:timing>
-</p:sld>
-</file>
-
-<file path=ppt/slides/slide30.xml><?xml version="1.0" encoding="utf-8"?>
-<p:sld xmlns:a="http://schemas.openxmlformats.org/drawingml/2006/main" xmlns:r="http://schemas.openxmlformats.org/officeDocument/2006/relationships" xmlns:p="http://schemas.openxmlformats.org/presentationml/2006/main">
-  <p:cSld>
-    <p:spTree>
-      <p:nvGrpSpPr>
-        <p:cNvPr id="1" name=""/>
-        <p:cNvGrpSpPr/>
-        <p:nvPr/>
-      </p:nvGrpSpPr>
-      <p:grpSpPr>
-        <a:xfrm>
-          <a:off x="0" y="0"/>
-          <a:ext cx="0" cy="0"/>
-          <a:chOff x="0" y="0"/>
-          <a:chExt cx="0" cy="0"/>
-        </a:xfrm>
-      </p:grpSpPr>
-      <p:sp>
-        <p:nvSpPr>
-          <p:cNvPr id="8" name="Rectangle 7"/>
-          <p:cNvSpPr/>
-          <p:nvPr/>
-        </p:nvSpPr>
-        <p:spPr>
-          <a:xfrm>
-            <a:off x="404672" y="2006465"/>
-            <a:ext cx="6224714" cy="2978229"/>
-          </a:xfrm>
-          <a:prstGeom prst="rect">
-            <a:avLst/>
-          </a:prstGeom>
-          <a:solidFill>
-            <a:schemeClr val="tx1"/>
-          </a:solidFill>
-        </p:spPr>
-        <p:style>
-          <a:lnRef idx="2">
-            <a:schemeClr val="accent1">
-              <a:shade val="50000"/>
-            </a:schemeClr>
-          </a:lnRef>
-          <a:fillRef idx="1">
-            <a:schemeClr val="accent1"/>
-          </a:fillRef>
-          <a:effectRef idx="0">
-            <a:schemeClr val="accent1"/>
-          </a:effectRef>
-          <a:fontRef idx="minor">
-            <a:schemeClr val="lt1"/>
-          </a:fontRef>
-        </p:style>
-        <p:txBody>
-          <a:bodyPr rtlCol="0" anchor="t" anchorCtr="0"/>
-          <a:lstStyle/>
-          <a:p>
-            <a:r>
-              <a:rPr lang="en-US">
-                <a:latin typeface="Arial Narrow" panose="020B0606020202030204" pitchFamily="34" charset="0"/>
-              </a:rPr>
-              <a:t>&gt;&gt;&gt; </a:t>
-            </a:r>
-            <a:r>
-              <a:rPr lang="en-US">
-                <a:solidFill>
-                  <a:srgbClr val="9933FF"/>
-                </a:solidFill>
-                <a:latin typeface="Arial Narrow" panose="020B0606020202030204" pitchFamily="34" charset="0"/>
-              </a:rPr>
-              <a:t>if </a:t>
-            </a:r>
-            <a:r>
-              <a:rPr lang="en-US" smtClean="0">
-                <a:solidFill>
-                  <a:schemeClr val="accent6">
-                    <a:lumMod val="60000"/>
-                    <a:lumOff val="40000"/>
-                  </a:schemeClr>
-                </a:solidFill>
-                <a:latin typeface="Arial Narrow" panose="020B0606020202030204" pitchFamily="34" charset="0"/>
-              </a:rPr>
-              <a:t>some statement</a:t>
-            </a:r>
-            <a:r>
-              <a:rPr lang="en-US" smtClean="0">
-                <a:latin typeface="Arial Narrow" panose="020B0606020202030204" pitchFamily="34" charset="0"/>
-              </a:rPr>
-              <a:t>:</a:t>
-            </a:r>
-            <a:endParaRPr lang="en-US">
-              <a:latin typeface="Arial Narrow" panose="020B0606020202030204" pitchFamily="34" charset="0"/>
-            </a:endParaRPr>
-          </a:p>
-          <a:p>
-            <a:r>
-              <a:rPr lang="en-US">
-                <a:latin typeface="Arial Narrow" panose="020B0606020202030204" pitchFamily="34" charset="0"/>
-              </a:rPr>
-              <a:t>...  </a:t>
-            </a:r>
-            <a:r>
-              <a:rPr lang="en-US" smtClean="0">
-                <a:latin typeface="Arial Narrow" panose="020B0606020202030204" pitchFamily="34" charset="0"/>
-              </a:rPr>
-              <a:t>         something happens</a:t>
-            </a:r>
-            <a:endParaRPr lang="en-US">
-              <a:latin typeface="Arial Narrow" panose="020B0606020202030204" pitchFamily="34" charset="0"/>
-            </a:endParaRPr>
-          </a:p>
-          <a:p>
-            <a:r>
-              <a:rPr lang="en-US">
-                <a:latin typeface="Arial Narrow" panose="020B0606020202030204" pitchFamily="34" charset="0"/>
-              </a:rPr>
-              <a:t>...  </a:t>
-            </a:r>
-            <a:r>
-              <a:rPr lang="en-US" smtClean="0">
-                <a:latin typeface="Arial Narrow" panose="020B0606020202030204" pitchFamily="34" charset="0"/>
-              </a:rPr>
-              <a:t>  </a:t>
-            </a:r>
-            <a:r>
-              <a:rPr lang="en-US" smtClean="0">
-                <a:solidFill>
-                  <a:srgbClr val="9933FF"/>
-                </a:solidFill>
-                <a:latin typeface="Arial Narrow" panose="020B0606020202030204" pitchFamily="34" charset="0"/>
-              </a:rPr>
-              <a:t>elif</a:t>
-            </a:r>
-            <a:r>
-              <a:rPr lang="en-US" smtClean="0">
-                <a:latin typeface="Arial Narrow" panose="020B0606020202030204" pitchFamily="34" charset="0"/>
-              </a:rPr>
-              <a:t> </a:t>
-            </a:r>
-            <a:r>
-              <a:rPr lang="en-US" smtClean="0">
-                <a:solidFill>
-                  <a:schemeClr val="accent6">
-                    <a:lumMod val="60000"/>
-                    <a:lumOff val="40000"/>
-                  </a:schemeClr>
-                </a:solidFill>
-                <a:latin typeface="Arial Narrow" panose="020B0606020202030204" pitchFamily="34" charset="0"/>
-              </a:rPr>
-              <a:t>some other statement</a:t>
-            </a:r>
-            <a:r>
-              <a:rPr lang="en-US" smtClean="0">
-                <a:solidFill>
-                  <a:srgbClr val="9933FF"/>
-                </a:solidFill>
-                <a:latin typeface="Arial Narrow" panose="020B0606020202030204" pitchFamily="34" charset="0"/>
-              </a:rPr>
-              <a:t>:</a:t>
-            </a:r>
-            <a:endParaRPr lang="en-US">
-              <a:solidFill>
-                <a:srgbClr val="9933FF"/>
-              </a:solidFill>
-              <a:latin typeface="Arial Narrow" panose="020B0606020202030204" pitchFamily="34" charset="0"/>
-            </a:endParaRPr>
-          </a:p>
-          <a:p>
-            <a:r>
-              <a:rPr lang="en-US">
-                <a:latin typeface="Arial Narrow" panose="020B0606020202030204" pitchFamily="34" charset="0"/>
-              </a:rPr>
-              <a:t>...           </a:t>
-            </a:r>
-            <a:r>
-              <a:rPr lang="en-US" smtClean="0">
-                <a:latin typeface="Arial Narrow" panose="020B0606020202030204" pitchFamily="34" charset="0"/>
-              </a:rPr>
-              <a:t>something happens</a:t>
-            </a:r>
-            <a:endParaRPr lang="en-US">
-              <a:latin typeface="Arial Narrow" panose="020B0606020202030204" pitchFamily="34" charset="0"/>
-            </a:endParaRPr>
-          </a:p>
-          <a:p>
-            <a:r>
-              <a:rPr lang="en-US" smtClean="0">
-                <a:latin typeface="Arial Narrow" panose="020B0606020202030204" pitchFamily="34" charset="0"/>
-              </a:rPr>
-              <a:t>...    </a:t>
-            </a:r>
-            <a:r>
-              <a:rPr lang="en-US" smtClean="0">
-                <a:solidFill>
-                  <a:srgbClr val="9933FF"/>
-                </a:solidFill>
-                <a:latin typeface="Arial Narrow" panose="020B0606020202030204" pitchFamily="34" charset="0"/>
-              </a:rPr>
-              <a:t>elif</a:t>
-            </a:r>
-            <a:r>
-              <a:rPr lang="en-US" smtClean="0">
-                <a:latin typeface="Arial Narrow" panose="020B0606020202030204" pitchFamily="34" charset="0"/>
-              </a:rPr>
-              <a:t> </a:t>
-            </a:r>
-            <a:r>
-              <a:rPr lang="en-US" smtClean="0">
-                <a:solidFill>
-                  <a:schemeClr val="accent6">
-                    <a:lumMod val="60000"/>
-                    <a:lumOff val="40000"/>
-                  </a:schemeClr>
-                </a:solidFill>
-                <a:latin typeface="Arial Narrow" panose="020B0606020202030204" pitchFamily="34" charset="0"/>
-              </a:rPr>
-              <a:t>some other statement</a:t>
-            </a:r>
-            <a:r>
-              <a:rPr lang="en-US" smtClean="0">
-                <a:solidFill>
-                  <a:srgbClr val="9933FF"/>
-                </a:solidFill>
-                <a:latin typeface="Arial Narrow" panose="020B0606020202030204" pitchFamily="34" charset="0"/>
-              </a:rPr>
-              <a:t>:</a:t>
-            </a:r>
-            <a:endParaRPr lang="en-US">
-              <a:solidFill>
-                <a:srgbClr val="9933FF"/>
-              </a:solidFill>
-              <a:latin typeface="Arial Narrow" panose="020B0606020202030204" pitchFamily="34" charset="0"/>
-            </a:endParaRPr>
-          </a:p>
-          <a:p>
-            <a:r>
-              <a:rPr lang="en-US">
-                <a:latin typeface="Arial Narrow" panose="020B0606020202030204" pitchFamily="34" charset="0"/>
-              </a:rPr>
-              <a:t>...           </a:t>
-            </a:r>
-            <a:r>
-              <a:rPr lang="en-US" smtClean="0">
-                <a:latin typeface="Arial Narrow" panose="020B0606020202030204" pitchFamily="34" charset="0"/>
-              </a:rPr>
-              <a:t>something happens</a:t>
-            </a:r>
-            <a:endParaRPr lang="en-US">
-              <a:latin typeface="Arial Narrow" panose="020B0606020202030204" pitchFamily="34" charset="0"/>
-            </a:endParaRPr>
-          </a:p>
-          <a:p>
-            <a:r>
-              <a:rPr lang="en-US" smtClean="0">
-                <a:latin typeface="Arial Narrow" panose="020B0606020202030204" pitchFamily="34" charset="0"/>
-              </a:rPr>
-              <a:t>...    </a:t>
-            </a:r>
-            <a:r>
-              <a:rPr lang="en-US" smtClean="0">
-                <a:solidFill>
-                  <a:srgbClr val="9933FF"/>
-                </a:solidFill>
-                <a:latin typeface="Arial Narrow" panose="020B0606020202030204" pitchFamily="34" charset="0"/>
-              </a:rPr>
-              <a:t>elif</a:t>
-            </a:r>
-            <a:r>
-              <a:rPr lang="en-US" smtClean="0">
-                <a:latin typeface="Arial Narrow" panose="020B0606020202030204" pitchFamily="34" charset="0"/>
-              </a:rPr>
-              <a:t> </a:t>
-            </a:r>
-            <a:r>
-              <a:rPr lang="en-US" smtClean="0">
-                <a:solidFill>
-                  <a:schemeClr val="accent6">
-                    <a:lumMod val="60000"/>
-                    <a:lumOff val="40000"/>
-                  </a:schemeClr>
-                </a:solidFill>
-                <a:latin typeface="Arial Narrow" panose="020B0606020202030204" pitchFamily="34" charset="0"/>
-              </a:rPr>
-              <a:t>some other statement</a:t>
-            </a:r>
-            <a:r>
-              <a:rPr lang="en-US" smtClean="0">
-                <a:solidFill>
-                  <a:srgbClr val="9933FF"/>
-                </a:solidFill>
-                <a:latin typeface="Arial Narrow" panose="020B0606020202030204" pitchFamily="34" charset="0"/>
-              </a:rPr>
-              <a:t>:</a:t>
-            </a:r>
-            <a:endParaRPr lang="en-US">
-              <a:solidFill>
-                <a:srgbClr val="9933FF"/>
-              </a:solidFill>
-              <a:latin typeface="Arial Narrow" panose="020B0606020202030204" pitchFamily="34" charset="0"/>
-            </a:endParaRPr>
-          </a:p>
-          <a:p>
-            <a:r>
-              <a:rPr lang="en-US">
-                <a:latin typeface="Arial Narrow" panose="020B0606020202030204" pitchFamily="34" charset="0"/>
-              </a:rPr>
-              <a:t>...           </a:t>
-            </a:r>
-            <a:r>
-              <a:rPr lang="en-US" smtClean="0">
-                <a:latin typeface="Arial Narrow" panose="020B0606020202030204" pitchFamily="34" charset="0"/>
-              </a:rPr>
-              <a:t>something happens</a:t>
-            </a:r>
-            <a:endParaRPr lang="en-US">
-              <a:latin typeface="Arial Narrow" panose="020B0606020202030204" pitchFamily="34" charset="0"/>
-            </a:endParaRPr>
-          </a:p>
-          <a:p>
-            <a:r>
-              <a:rPr lang="en-US" smtClean="0">
-                <a:latin typeface="Arial Narrow" panose="020B0606020202030204" pitchFamily="34" charset="0"/>
-              </a:rPr>
-              <a:t>...    </a:t>
-            </a:r>
-            <a:r>
-              <a:rPr lang="en-US" smtClean="0">
-                <a:solidFill>
-                  <a:srgbClr val="9933FF"/>
-                </a:solidFill>
-                <a:latin typeface="Arial Narrow" panose="020B0606020202030204" pitchFamily="34" charset="0"/>
-              </a:rPr>
-              <a:t>else</a:t>
-            </a:r>
-            <a:r>
-              <a:rPr lang="en-US">
-                <a:solidFill>
-                  <a:srgbClr val="9933FF"/>
-                </a:solidFill>
-                <a:latin typeface="Arial Narrow" panose="020B0606020202030204" pitchFamily="34" charset="0"/>
-              </a:rPr>
-              <a:t>:</a:t>
-            </a:r>
-          </a:p>
-          <a:p>
-            <a:r>
-              <a:rPr lang="en-US">
-                <a:latin typeface="Arial Narrow" panose="020B0606020202030204" pitchFamily="34" charset="0"/>
-              </a:rPr>
-              <a:t>...           </a:t>
-            </a:r>
-            <a:r>
-              <a:rPr lang="en-US" smtClean="0">
-                <a:latin typeface="Arial Narrow" panose="020B0606020202030204" pitchFamily="34" charset="0"/>
-              </a:rPr>
-              <a:t>something happens</a:t>
-            </a:r>
-            <a:endParaRPr lang="en-US">
-              <a:latin typeface="Arial Narrow" panose="020B0606020202030204" pitchFamily="34" charset="0"/>
-            </a:endParaRPr>
-          </a:p>
-        </p:txBody>
-      </p:sp>
-      <p:sp>
-        <p:nvSpPr>
-          <p:cNvPr id="10" name="TextBox 9"/>
-          <p:cNvSpPr txBox="1"/>
-          <p:nvPr/>
-        </p:nvSpPr>
-        <p:spPr>
-          <a:xfrm>
-            <a:off x="331844" y="1240496"/>
-            <a:ext cx="10928266" cy="369332"/>
-          </a:xfrm>
-          <a:prstGeom prst="rect">
-            <a:avLst/>
-          </a:prstGeom>
-          <a:noFill/>
-        </p:spPr>
-        <p:txBody>
-          <a:bodyPr wrap="square" rtlCol="0">
-            <a:spAutoFit/>
-          </a:bodyPr>
-          <a:lstStyle/>
-          <a:p>
-            <a:r>
-              <a:rPr lang="en-US">
-                <a:solidFill>
-                  <a:schemeClr val="accent4"/>
-                </a:solidFill>
-              </a:rPr>
-              <a:t>i</a:t>
-            </a:r>
-            <a:r>
-              <a:rPr lang="en-US" smtClean="0">
-                <a:solidFill>
-                  <a:schemeClr val="accent4"/>
-                </a:solidFill>
-              </a:rPr>
-              <a:t>f statement </a:t>
-            </a:r>
-            <a:r>
-              <a:rPr lang="en-US" smtClean="0">
-                <a:solidFill>
-                  <a:schemeClr val="bg1"/>
-                </a:solidFill>
-              </a:rPr>
-              <a:t>khởi đầu một khối lệnh (block of codes) có cấu trúc (structure) như sau:</a:t>
-            </a:r>
-          </a:p>
-        </p:txBody>
-      </p:sp>
-      <p:sp>
-        <p:nvSpPr>
-          <p:cNvPr id="11" name="TextBox 10"/>
-          <p:cNvSpPr txBox="1"/>
-          <p:nvPr/>
-        </p:nvSpPr>
-        <p:spPr>
-          <a:xfrm>
-            <a:off x="331844" y="267177"/>
-            <a:ext cx="11021351" cy="584775"/>
-          </a:xfrm>
-          <a:prstGeom prst="rect">
-            <a:avLst/>
-          </a:prstGeom>
-          <a:noFill/>
-        </p:spPr>
-        <p:txBody>
-          <a:bodyPr wrap="square" rtlCol="0">
-            <a:spAutoFit/>
-          </a:bodyPr>
-          <a:lstStyle/>
-          <a:p>
-            <a:r>
-              <a:rPr lang="en-US" sz="3200" b="1" smtClean="0">
-                <a:solidFill>
-                  <a:schemeClr val="bg1"/>
-                </a:solidFill>
-                <a:latin typeface="Times New Roman" panose="02020603050405020304" pitchFamily="18" charset="0"/>
-                <a:cs typeface="Times New Roman" panose="02020603050405020304" pitchFamily="18" charset="0"/>
-              </a:rPr>
-              <a:t>I. Định nghĩa:</a:t>
-            </a:r>
-            <a:endParaRPr lang="en-US" sz="3200" b="1">
-              <a:solidFill>
-                <a:schemeClr val="bg1"/>
-              </a:solidFill>
-              <a:latin typeface="Times New Roman" panose="02020603050405020304" pitchFamily="18" charset="0"/>
-              <a:cs typeface="Times New Roman" panose="02020603050405020304" pitchFamily="18" charset="0"/>
-            </a:endParaRPr>
-          </a:p>
-        </p:txBody>
-      </p:sp>
-    </p:spTree>
-    <p:extLst>
-      <p:ext uri="{BB962C8B-B14F-4D97-AF65-F5344CB8AC3E}">
-        <p14:creationId xmlns:p14="http://schemas.microsoft.com/office/powerpoint/2010/main" val="3503850488"/>
-      </p:ext>
-    </p:extLst>
-  </p:cSld>
-  <p:clrMapOvr>
-    <a:masterClrMapping/>
-  </p:clrMapOvr>
-  <p:timing>
-    <p:tnLst>
-      <p:par>
-        <p:cTn id="1" dur="indefinite" restart="never" nodeType="tmRoot"/>
-      </p:par>
-    </p:tnLst>
-  </p:timing>
-</p:sld>
-</file>
-
-<file path=ppt/slides/slide31.xml><?xml version="1.0" encoding="utf-8"?>
-<p:sld xmlns:a="http://schemas.openxmlformats.org/drawingml/2006/main" xmlns:r="http://schemas.openxmlformats.org/officeDocument/2006/relationships" xmlns:p="http://schemas.openxmlformats.org/presentationml/2006/main">
-  <p:cSld>
-    <p:spTree>
-      <p:nvGrpSpPr>
-        <p:cNvPr id="1" name=""/>
-        <p:cNvGrpSpPr/>
-        <p:nvPr/>
-      </p:nvGrpSpPr>
-      <p:grpSpPr>
-        <a:xfrm>
-          <a:off x="0" y="0"/>
-          <a:ext cx="0" cy="0"/>
-          <a:chOff x="0" y="0"/>
-          <a:chExt cx="0" cy="0"/>
-        </a:xfrm>
-      </p:grpSpPr>
-      <p:sp>
-        <p:nvSpPr>
-          <p:cNvPr id="16" name="Rectangle 15"/>
-          <p:cNvSpPr/>
-          <p:nvPr/>
-        </p:nvSpPr>
-        <p:spPr>
-          <a:xfrm>
-            <a:off x="632229" y="557955"/>
-            <a:ext cx="10713606" cy="508845"/>
-          </a:xfrm>
-          <a:prstGeom prst="rect">
-            <a:avLst/>
-          </a:prstGeom>
-          <a:noFill/>
-          <a:ln>
-            <a:noFill/>
-          </a:ln>
-        </p:spPr>
-        <p:style>
-          <a:lnRef idx="2">
-            <a:schemeClr val="accent1">
-              <a:shade val="50000"/>
-            </a:schemeClr>
-          </a:lnRef>
-          <a:fillRef idx="1">
-            <a:schemeClr val="accent1"/>
-          </a:fillRef>
-          <a:effectRef idx="0">
-            <a:schemeClr val="accent1"/>
-          </a:effectRef>
-          <a:fontRef idx="minor">
-            <a:schemeClr val="lt1"/>
-          </a:fontRef>
-        </p:style>
-        <p:txBody>
-          <a:bodyPr rtlCol="0" anchor="t"/>
-          <a:lstStyle/>
-          <a:p>
-            <a:r>
-              <a:rPr lang="en-US" sz="2400" smtClean="0">
-                <a:solidFill>
-                  <a:schemeClr val="accent2">
-                    <a:lumMod val="60000"/>
-                    <a:lumOff val="40000"/>
-                  </a:schemeClr>
-                </a:solidFill>
-                <a:latin typeface="Times New Roman" panose="02020603050405020304" pitchFamily="18" charset="0"/>
-                <a:cs typeface="Times New Roman" panose="02020603050405020304" pitchFamily="18" charset="0"/>
-              </a:rPr>
-              <a:t>Bài tập 1: </a:t>
-            </a:r>
-            <a:r>
-              <a:rPr lang="en-US" sz="2400" smtClean="0">
-                <a:solidFill>
-                  <a:schemeClr val="bg1"/>
-                </a:solidFill>
-                <a:latin typeface="Times New Roman" panose="02020603050405020304" pitchFamily="18" charset="0"/>
-                <a:cs typeface="Times New Roman" panose="02020603050405020304" pitchFamily="18" charset="0"/>
-              </a:rPr>
-              <a:t>Cho một khối lệnh như sau:</a:t>
-            </a:r>
-            <a:endParaRPr lang="en-US">
-              <a:solidFill>
-                <a:schemeClr val="bg1"/>
-              </a:solidFill>
-              <a:latin typeface="Times New Roman" panose="02020603050405020304" pitchFamily="18" charset="0"/>
-              <a:cs typeface="Times New Roman" panose="02020603050405020304" pitchFamily="18" charset="0"/>
-            </a:endParaRPr>
-          </a:p>
-        </p:txBody>
-      </p:sp>
-      <p:sp>
-        <p:nvSpPr>
-          <p:cNvPr id="18" name="Rectangle 17"/>
-          <p:cNvSpPr/>
-          <p:nvPr/>
-        </p:nvSpPr>
-        <p:spPr>
-          <a:xfrm>
-            <a:off x="696965" y="3354796"/>
-            <a:ext cx="10713606" cy="2018316"/>
-          </a:xfrm>
-          <a:prstGeom prst="rect">
-            <a:avLst/>
-          </a:prstGeom>
-          <a:noFill/>
-          <a:ln>
-            <a:noFill/>
-          </a:ln>
-        </p:spPr>
-        <p:style>
-          <a:lnRef idx="2">
-            <a:schemeClr val="accent1">
-              <a:shade val="50000"/>
-            </a:schemeClr>
-          </a:lnRef>
-          <a:fillRef idx="1">
-            <a:schemeClr val="accent1"/>
-          </a:fillRef>
-          <a:effectRef idx="0">
-            <a:schemeClr val="accent1"/>
-          </a:effectRef>
-          <a:fontRef idx="minor">
-            <a:schemeClr val="lt1"/>
-          </a:fontRef>
-        </p:style>
-        <p:txBody>
-          <a:bodyPr rtlCol="0" anchor="t"/>
-          <a:lstStyle/>
-          <a:p>
-            <a:r>
-              <a:rPr lang="en-US" sz="2400" smtClean="0">
-                <a:solidFill>
-                  <a:schemeClr val="bg1"/>
-                </a:solidFill>
-                <a:latin typeface="Times New Roman" panose="02020603050405020304" pitchFamily="18" charset="0"/>
-                <a:cs typeface="Times New Roman" panose="02020603050405020304" pitchFamily="18" charset="0"/>
-              </a:rPr>
-              <a:t>Giá trị của my_list là gì khi:</a:t>
-            </a:r>
-          </a:p>
-          <a:p>
-            <a:pPr marL="457200" indent="-457200">
-              <a:buAutoNum type="alphaLcPeriod"/>
-            </a:pPr>
-            <a:r>
-              <a:rPr lang="en-US" sz="2400" smtClean="0">
-                <a:solidFill>
-                  <a:schemeClr val="bg1"/>
-                </a:solidFill>
-                <a:latin typeface="Times New Roman" panose="02020603050405020304" pitchFamily="18" charset="0"/>
-                <a:cs typeface="Times New Roman" panose="02020603050405020304" pitchFamily="18" charset="0"/>
-              </a:rPr>
-              <a:t>x nhỏ hơn 10</a:t>
-            </a:r>
-          </a:p>
-          <a:p>
-            <a:pPr marL="457200" indent="-457200">
-              <a:buAutoNum type="alphaLcPeriod"/>
-            </a:pPr>
-            <a:r>
-              <a:rPr lang="en-US" sz="2400" smtClean="0">
-                <a:solidFill>
-                  <a:schemeClr val="bg1"/>
-                </a:solidFill>
-                <a:latin typeface="Times New Roman" panose="02020603050405020304" pitchFamily="18" charset="0"/>
-                <a:cs typeface="Times New Roman" panose="02020603050405020304" pitchFamily="18" charset="0"/>
-              </a:rPr>
-              <a:t>x lớn hơn 10, bé hơn 20</a:t>
-            </a:r>
-          </a:p>
-          <a:p>
-            <a:pPr marL="457200" indent="-457200">
-              <a:buAutoNum type="alphaLcPeriod"/>
-            </a:pPr>
-            <a:r>
-              <a:rPr lang="en-US" sz="2400" smtClean="0">
-                <a:solidFill>
-                  <a:schemeClr val="bg1"/>
-                </a:solidFill>
-                <a:latin typeface="Times New Roman" panose="02020603050405020304" pitchFamily="18" charset="0"/>
-                <a:cs typeface="Times New Roman" panose="02020603050405020304" pitchFamily="18" charset="0"/>
-              </a:rPr>
-              <a:t>x lớn hơn 20, bé hơn 50</a:t>
-            </a:r>
-          </a:p>
-          <a:p>
-            <a:pPr marL="457200" indent="-457200">
-              <a:buAutoNum type="alphaLcPeriod"/>
-            </a:pPr>
-            <a:r>
-              <a:rPr lang="en-US" sz="2400" smtClean="0">
-                <a:solidFill>
-                  <a:schemeClr val="bg1"/>
-                </a:solidFill>
-                <a:latin typeface="Times New Roman" panose="02020603050405020304" pitchFamily="18" charset="0"/>
-                <a:cs typeface="Times New Roman" panose="02020603050405020304" pitchFamily="18" charset="0"/>
-              </a:rPr>
-              <a:t>x lớn hơn 50</a:t>
-            </a:r>
-          </a:p>
-        </p:txBody>
-      </p:sp>
-      <p:pic>
-        <p:nvPicPr>
-          <p:cNvPr id="2" name="Picture 1"/>
-          <p:cNvPicPr>
-            <a:picLocks noChangeAspect="1"/>
-          </p:cNvPicPr>
-          <p:nvPr/>
-        </p:nvPicPr>
-        <p:blipFill>
-          <a:blip r:embed="rId2"/>
-          <a:stretch>
-            <a:fillRect/>
-          </a:stretch>
-        </p:blipFill>
-        <p:spPr>
-          <a:xfrm>
-            <a:off x="696965" y="1178389"/>
-            <a:ext cx="2981288" cy="2064818"/>
-          </a:xfrm>
-          <a:prstGeom prst="rect">
-            <a:avLst/>
-          </a:prstGeom>
-        </p:spPr>
-      </p:pic>
-    </p:spTree>
-    <p:extLst>
-      <p:ext uri="{BB962C8B-B14F-4D97-AF65-F5344CB8AC3E}">
-        <p14:creationId xmlns:p14="http://schemas.microsoft.com/office/powerpoint/2010/main" val="3561555971"/>
-      </p:ext>
-    </p:extLst>
-  </p:cSld>
-  <p:clrMapOvr>
-    <a:masterClrMapping/>
-  </p:clrMapOvr>
-  <p:timing>
-    <p:tnLst>
-      <p:par>
-        <p:cTn id="1" dur="indefinite" restart="never" nodeType="tmRoot"/>
-      </p:par>
-    </p:tnLst>
-  </p:timing>
-</p:sld>
-</file>
-
-<file path=ppt/slides/slide32.xml><?xml version="1.0" encoding="utf-8"?>
-<p:sld xmlns:a="http://schemas.openxmlformats.org/drawingml/2006/main" xmlns:r="http://schemas.openxmlformats.org/officeDocument/2006/relationships" xmlns:p="http://schemas.openxmlformats.org/presentationml/2006/main">
-  <p:cSld>
-    <p:spTree>
-      <p:nvGrpSpPr>
-        <p:cNvPr id="1" name=""/>
-        <p:cNvGrpSpPr/>
-        <p:nvPr/>
-      </p:nvGrpSpPr>
-      <p:grpSpPr>
-        <a:xfrm>
-          <a:off x="0" y="0"/>
-          <a:ext cx="0" cy="0"/>
-          <a:chOff x="0" y="0"/>
-          <a:chExt cx="0" cy="0"/>
-        </a:xfrm>
-      </p:grpSpPr>
-      <p:sp>
-        <p:nvSpPr>
-          <p:cNvPr id="6" name="Rectangle 5"/>
-          <p:cNvSpPr/>
-          <p:nvPr/>
-        </p:nvSpPr>
-        <p:spPr>
-          <a:xfrm>
-            <a:off x="632229" y="557955"/>
-            <a:ext cx="10713606" cy="508845"/>
-          </a:xfrm>
-          <a:prstGeom prst="rect">
-            <a:avLst/>
-          </a:prstGeom>
-          <a:noFill/>
-          <a:ln>
-            <a:noFill/>
-          </a:ln>
-        </p:spPr>
-        <p:style>
-          <a:lnRef idx="2">
-            <a:schemeClr val="accent1">
-              <a:shade val="50000"/>
-            </a:schemeClr>
-          </a:lnRef>
-          <a:fillRef idx="1">
-            <a:schemeClr val="accent1"/>
-          </a:fillRef>
-          <a:effectRef idx="0">
-            <a:schemeClr val="accent1"/>
-          </a:effectRef>
-          <a:fontRef idx="minor">
-            <a:schemeClr val="lt1"/>
-          </a:fontRef>
-        </p:style>
-        <p:txBody>
-          <a:bodyPr rtlCol="0" anchor="t"/>
-          <a:lstStyle/>
-          <a:p>
-            <a:r>
-              <a:rPr lang="en-US" sz="2400" smtClean="0">
-                <a:solidFill>
-                  <a:schemeClr val="accent2">
-                    <a:lumMod val="60000"/>
-                    <a:lumOff val="40000"/>
-                  </a:schemeClr>
-                </a:solidFill>
-                <a:latin typeface="Times New Roman" panose="02020603050405020304" pitchFamily="18" charset="0"/>
-                <a:cs typeface="Times New Roman" panose="02020603050405020304" pitchFamily="18" charset="0"/>
-              </a:rPr>
-              <a:t>Bài tập 2: </a:t>
-            </a:r>
-            <a:r>
-              <a:rPr lang="en-US" sz="2400" smtClean="0">
-                <a:solidFill>
-                  <a:schemeClr val="bg1"/>
-                </a:solidFill>
-                <a:latin typeface="Times New Roman" panose="02020603050405020304" pitchFamily="18" charset="0"/>
-                <a:cs typeface="Times New Roman" panose="02020603050405020304" pitchFamily="18" charset="0"/>
-              </a:rPr>
-              <a:t>Dự đoán kết quả của 2 đoạn code sau:</a:t>
-            </a:r>
-            <a:endParaRPr lang="en-US">
-              <a:solidFill>
-                <a:schemeClr val="bg1"/>
-              </a:solidFill>
-              <a:latin typeface="Times New Roman" panose="02020603050405020304" pitchFamily="18" charset="0"/>
-              <a:cs typeface="Times New Roman" panose="02020603050405020304" pitchFamily="18" charset="0"/>
-            </a:endParaRPr>
-          </a:p>
-        </p:txBody>
-      </p:sp>
-      <p:pic>
-        <p:nvPicPr>
-          <p:cNvPr id="2" name="Picture 1"/>
-          <p:cNvPicPr>
-            <a:picLocks noChangeAspect="1"/>
-          </p:cNvPicPr>
-          <p:nvPr/>
-        </p:nvPicPr>
-        <p:blipFill>
-          <a:blip r:embed="rId2"/>
-          <a:stretch>
-            <a:fillRect/>
-          </a:stretch>
-        </p:blipFill>
-        <p:spPr>
-          <a:xfrm>
-            <a:off x="1161080" y="1672752"/>
-            <a:ext cx="3050925" cy="854259"/>
-          </a:xfrm>
-          <a:prstGeom prst="rect">
-            <a:avLst/>
-          </a:prstGeom>
-        </p:spPr>
-      </p:pic>
-      <p:cxnSp>
-        <p:nvCxnSpPr>
-          <p:cNvPr id="9" name="Straight Connector 8"/>
-          <p:cNvCxnSpPr/>
-          <p:nvPr/>
-        </p:nvCxnSpPr>
-        <p:spPr>
-          <a:xfrm flipH="1">
-            <a:off x="4847129" y="1450770"/>
-            <a:ext cx="0" cy="1076241"/>
-          </a:xfrm>
-          <a:prstGeom prst="line">
-            <a:avLst/>
-          </a:prstGeom>
-          <a:ln w="19050">
-            <a:solidFill>
-              <a:schemeClr val="accent4"/>
-            </a:solidFill>
-          </a:ln>
-        </p:spPr>
-        <p:style>
-          <a:lnRef idx="1">
-            <a:schemeClr val="accent1"/>
-          </a:lnRef>
-          <a:fillRef idx="0">
-            <a:schemeClr val="accent1"/>
-          </a:fillRef>
-          <a:effectRef idx="0">
-            <a:schemeClr val="accent1"/>
-          </a:effectRef>
-          <a:fontRef idx="minor">
-            <a:schemeClr val="tx1"/>
-          </a:fontRef>
-        </p:style>
-      </p:cxnSp>
-      <p:pic>
-        <p:nvPicPr>
-          <p:cNvPr id="10" name="Picture 9"/>
-          <p:cNvPicPr>
-            <a:picLocks noChangeAspect="1"/>
-          </p:cNvPicPr>
-          <p:nvPr/>
-        </p:nvPicPr>
-        <p:blipFill>
-          <a:blip r:embed="rId3"/>
-          <a:stretch>
-            <a:fillRect/>
-          </a:stretch>
-        </p:blipFill>
-        <p:spPr>
-          <a:xfrm>
-            <a:off x="6101984" y="1702222"/>
-            <a:ext cx="2944826" cy="795318"/>
-          </a:xfrm>
-          <a:prstGeom prst="rect">
-            <a:avLst/>
-          </a:prstGeom>
-        </p:spPr>
-      </p:pic>
-    </p:spTree>
-    <p:extLst>
-      <p:ext uri="{BB962C8B-B14F-4D97-AF65-F5344CB8AC3E}">
-        <p14:creationId xmlns:p14="http://schemas.microsoft.com/office/powerpoint/2010/main" val="1543494865"/>
-      </p:ext>
-    </p:extLst>
-  </p:cSld>
-  <p:clrMapOvr>
-    <a:masterClrMapping/>
-  </p:clrMapOvr>
-  <p:timing>
-    <p:tnLst>
-      <p:par>
-        <p:cTn id="1" dur="indefinite" restart="never" nodeType="tmRoot"/>
-      </p:par>
-    </p:tnLst>
-  </p:timing>
-</p:sld>
-</file>
-
-<file path=ppt/slides/slide33.xml><?xml version="1.0" encoding="utf-8"?>
-<p:sld xmlns:a="http://schemas.openxmlformats.org/drawingml/2006/main" xmlns:r="http://schemas.openxmlformats.org/officeDocument/2006/relationships" xmlns:p="http://schemas.openxmlformats.org/presentationml/2006/main">
-  <p:cSld>
-    <p:spTree>
-      <p:nvGrpSpPr>
-        <p:cNvPr id="1" name=""/>
-        <p:cNvGrpSpPr/>
-        <p:nvPr/>
-      </p:nvGrpSpPr>
-      <p:grpSpPr>
-        <a:xfrm>
-          <a:off x="0" y="0"/>
-          <a:ext cx="0" cy="0"/>
-          <a:chOff x="0" y="0"/>
-          <a:chExt cx="0" cy="0"/>
-        </a:xfrm>
-      </p:grpSpPr>
-      <p:sp>
-        <p:nvSpPr>
-          <p:cNvPr id="7" name="Rectangle 6"/>
-          <p:cNvSpPr/>
-          <p:nvPr/>
-        </p:nvSpPr>
-        <p:spPr>
-          <a:xfrm>
-            <a:off x="414346" y="682800"/>
-            <a:ext cx="10713606" cy="555281"/>
-          </a:xfrm>
-          <a:prstGeom prst="rect">
-            <a:avLst/>
-          </a:prstGeom>
-          <a:noFill/>
-          <a:ln>
-            <a:noFill/>
-          </a:ln>
-        </p:spPr>
-        <p:style>
-          <a:lnRef idx="2">
-            <a:schemeClr val="accent1">
-              <a:shade val="50000"/>
-            </a:schemeClr>
-          </a:lnRef>
-          <a:fillRef idx="1">
-            <a:schemeClr val="accent1"/>
-          </a:fillRef>
-          <a:effectRef idx="0">
-            <a:schemeClr val="accent1"/>
-          </a:effectRef>
-          <a:fontRef idx="minor">
-            <a:schemeClr val="lt1"/>
-          </a:fontRef>
-        </p:style>
-        <p:txBody>
-          <a:bodyPr rtlCol="0" anchor="t"/>
-          <a:lstStyle/>
-          <a:p>
-            <a:r>
-              <a:rPr lang="en-US" sz="2400" smtClean="0">
-                <a:solidFill>
-                  <a:schemeClr val="bg1"/>
-                </a:solidFill>
-                <a:latin typeface="Times New Roman" panose="02020603050405020304" pitchFamily="18" charset="0"/>
-                <a:cs typeface="Times New Roman" panose="02020603050405020304" pitchFamily="18" charset="0"/>
-              </a:rPr>
-              <a:t>Phân biệt </a:t>
-            </a:r>
-            <a:r>
-              <a:rPr lang="en-US" sz="2400" smtClean="0">
-                <a:solidFill>
-                  <a:schemeClr val="accent4"/>
-                </a:solidFill>
-                <a:latin typeface="Times New Roman" panose="02020603050405020304" pitchFamily="18" charset="0"/>
-                <a:cs typeface="Times New Roman" panose="02020603050405020304" pitchFamily="18" charset="0"/>
-              </a:rPr>
-              <a:t>if, if, else</a:t>
-            </a:r>
-            <a:r>
-              <a:rPr lang="en-US" sz="2400" smtClean="0">
-                <a:solidFill>
-                  <a:schemeClr val="bg1"/>
-                </a:solidFill>
-                <a:latin typeface="Times New Roman" panose="02020603050405020304" pitchFamily="18" charset="0"/>
-                <a:cs typeface="Times New Roman" panose="02020603050405020304" pitchFamily="18" charset="0"/>
-              </a:rPr>
-              <a:t>… và </a:t>
-            </a:r>
-            <a:r>
-              <a:rPr lang="en-US" sz="2400" smtClean="0">
-                <a:solidFill>
-                  <a:schemeClr val="accent6">
-                    <a:lumMod val="60000"/>
-                    <a:lumOff val="40000"/>
-                  </a:schemeClr>
-                </a:solidFill>
-                <a:latin typeface="Times New Roman" panose="02020603050405020304" pitchFamily="18" charset="0"/>
-                <a:cs typeface="Times New Roman" panose="02020603050405020304" pitchFamily="18" charset="0"/>
-              </a:rPr>
-              <a:t>if, elif, else</a:t>
-            </a:r>
-          </a:p>
-        </p:txBody>
-      </p:sp>
-      <p:sp>
-        <p:nvSpPr>
-          <p:cNvPr id="3" name="Rectangle 2"/>
-          <p:cNvSpPr/>
-          <p:nvPr/>
-        </p:nvSpPr>
-        <p:spPr>
-          <a:xfrm>
-            <a:off x="414346" y="1933601"/>
-            <a:ext cx="10713606" cy="508845"/>
-          </a:xfrm>
-          <a:prstGeom prst="rect">
-            <a:avLst/>
-          </a:prstGeom>
-          <a:noFill/>
-          <a:ln>
-            <a:noFill/>
-          </a:ln>
-        </p:spPr>
-        <p:style>
-          <a:lnRef idx="2">
-            <a:schemeClr val="accent1">
-              <a:shade val="50000"/>
-            </a:schemeClr>
-          </a:lnRef>
-          <a:fillRef idx="1">
-            <a:schemeClr val="accent1"/>
-          </a:fillRef>
-          <a:effectRef idx="0">
-            <a:schemeClr val="accent1"/>
-          </a:effectRef>
-          <a:fontRef idx="minor">
-            <a:schemeClr val="lt1"/>
-          </a:fontRef>
-        </p:style>
-        <p:txBody>
-          <a:bodyPr rtlCol="0" anchor="t"/>
-          <a:lstStyle/>
-          <a:p>
-            <a:r>
-              <a:rPr lang="en-US" sz="2400" smtClean="0">
-                <a:solidFill>
-                  <a:schemeClr val="accent2">
-                    <a:lumMod val="60000"/>
-                    <a:lumOff val="40000"/>
-                  </a:schemeClr>
-                </a:solidFill>
-                <a:latin typeface="Times New Roman" panose="02020603050405020304" pitchFamily="18" charset="0"/>
-                <a:cs typeface="Times New Roman" panose="02020603050405020304" pitchFamily="18" charset="0"/>
-              </a:rPr>
-              <a:t>Bài tập 3: </a:t>
-            </a:r>
-            <a:r>
-              <a:rPr lang="en-US" sz="2400" smtClean="0">
-                <a:solidFill>
-                  <a:schemeClr val="bg1"/>
-                </a:solidFill>
-                <a:latin typeface="Times New Roman" panose="02020603050405020304" pitchFamily="18" charset="0"/>
-                <a:cs typeface="Times New Roman" panose="02020603050405020304" pitchFamily="18" charset="0"/>
-              </a:rPr>
-              <a:t>Tìm sự khác nhau giữa 2 đoạn code sau</a:t>
-            </a:r>
-            <a:endParaRPr lang="en-US">
-              <a:solidFill>
-                <a:schemeClr val="bg1"/>
-              </a:solidFill>
-              <a:latin typeface="Times New Roman" panose="02020603050405020304" pitchFamily="18" charset="0"/>
-              <a:cs typeface="Times New Roman" panose="02020603050405020304" pitchFamily="18" charset="0"/>
-            </a:endParaRPr>
-          </a:p>
-        </p:txBody>
-      </p:sp>
-      <p:pic>
-        <p:nvPicPr>
-          <p:cNvPr id="2" name="Picture 1"/>
-          <p:cNvPicPr>
-            <a:picLocks noChangeAspect="1"/>
-          </p:cNvPicPr>
-          <p:nvPr/>
-        </p:nvPicPr>
-        <p:blipFill>
-          <a:blip r:embed="rId2"/>
-          <a:stretch>
-            <a:fillRect/>
-          </a:stretch>
-        </p:blipFill>
-        <p:spPr>
-          <a:xfrm>
-            <a:off x="979008" y="3001194"/>
-            <a:ext cx="3533775" cy="1495425"/>
-          </a:xfrm>
-          <a:prstGeom prst="rect">
-            <a:avLst/>
-          </a:prstGeom>
-        </p:spPr>
-      </p:pic>
-      <p:cxnSp>
-        <p:nvCxnSpPr>
-          <p:cNvPr id="5" name="Straight Connector 4"/>
-          <p:cNvCxnSpPr/>
-          <p:nvPr/>
-        </p:nvCxnSpPr>
-        <p:spPr>
-          <a:xfrm flipH="1">
-            <a:off x="5017062" y="2826771"/>
-            <a:ext cx="0" cy="1828800"/>
-          </a:xfrm>
-          <a:prstGeom prst="line">
-            <a:avLst/>
-          </a:prstGeom>
-          <a:ln w="19050">
-            <a:solidFill>
-              <a:schemeClr val="accent4"/>
-            </a:solidFill>
-          </a:ln>
-        </p:spPr>
-        <p:style>
-          <a:lnRef idx="1">
-            <a:schemeClr val="accent1"/>
-          </a:lnRef>
-          <a:fillRef idx="0">
-            <a:schemeClr val="accent1"/>
-          </a:fillRef>
-          <a:effectRef idx="0">
-            <a:schemeClr val="accent1"/>
-          </a:effectRef>
-          <a:fontRef idx="minor">
-            <a:schemeClr val="tx1"/>
-          </a:fontRef>
-        </p:style>
-      </p:cxnSp>
-      <p:pic>
-        <p:nvPicPr>
-          <p:cNvPr id="4" name="Picture 3"/>
-          <p:cNvPicPr>
-            <a:picLocks noChangeAspect="1"/>
-          </p:cNvPicPr>
-          <p:nvPr/>
-        </p:nvPicPr>
-        <p:blipFill>
-          <a:blip r:embed="rId3"/>
-          <a:stretch>
-            <a:fillRect/>
-          </a:stretch>
-        </p:blipFill>
-        <p:spPr>
-          <a:xfrm>
-            <a:off x="5650814" y="3065931"/>
-            <a:ext cx="3219450" cy="1362075"/>
-          </a:xfrm>
-          <a:prstGeom prst="rect">
-            <a:avLst/>
-          </a:prstGeom>
-        </p:spPr>
-      </p:pic>
-    </p:spTree>
-    <p:extLst>
-      <p:ext uri="{BB962C8B-B14F-4D97-AF65-F5344CB8AC3E}">
-        <p14:creationId xmlns:p14="http://schemas.microsoft.com/office/powerpoint/2010/main" val="1736384968"/>
-      </p:ext>
-    </p:extLst>
-  </p:cSld>
-  <p:clrMapOvr>
-    <a:masterClrMapping/>
-  </p:clrMapOvr>
-  <p:timing>
-    <p:tnLst>
-      <p:par>
-        <p:cTn id="1" dur="indefinite" restart="never" nodeType="tmRoot"/>
-      </p:par>
-    </p:tnLst>
-  </p:timing>
-</p:sld>
-</file>
-
-<file path=ppt/slides/slide34.xml><?xml version="1.0" encoding="utf-8"?>
-<p:sld xmlns:a="http://schemas.openxmlformats.org/drawingml/2006/main" xmlns:r="http://schemas.openxmlformats.org/officeDocument/2006/relationships" xmlns:p="http://schemas.openxmlformats.org/presentationml/2006/main">
-  <p:cSld>
-    <p:spTree>
-      <p:nvGrpSpPr>
-        <p:cNvPr id="1" name=""/>
-        <p:cNvGrpSpPr/>
-        <p:nvPr/>
-      </p:nvGrpSpPr>
-      <p:grpSpPr>
-        <a:xfrm>
-          <a:off x="0" y="0"/>
-          <a:ext cx="0" cy="0"/>
-          <a:chOff x="0" y="0"/>
-          <a:chExt cx="0" cy="0"/>
-        </a:xfrm>
-      </p:grpSpPr>
-      <p:sp>
-        <p:nvSpPr>
-          <p:cNvPr id="4" name="TextBox 3"/>
-          <p:cNvSpPr txBox="1"/>
-          <p:nvPr/>
-        </p:nvSpPr>
-        <p:spPr>
-          <a:xfrm>
-            <a:off x="5347158" y="2355494"/>
-            <a:ext cx="1697901" cy="1200329"/>
-          </a:xfrm>
-          <a:prstGeom prst="rect">
-            <a:avLst/>
-          </a:prstGeom>
-          <a:noFill/>
-        </p:spPr>
-        <p:txBody>
-          <a:bodyPr wrap="none" rtlCol="0">
-            <a:spAutoFit/>
-          </a:bodyPr>
-          <a:lstStyle/>
-          <a:p>
-            <a:pPr algn="ctr"/>
-            <a:r>
-              <a:rPr lang="en-US" sz="3600">
-                <a:solidFill>
-                  <a:schemeClr val="bg1"/>
-                </a:solidFill>
-                <a:latin typeface="Times New Roman" panose="02020603050405020304" pitchFamily="18" charset="0"/>
-                <a:cs typeface="Times New Roman" panose="02020603050405020304" pitchFamily="18" charset="0"/>
-              </a:rPr>
-              <a:t>Phần 6</a:t>
-            </a:r>
-            <a:r>
-              <a:rPr lang="en-US" sz="3600" smtClean="0">
-                <a:solidFill>
-                  <a:schemeClr val="bg1"/>
-                </a:solidFill>
-                <a:latin typeface="Times New Roman" panose="02020603050405020304" pitchFamily="18" charset="0"/>
-                <a:cs typeface="Times New Roman" panose="02020603050405020304" pitchFamily="18" charset="0"/>
-              </a:rPr>
-              <a:t>: </a:t>
-            </a:r>
-            <a:br>
-              <a:rPr lang="en-US" sz="3600" smtClean="0">
-                <a:solidFill>
-                  <a:schemeClr val="bg1"/>
-                </a:solidFill>
-                <a:latin typeface="Times New Roman" panose="02020603050405020304" pitchFamily="18" charset="0"/>
-                <a:cs typeface="Times New Roman" panose="02020603050405020304" pitchFamily="18" charset="0"/>
-              </a:rPr>
-            </a:br>
-            <a:r>
-              <a:rPr lang="en-US" sz="3600" smtClean="0">
-                <a:solidFill>
-                  <a:schemeClr val="accent4">
-                    <a:lumMod val="60000"/>
-                    <a:lumOff val="40000"/>
-                  </a:schemeClr>
-                </a:solidFill>
-                <a:latin typeface="Times New Roman" panose="02020603050405020304" pitchFamily="18" charset="0"/>
-                <a:cs typeface="Times New Roman" panose="02020603050405020304" pitchFamily="18" charset="0"/>
-              </a:rPr>
-              <a:t>while</a:t>
-            </a:r>
-            <a:endParaRPr lang="en-US" sz="3600">
-              <a:solidFill>
-                <a:schemeClr val="accent4">
-                  <a:lumMod val="60000"/>
-                  <a:lumOff val="40000"/>
-                </a:schemeClr>
-              </a:solidFill>
-              <a:latin typeface="Times New Roman" panose="02020603050405020304" pitchFamily="18" charset="0"/>
-              <a:cs typeface="Times New Roman" panose="02020603050405020304" pitchFamily="18" charset="0"/>
-            </a:endParaRPr>
-          </a:p>
-        </p:txBody>
-      </p:sp>
-      <p:cxnSp>
-        <p:nvCxnSpPr>
-          <p:cNvPr id="10" name="Straight Connector 9"/>
-          <p:cNvCxnSpPr/>
-          <p:nvPr/>
-        </p:nvCxnSpPr>
-        <p:spPr>
-          <a:xfrm>
-            <a:off x="4504467" y="3730428"/>
-            <a:ext cx="3383280" cy="0"/>
-          </a:xfrm>
-          <a:prstGeom prst="line">
-            <a:avLst/>
-          </a:prstGeom>
-          <a:ln w="19050">
-            <a:solidFill>
-              <a:schemeClr val="bg2">
-                <a:lumMod val="50000"/>
-              </a:schemeClr>
-            </a:solidFill>
-          </a:ln>
-        </p:spPr>
-        <p:style>
-          <a:lnRef idx="1">
-            <a:schemeClr val="accent1"/>
-          </a:lnRef>
-          <a:fillRef idx="0">
-            <a:schemeClr val="accent1"/>
-          </a:fillRef>
-          <a:effectRef idx="0">
-            <a:schemeClr val="accent1"/>
-          </a:effectRef>
-          <a:fontRef idx="minor">
-            <a:schemeClr val="tx1"/>
-          </a:fontRef>
-        </p:style>
-      </p:cxnSp>
-    </p:spTree>
-    <p:extLst>
-      <p:ext uri="{BB962C8B-B14F-4D97-AF65-F5344CB8AC3E}">
-        <p14:creationId xmlns:p14="http://schemas.microsoft.com/office/powerpoint/2010/main" val="3060680142"/>
-      </p:ext>
-    </p:extLst>
-  </p:cSld>
-  <p:clrMapOvr>
-    <a:masterClrMapping/>
-  </p:clrMapOvr>
-  <p:timing>
-    <p:tnLst>
-      <p:par>
-        <p:cTn id="1" dur="indefinite" restart="never" nodeType="tmRoot"/>
-      </p:par>
-    </p:tnLst>
-  </p:timing>
-</p:sld>
-</file>
-
-<file path=ppt/slides/slide35.xml><?xml version="1.0" encoding="utf-8"?>
-<p:sld xmlns:a="http://schemas.openxmlformats.org/drawingml/2006/main" xmlns:r="http://schemas.openxmlformats.org/officeDocument/2006/relationships" xmlns:p="http://schemas.openxmlformats.org/presentationml/2006/main">
-  <p:cSld>
-    <p:spTree>
-      <p:nvGrpSpPr>
-        <p:cNvPr id="1" name=""/>
-        <p:cNvGrpSpPr/>
-        <p:nvPr/>
-      </p:nvGrpSpPr>
-      <p:grpSpPr>
-        <a:xfrm>
-          <a:off x="0" y="0"/>
-          <a:ext cx="0" cy="0"/>
-          <a:chOff x="0" y="0"/>
-          <a:chExt cx="0" cy="0"/>
-        </a:xfrm>
-      </p:grpSpPr>
-      <p:sp>
-        <p:nvSpPr>
-          <p:cNvPr id="8" name="Rectangle 7"/>
-          <p:cNvSpPr/>
-          <p:nvPr/>
-        </p:nvSpPr>
-        <p:spPr>
-          <a:xfrm>
-            <a:off x="404672" y="2006465"/>
-            <a:ext cx="6224714" cy="736735"/>
-          </a:xfrm>
-          <a:prstGeom prst="rect">
-            <a:avLst/>
-          </a:prstGeom>
-          <a:solidFill>
-            <a:schemeClr val="tx1"/>
-          </a:solidFill>
-        </p:spPr>
-        <p:style>
-          <a:lnRef idx="2">
-            <a:schemeClr val="accent1">
-              <a:shade val="50000"/>
-            </a:schemeClr>
-          </a:lnRef>
-          <a:fillRef idx="1">
-            <a:schemeClr val="accent1"/>
-          </a:fillRef>
-          <a:effectRef idx="0">
-            <a:schemeClr val="accent1"/>
-          </a:effectRef>
-          <a:fontRef idx="minor">
-            <a:schemeClr val="lt1"/>
-          </a:fontRef>
-        </p:style>
-        <p:txBody>
-          <a:bodyPr rtlCol="0" anchor="t" anchorCtr="0"/>
-          <a:lstStyle/>
-          <a:p>
-            <a:r>
-              <a:rPr lang="en-US">
-                <a:latin typeface="Arial Narrow" panose="020B0606020202030204" pitchFamily="34" charset="0"/>
-              </a:rPr>
-              <a:t>&gt;&gt;&gt; </a:t>
-            </a:r>
-            <a:r>
-              <a:rPr lang="en-US" smtClean="0">
-                <a:solidFill>
-                  <a:srgbClr val="9933FF"/>
-                </a:solidFill>
-                <a:latin typeface="Arial Narrow" panose="020B0606020202030204" pitchFamily="34" charset="0"/>
-              </a:rPr>
-              <a:t>while</a:t>
-            </a:r>
-            <a:r>
-              <a:rPr lang="en-US">
-                <a:solidFill>
-                  <a:schemeClr val="accent6">
-                    <a:lumMod val="60000"/>
-                    <a:lumOff val="40000"/>
-                  </a:schemeClr>
-                </a:solidFill>
-                <a:latin typeface="Arial Narrow" panose="020B0606020202030204" pitchFamily="34" charset="0"/>
-              </a:rPr>
-              <a:t> </a:t>
-            </a:r>
-            <a:r>
-              <a:rPr lang="en-US" smtClean="0">
-                <a:solidFill>
-                  <a:schemeClr val="accent6">
-                    <a:lumMod val="60000"/>
-                    <a:lumOff val="40000"/>
-                  </a:schemeClr>
-                </a:solidFill>
-                <a:latin typeface="Arial Narrow" panose="020B0606020202030204" pitchFamily="34" charset="0"/>
-              </a:rPr>
-              <a:t>some condition is True</a:t>
-            </a:r>
-            <a:r>
-              <a:rPr lang="en-US" smtClean="0">
-                <a:latin typeface="Arial Narrow" panose="020B0606020202030204" pitchFamily="34" charset="0"/>
-              </a:rPr>
-              <a:t>:</a:t>
-            </a:r>
-            <a:endParaRPr lang="en-US">
-              <a:latin typeface="Arial Narrow" panose="020B0606020202030204" pitchFamily="34" charset="0"/>
-            </a:endParaRPr>
-          </a:p>
-          <a:p>
-            <a:r>
-              <a:rPr lang="en-US">
-                <a:latin typeface="Arial Narrow" panose="020B0606020202030204" pitchFamily="34" charset="0"/>
-              </a:rPr>
-              <a:t>...  </a:t>
-            </a:r>
-            <a:r>
-              <a:rPr lang="en-US" smtClean="0">
-                <a:latin typeface="Arial Narrow" panose="020B0606020202030204" pitchFamily="34" charset="0"/>
-              </a:rPr>
-              <a:t>         do something</a:t>
-            </a:r>
-            <a:endParaRPr lang="en-US">
-              <a:latin typeface="Arial Narrow" panose="020B0606020202030204" pitchFamily="34" charset="0"/>
-            </a:endParaRPr>
-          </a:p>
-        </p:txBody>
-      </p:sp>
-      <p:sp>
-        <p:nvSpPr>
-          <p:cNvPr id="10" name="TextBox 9"/>
-          <p:cNvSpPr txBox="1"/>
-          <p:nvPr/>
-        </p:nvSpPr>
-        <p:spPr>
-          <a:xfrm>
-            <a:off x="331843" y="1240496"/>
-            <a:ext cx="11312595" cy="369332"/>
-          </a:xfrm>
-          <a:prstGeom prst="rect">
-            <a:avLst/>
-          </a:prstGeom>
-          <a:noFill/>
-        </p:spPr>
-        <p:txBody>
-          <a:bodyPr wrap="square" rtlCol="0">
-            <a:spAutoFit/>
-          </a:bodyPr>
-          <a:lstStyle/>
-          <a:p>
-            <a:r>
-              <a:rPr lang="en-US">
-                <a:solidFill>
-                  <a:schemeClr val="accent4"/>
-                </a:solidFill>
-              </a:rPr>
-              <a:t>w</a:t>
-            </a:r>
-            <a:r>
-              <a:rPr lang="en-US" smtClean="0">
-                <a:solidFill>
-                  <a:schemeClr val="accent4"/>
-                </a:solidFill>
-              </a:rPr>
-              <a:t>hile </a:t>
-            </a:r>
-            <a:r>
-              <a:rPr lang="en-US" smtClean="0">
-                <a:solidFill>
-                  <a:schemeClr val="bg1"/>
-                </a:solidFill>
-              </a:rPr>
-              <a:t>khởi đầu một vòng lặp có điều kiện. Vòng lặp này sẽ chạy liên tục cho đến khi điều kiện không còn được thỏa mãn</a:t>
-            </a:r>
-          </a:p>
-        </p:txBody>
-      </p:sp>
-      <p:sp>
-        <p:nvSpPr>
-          <p:cNvPr id="11" name="TextBox 10"/>
-          <p:cNvSpPr txBox="1"/>
-          <p:nvPr/>
-        </p:nvSpPr>
-        <p:spPr>
-          <a:xfrm>
-            <a:off x="331844" y="267177"/>
-            <a:ext cx="11021351" cy="584775"/>
-          </a:xfrm>
-          <a:prstGeom prst="rect">
-            <a:avLst/>
-          </a:prstGeom>
-          <a:noFill/>
-        </p:spPr>
-        <p:txBody>
-          <a:bodyPr wrap="square" rtlCol="0">
-            <a:spAutoFit/>
-          </a:bodyPr>
-          <a:lstStyle/>
-          <a:p>
-            <a:r>
-              <a:rPr lang="en-US" sz="3200" b="1" smtClean="0">
-                <a:solidFill>
-                  <a:schemeClr val="bg1"/>
-                </a:solidFill>
-                <a:latin typeface="Times New Roman" panose="02020603050405020304" pitchFamily="18" charset="0"/>
-                <a:cs typeface="Times New Roman" panose="02020603050405020304" pitchFamily="18" charset="0"/>
-              </a:rPr>
-              <a:t>I. Định nghĩa:</a:t>
-            </a:r>
-            <a:endParaRPr lang="en-US" sz="3200" b="1">
-              <a:solidFill>
-                <a:schemeClr val="bg1"/>
-              </a:solidFill>
-              <a:latin typeface="Times New Roman" panose="02020603050405020304" pitchFamily="18" charset="0"/>
-              <a:cs typeface="Times New Roman" panose="02020603050405020304" pitchFamily="18" charset="0"/>
-            </a:endParaRPr>
-          </a:p>
-        </p:txBody>
-      </p:sp>
-    </p:spTree>
-    <p:extLst>
-      <p:ext uri="{BB962C8B-B14F-4D97-AF65-F5344CB8AC3E}">
-        <p14:creationId xmlns:p14="http://schemas.microsoft.com/office/powerpoint/2010/main" val="2518266200"/>
-      </p:ext>
-    </p:extLst>
-  </p:cSld>
-  <p:clrMapOvr>
-    <a:masterClrMapping/>
-  </p:clrMapOvr>
-  <p:timing>
-    <p:tnLst>
-      <p:par>
-        <p:cTn id="1" dur="indefinite" restart="never" nodeType="tmRoot"/>
-      </p:par>
-    </p:tnLst>
-  </p:timing>
-</p:sld>
-</file>
-
-<file path=ppt/slides/slide36.xml><?xml version="1.0" encoding="utf-8"?>
-<p:sld xmlns:a="http://schemas.openxmlformats.org/drawingml/2006/main" xmlns:r="http://schemas.openxmlformats.org/officeDocument/2006/relationships" xmlns:p="http://schemas.openxmlformats.org/presentationml/2006/main">
-  <p:cSld>
-    <p:spTree>
-      <p:nvGrpSpPr>
-        <p:cNvPr id="1" name=""/>
-        <p:cNvGrpSpPr/>
-        <p:nvPr/>
-      </p:nvGrpSpPr>
-      <p:grpSpPr>
-        <a:xfrm>
-          <a:off x="0" y="0"/>
-          <a:ext cx="0" cy="0"/>
-          <a:chOff x="0" y="0"/>
-          <a:chExt cx="0" cy="0"/>
-        </a:xfrm>
-      </p:grpSpPr>
-      <p:sp>
-        <p:nvSpPr>
-          <p:cNvPr id="4" name="Rectangle 3"/>
-          <p:cNvSpPr/>
-          <p:nvPr/>
-        </p:nvSpPr>
-        <p:spPr>
-          <a:xfrm>
-            <a:off x="640321" y="511538"/>
-            <a:ext cx="10713606" cy="508845"/>
-          </a:xfrm>
-          <a:prstGeom prst="rect">
-            <a:avLst/>
-          </a:prstGeom>
-          <a:noFill/>
-          <a:ln>
-            <a:noFill/>
-          </a:ln>
-        </p:spPr>
-        <p:style>
-          <a:lnRef idx="2">
-            <a:schemeClr val="accent1">
-              <a:shade val="50000"/>
-            </a:schemeClr>
-          </a:lnRef>
-          <a:fillRef idx="1">
-            <a:schemeClr val="accent1"/>
-          </a:fillRef>
-          <a:effectRef idx="0">
-            <a:schemeClr val="accent1"/>
-          </a:effectRef>
-          <a:fontRef idx="minor">
-            <a:schemeClr val="lt1"/>
-          </a:fontRef>
-        </p:style>
-        <p:txBody>
-          <a:bodyPr rtlCol="0" anchor="t"/>
-          <a:lstStyle/>
-          <a:p>
-            <a:r>
-              <a:rPr lang="en-US" sz="2400" smtClean="0">
-                <a:solidFill>
-                  <a:schemeClr val="accent2">
-                    <a:lumMod val="60000"/>
-                    <a:lumOff val="40000"/>
-                  </a:schemeClr>
-                </a:solidFill>
-                <a:latin typeface="Times New Roman" panose="02020603050405020304" pitchFamily="18" charset="0"/>
-                <a:cs typeface="Times New Roman" panose="02020603050405020304" pitchFamily="18" charset="0"/>
-              </a:rPr>
-              <a:t>Bài tập 1: </a:t>
-            </a:r>
-            <a:r>
-              <a:rPr lang="en-US" sz="2400" smtClean="0">
-                <a:solidFill>
-                  <a:schemeClr val="bg1"/>
-                </a:solidFill>
-                <a:latin typeface="Times New Roman" panose="02020603050405020304" pitchFamily="18" charset="0"/>
-                <a:cs typeface="Times New Roman" panose="02020603050405020304" pitchFamily="18" charset="0"/>
-              </a:rPr>
-              <a:t>Cho đoạn code sau đây</a:t>
-            </a:r>
-            <a:endParaRPr lang="en-US">
-              <a:solidFill>
-                <a:schemeClr val="bg1"/>
-              </a:solidFill>
-              <a:latin typeface="Times New Roman" panose="02020603050405020304" pitchFamily="18" charset="0"/>
-              <a:cs typeface="Times New Roman" panose="02020603050405020304" pitchFamily="18" charset="0"/>
-            </a:endParaRPr>
-          </a:p>
-        </p:txBody>
-      </p:sp>
-      <p:sp>
-        <p:nvSpPr>
-          <p:cNvPr id="5" name="Rectangle 4"/>
-          <p:cNvSpPr/>
-          <p:nvPr/>
-        </p:nvSpPr>
-        <p:spPr>
-          <a:xfrm>
-            <a:off x="640321" y="2190043"/>
-            <a:ext cx="10713606" cy="508845"/>
-          </a:xfrm>
-          <a:prstGeom prst="rect">
-            <a:avLst/>
-          </a:prstGeom>
-          <a:noFill/>
-          <a:ln>
-            <a:noFill/>
-          </a:ln>
-        </p:spPr>
-        <p:style>
-          <a:lnRef idx="2">
-            <a:schemeClr val="accent1">
-              <a:shade val="50000"/>
-            </a:schemeClr>
-          </a:lnRef>
-          <a:fillRef idx="1">
-            <a:schemeClr val="accent1"/>
-          </a:fillRef>
-          <a:effectRef idx="0">
-            <a:schemeClr val="accent1"/>
-          </a:effectRef>
-          <a:fontRef idx="minor">
-            <a:schemeClr val="lt1"/>
-          </a:fontRef>
-        </p:style>
-        <p:txBody>
-          <a:bodyPr rtlCol="0" anchor="t"/>
-          <a:lstStyle/>
-          <a:p>
-            <a:r>
-              <a:rPr lang="en-US" sz="2400" smtClean="0">
-                <a:solidFill>
-                  <a:schemeClr val="bg1"/>
-                </a:solidFill>
-                <a:latin typeface="Times New Roman" panose="02020603050405020304" pitchFamily="18" charset="0"/>
-                <a:cs typeface="Times New Roman" panose="02020603050405020304" pitchFamily="18" charset="0"/>
-              </a:rPr>
-              <a:t>Kết quả của x là bao nhiêu?</a:t>
-            </a:r>
-            <a:endParaRPr lang="en-US">
-              <a:solidFill>
-                <a:schemeClr val="bg1"/>
-              </a:solidFill>
-              <a:latin typeface="Times New Roman" panose="02020603050405020304" pitchFamily="18" charset="0"/>
-              <a:cs typeface="Times New Roman" panose="02020603050405020304" pitchFamily="18" charset="0"/>
-            </a:endParaRPr>
-          </a:p>
-        </p:txBody>
-      </p:sp>
-      <p:sp>
-        <p:nvSpPr>
-          <p:cNvPr id="6" name="TextBox 5"/>
-          <p:cNvSpPr txBox="1"/>
-          <p:nvPr/>
-        </p:nvSpPr>
-        <p:spPr>
-          <a:xfrm>
-            <a:off x="882032" y="1286634"/>
-            <a:ext cx="184731" cy="369332"/>
-          </a:xfrm>
-          <a:prstGeom prst="rect">
-            <a:avLst/>
-          </a:prstGeom>
-          <a:noFill/>
-        </p:spPr>
-        <p:txBody>
-          <a:bodyPr wrap="none" rtlCol="0">
-            <a:spAutoFit/>
-          </a:bodyPr>
-          <a:lstStyle/>
-          <a:p>
-            <a:endParaRPr lang="en-US"/>
-          </a:p>
-        </p:txBody>
-      </p:sp>
-      <p:pic>
-        <p:nvPicPr>
-          <p:cNvPr id="10" name="Picture 9"/>
-          <p:cNvPicPr>
-            <a:picLocks noChangeAspect="1"/>
-          </p:cNvPicPr>
-          <p:nvPr/>
-        </p:nvPicPr>
-        <p:blipFill>
-          <a:blip r:embed="rId2"/>
-          <a:stretch>
-            <a:fillRect/>
-          </a:stretch>
-        </p:blipFill>
-        <p:spPr>
-          <a:xfrm>
-            <a:off x="882032" y="1051455"/>
-            <a:ext cx="4594532" cy="1138587"/>
-          </a:xfrm>
-          <a:prstGeom prst="rect">
-            <a:avLst/>
-          </a:prstGeom>
-        </p:spPr>
-      </p:pic>
-    </p:spTree>
-    <p:extLst>
-      <p:ext uri="{BB962C8B-B14F-4D97-AF65-F5344CB8AC3E}">
-        <p14:creationId xmlns:p14="http://schemas.microsoft.com/office/powerpoint/2010/main" val="2595865393"/>
-      </p:ext>
-    </p:extLst>
-  </p:cSld>
-  <p:clrMapOvr>
-    <a:masterClrMapping/>
-  </p:clrMapOvr>
-  <p:timing>
-    <p:tnLst>
-      <p:par>
-        <p:cTn id="1" dur="indefinite" restart="never" nodeType="tmRoot"/>
-      </p:par>
-    </p:tnLst>
-  </p:timing>
-</p:sld>
-</file>
-
-<file path=ppt/slides/slide37.xml><?xml version="1.0" encoding="utf-8"?>
-<p:sld xmlns:a="http://schemas.openxmlformats.org/drawingml/2006/main" xmlns:r="http://schemas.openxmlformats.org/officeDocument/2006/relationships" xmlns:p="http://schemas.openxmlformats.org/presentationml/2006/main">
-  <p:cSld>
-    <p:spTree>
-      <p:nvGrpSpPr>
-        <p:cNvPr id="1" name=""/>
-        <p:cNvGrpSpPr/>
-        <p:nvPr/>
-      </p:nvGrpSpPr>
-      <p:grpSpPr>
-        <a:xfrm>
-          <a:off x="0" y="0"/>
-          <a:ext cx="0" cy="0"/>
-          <a:chOff x="0" y="0"/>
-          <a:chExt cx="0" cy="0"/>
-        </a:xfrm>
-      </p:grpSpPr>
-      <p:sp>
-        <p:nvSpPr>
-          <p:cNvPr id="6" name="Rectangle 5"/>
-          <p:cNvSpPr/>
-          <p:nvPr/>
-        </p:nvSpPr>
-        <p:spPr>
-          <a:xfrm>
-            <a:off x="640321" y="511538"/>
-            <a:ext cx="10713606" cy="508845"/>
-          </a:xfrm>
-          <a:prstGeom prst="rect">
-            <a:avLst/>
-          </a:prstGeom>
-          <a:noFill/>
-          <a:ln>
-            <a:noFill/>
-          </a:ln>
-        </p:spPr>
-        <p:style>
-          <a:lnRef idx="2">
-            <a:schemeClr val="accent1">
-              <a:shade val="50000"/>
-            </a:schemeClr>
-          </a:lnRef>
-          <a:fillRef idx="1">
-            <a:schemeClr val="accent1"/>
-          </a:fillRef>
-          <a:effectRef idx="0">
-            <a:schemeClr val="accent1"/>
-          </a:effectRef>
-          <a:fontRef idx="minor">
-            <a:schemeClr val="lt1"/>
-          </a:fontRef>
-        </p:style>
-        <p:txBody>
-          <a:bodyPr rtlCol="0" anchor="t"/>
-          <a:lstStyle/>
-          <a:p>
-            <a:r>
-              <a:rPr lang="en-US" sz="2400" smtClean="0">
-                <a:solidFill>
-                  <a:schemeClr val="accent2">
-                    <a:lumMod val="60000"/>
-                    <a:lumOff val="40000"/>
-                  </a:schemeClr>
-                </a:solidFill>
-                <a:latin typeface="Times New Roman" panose="02020603050405020304" pitchFamily="18" charset="0"/>
-                <a:cs typeface="Times New Roman" panose="02020603050405020304" pitchFamily="18" charset="0"/>
-              </a:rPr>
-              <a:t>Bài tập 2: </a:t>
-            </a:r>
-            <a:r>
-              <a:rPr lang="en-US" sz="2400" smtClean="0">
-                <a:solidFill>
-                  <a:schemeClr val="bg1"/>
-                </a:solidFill>
-                <a:latin typeface="Times New Roman" panose="02020603050405020304" pitchFamily="18" charset="0"/>
-                <a:cs typeface="Times New Roman" panose="02020603050405020304" pitchFamily="18" charset="0"/>
-              </a:rPr>
-              <a:t>Cho đoạn code sau đây</a:t>
-            </a:r>
-            <a:endParaRPr lang="en-US">
-              <a:solidFill>
-                <a:schemeClr val="bg1"/>
-              </a:solidFill>
-              <a:latin typeface="Times New Roman" panose="02020603050405020304" pitchFamily="18" charset="0"/>
-              <a:cs typeface="Times New Roman" panose="02020603050405020304" pitchFamily="18" charset="0"/>
-            </a:endParaRPr>
-          </a:p>
-        </p:txBody>
-      </p:sp>
-      <p:sp>
-        <p:nvSpPr>
-          <p:cNvPr id="8" name="Rectangle 7"/>
-          <p:cNvSpPr/>
-          <p:nvPr/>
-        </p:nvSpPr>
-        <p:spPr>
-          <a:xfrm>
-            <a:off x="640321" y="2190043"/>
-            <a:ext cx="10713606" cy="508845"/>
-          </a:xfrm>
-          <a:prstGeom prst="rect">
-            <a:avLst/>
-          </a:prstGeom>
-          <a:noFill/>
-          <a:ln>
-            <a:noFill/>
-          </a:ln>
-        </p:spPr>
-        <p:style>
-          <a:lnRef idx="2">
-            <a:schemeClr val="accent1">
-              <a:shade val="50000"/>
-            </a:schemeClr>
-          </a:lnRef>
-          <a:fillRef idx="1">
-            <a:schemeClr val="accent1"/>
-          </a:fillRef>
-          <a:effectRef idx="0">
-            <a:schemeClr val="accent1"/>
-          </a:effectRef>
-          <a:fontRef idx="minor">
-            <a:schemeClr val="lt1"/>
-          </a:fontRef>
-        </p:style>
-        <p:txBody>
-          <a:bodyPr rtlCol="0" anchor="t"/>
-          <a:lstStyle/>
-          <a:p>
-            <a:r>
-              <a:rPr lang="en-US" sz="2400" smtClean="0">
-                <a:solidFill>
-                  <a:schemeClr val="bg1"/>
-                </a:solidFill>
-                <a:latin typeface="Times New Roman" panose="02020603050405020304" pitchFamily="18" charset="0"/>
-                <a:cs typeface="Times New Roman" panose="02020603050405020304" pitchFamily="18" charset="0"/>
-              </a:rPr>
-              <a:t>Kết quả của x là bao nhiêu?</a:t>
-            </a:r>
-            <a:endParaRPr lang="en-US">
-              <a:solidFill>
-                <a:schemeClr val="bg1"/>
-              </a:solidFill>
-              <a:latin typeface="Times New Roman" panose="02020603050405020304" pitchFamily="18" charset="0"/>
-              <a:cs typeface="Times New Roman" panose="02020603050405020304" pitchFamily="18" charset="0"/>
-            </a:endParaRPr>
-          </a:p>
-        </p:txBody>
-      </p:sp>
-      <p:sp>
-        <p:nvSpPr>
-          <p:cNvPr id="9" name="TextBox 8"/>
-          <p:cNvSpPr txBox="1"/>
-          <p:nvPr/>
-        </p:nvSpPr>
-        <p:spPr>
-          <a:xfrm>
-            <a:off x="882032" y="1286634"/>
-            <a:ext cx="184731" cy="369332"/>
-          </a:xfrm>
-          <a:prstGeom prst="rect">
-            <a:avLst/>
-          </a:prstGeom>
-          <a:noFill/>
-        </p:spPr>
-        <p:txBody>
-          <a:bodyPr wrap="none" rtlCol="0">
-            <a:spAutoFit/>
-          </a:bodyPr>
-          <a:lstStyle/>
-          <a:p>
-            <a:endParaRPr lang="en-US"/>
-          </a:p>
-        </p:txBody>
-      </p:sp>
-      <p:pic>
-        <p:nvPicPr>
-          <p:cNvPr id="10" name="Picture 9"/>
-          <p:cNvPicPr>
-            <a:picLocks noChangeAspect="1"/>
-          </p:cNvPicPr>
-          <p:nvPr/>
-        </p:nvPicPr>
-        <p:blipFill>
-          <a:blip r:embed="rId2"/>
-          <a:stretch>
-            <a:fillRect/>
-          </a:stretch>
-        </p:blipFill>
-        <p:spPr>
-          <a:xfrm>
-            <a:off x="794071" y="1079140"/>
-            <a:ext cx="2054326" cy="870708"/>
-          </a:xfrm>
-          <a:prstGeom prst="rect">
-            <a:avLst/>
-          </a:prstGeom>
-        </p:spPr>
-      </p:pic>
-      <p:sp>
-        <p:nvSpPr>
-          <p:cNvPr id="11" name="Rectangle 10"/>
-          <p:cNvSpPr/>
-          <p:nvPr/>
-        </p:nvSpPr>
-        <p:spPr>
-          <a:xfrm>
-            <a:off x="640321" y="2906383"/>
-            <a:ext cx="10713606" cy="508845"/>
-          </a:xfrm>
-          <a:prstGeom prst="rect">
-            <a:avLst/>
-          </a:prstGeom>
-          <a:noFill/>
-          <a:ln>
-            <a:noFill/>
-          </a:ln>
-        </p:spPr>
-        <p:style>
-          <a:lnRef idx="2">
-            <a:schemeClr val="accent1">
-              <a:shade val="50000"/>
-            </a:schemeClr>
-          </a:lnRef>
-          <a:fillRef idx="1">
-            <a:schemeClr val="accent1"/>
-          </a:fillRef>
-          <a:effectRef idx="0">
-            <a:schemeClr val="accent1"/>
-          </a:effectRef>
-          <a:fontRef idx="minor">
-            <a:schemeClr val="lt1"/>
-          </a:fontRef>
-        </p:style>
-        <p:txBody>
-          <a:bodyPr rtlCol="0" anchor="t"/>
-          <a:lstStyle/>
-          <a:p>
-            <a:r>
-              <a:rPr lang="en-US" sz="2400" smtClean="0">
-                <a:solidFill>
-                  <a:schemeClr val="bg1"/>
-                </a:solidFill>
-                <a:latin typeface="Times New Roman" panose="02020603050405020304" pitchFamily="18" charset="0"/>
-                <a:cs typeface="Times New Roman" panose="02020603050405020304" pitchFamily="18" charset="0"/>
-              </a:rPr>
-              <a:t>Thử lại với:</a:t>
-            </a:r>
-          </a:p>
-          <a:p>
-            <a:endParaRPr lang="en-US">
-              <a:solidFill>
-                <a:schemeClr val="bg1"/>
-              </a:solidFill>
-              <a:latin typeface="Times New Roman" panose="02020603050405020304" pitchFamily="18" charset="0"/>
-              <a:cs typeface="Times New Roman" panose="02020603050405020304" pitchFamily="18" charset="0"/>
-            </a:endParaRPr>
-          </a:p>
-        </p:txBody>
-      </p:sp>
-      <p:pic>
-        <p:nvPicPr>
-          <p:cNvPr id="2" name="Picture 1"/>
-          <p:cNvPicPr>
-            <a:picLocks noChangeAspect="1"/>
-          </p:cNvPicPr>
-          <p:nvPr/>
-        </p:nvPicPr>
-        <p:blipFill>
-          <a:blip r:embed="rId3"/>
-          <a:stretch>
-            <a:fillRect/>
-          </a:stretch>
-        </p:blipFill>
-        <p:spPr>
-          <a:xfrm>
-            <a:off x="2436753" y="3051114"/>
-            <a:ext cx="1832635" cy="817434"/>
-          </a:xfrm>
-          <a:prstGeom prst="rect">
-            <a:avLst/>
-          </a:prstGeom>
-        </p:spPr>
-      </p:pic>
-    </p:spTree>
-    <p:extLst>
-      <p:ext uri="{BB962C8B-B14F-4D97-AF65-F5344CB8AC3E}">
-        <p14:creationId xmlns:p14="http://schemas.microsoft.com/office/powerpoint/2010/main" val="3826182473"/>
-      </p:ext>
-    </p:extLst>
-  </p:cSld>
-  <p:clrMapOvr>
-    <a:masterClrMapping/>
-  </p:clrMapOvr>
-  <p:timing>
-    <p:tnLst>
-      <p:par>
-        <p:cTn id="1" dur="indefinite" restart="never" nodeType="tmRoot"/>
-      </p:par>
-    </p:tnLst>
-  </p:timing>
-</p:sld>
-</file>
-
-<file path=ppt/slides/slide38.xml><?xml version="1.0" encoding="utf-8"?>
-<p:sld xmlns:a="http://schemas.openxmlformats.org/drawingml/2006/main" xmlns:r="http://schemas.openxmlformats.org/officeDocument/2006/relationships" xmlns:p="http://schemas.openxmlformats.org/presentationml/2006/main">
-  <p:cSld>
-    <p:spTree>
-      <p:nvGrpSpPr>
-        <p:cNvPr id="1" name=""/>
-        <p:cNvGrpSpPr/>
-        <p:nvPr/>
-      </p:nvGrpSpPr>
-      <p:grpSpPr>
-        <a:xfrm>
-          <a:off x="0" y="0"/>
-          <a:ext cx="0" cy="0"/>
-          <a:chOff x="0" y="0"/>
-          <a:chExt cx="0" cy="0"/>
-        </a:xfrm>
-      </p:grpSpPr>
-      <p:sp>
-        <p:nvSpPr>
-          <p:cNvPr id="9" name="TextBox 8"/>
-          <p:cNvSpPr txBox="1"/>
-          <p:nvPr/>
-        </p:nvSpPr>
-        <p:spPr>
-          <a:xfrm>
-            <a:off x="809204" y="4580092"/>
-            <a:ext cx="184731" cy="369332"/>
-          </a:xfrm>
-          <a:prstGeom prst="rect">
-            <a:avLst/>
-          </a:prstGeom>
-          <a:noFill/>
-        </p:spPr>
-        <p:txBody>
-          <a:bodyPr wrap="none" rtlCol="0">
-            <a:spAutoFit/>
-          </a:bodyPr>
-          <a:lstStyle/>
-          <a:p>
-            <a:endParaRPr lang="en-US"/>
-          </a:p>
-        </p:txBody>
-      </p:sp>
-      <p:sp>
-        <p:nvSpPr>
-          <p:cNvPr id="12" name="Rectangle 11"/>
-          <p:cNvSpPr/>
-          <p:nvPr/>
-        </p:nvSpPr>
-        <p:spPr>
-          <a:xfrm>
-            <a:off x="567493" y="4071247"/>
-            <a:ext cx="10713606" cy="508845"/>
-          </a:xfrm>
-          <a:prstGeom prst="rect">
-            <a:avLst/>
-          </a:prstGeom>
-          <a:noFill/>
-          <a:ln>
-            <a:noFill/>
-          </a:ln>
-        </p:spPr>
-        <p:style>
-          <a:lnRef idx="2">
-            <a:schemeClr val="accent1">
-              <a:shade val="50000"/>
-            </a:schemeClr>
-          </a:lnRef>
-          <a:fillRef idx="1">
-            <a:schemeClr val="accent1"/>
-          </a:fillRef>
-          <a:effectRef idx="0">
-            <a:schemeClr val="accent1"/>
-          </a:effectRef>
-          <a:fontRef idx="minor">
-            <a:schemeClr val="lt1"/>
-          </a:fontRef>
-        </p:style>
-        <p:txBody>
-          <a:bodyPr rtlCol="0" anchor="t"/>
-          <a:lstStyle/>
-          <a:p>
-            <a:r>
-              <a:rPr lang="en-US" sz="2400" smtClean="0">
-                <a:solidFill>
-                  <a:schemeClr val="accent2">
-                    <a:lumMod val="60000"/>
-                    <a:lumOff val="40000"/>
-                  </a:schemeClr>
-                </a:solidFill>
-                <a:latin typeface="Times New Roman" panose="02020603050405020304" pitchFamily="18" charset="0"/>
-                <a:cs typeface="Times New Roman" panose="02020603050405020304" pitchFamily="18" charset="0"/>
-              </a:rPr>
-              <a:t>Bài tập </a:t>
-            </a:r>
-            <a:r>
-              <a:rPr lang="en-US" sz="2400">
-                <a:solidFill>
-                  <a:schemeClr val="accent2">
-                    <a:lumMod val="60000"/>
-                    <a:lumOff val="40000"/>
-                  </a:schemeClr>
-                </a:solidFill>
-                <a:latin typeface="Times New Roman" panose="02020603050405020304" pitchFamily="18" charset="0"/>
-                <a:cs typeface="Times New Roman" panose="02020603050405020304" pitchFamily="18" charset="0"/>
-              </a:rPr>
-              <a:t>4</a:t>
-            </a:r>
-            <a:r>
-              <a:rPr lang="en-US" sz="2400" smtClean="0">
-                <a:solidFill>
-                  <a:schemeClr val="accent2">
-                    <a:lumMod val="60000"/>
-                    <a:lumOff val="40000"/>
-                  </a:schemeClr>
-                </a:solidFill>
-                <a:latin typeface="Times New Roman" panose="02020603050405020304" pitchFamily="18" charset="0"/>
-                <a:cs typeface="Times New Roman" panose="02020603050405020304" pitchFamily="18" charset="0"/>
-              </a:rPr>
-              <a:t>: </a:t>
-            </a:r>
-            <a:r>
-              <a:rPr lang="en-US" sz="2400" smtClean="0">
-                <a:solidFill>
-                  <a:schemeClr val="bg1"/>
-                </a:solidFill>
-                <a:latin typeface="Times New Roman" panose="02020603050405020304" pitchFamily="18" charset="0"/>
-                <a:cs typeface="Times New Roman" panose="02020603050405020304" pitchFamily="18" charset="0"/>
-              </a:rPr>
-              <a:t>tạo một list chứa 100 số hạng đầu tiên của dãy Fibonacci</a:t>
-            </a:r>
-            <a:endParaRPr lang="en-US">
-              <a:solidFill>
-                <a:schemeClr val="bg1"/>
-              </a:solidFill>
-              <a:latin typeface="Times New Roman" panose="02020603050405020304" pitchFamily="18" charset="0"/>
-              <a:cs typeface="Times New Roman" panose="02020603050405020304" pitchFamily="18" charset="0"/>
-            </a:endParaRPr>
-          </a:p>
-        </p:txBody>
-      </p:sp>
-      <p:sp>
-        <p:nvSpPr>
-          <p:cNvPr id="13" name="Rectangle 12"/>
-          <p:cNvSpPr/>
-          <p:nvPr/>
-        </p:nvSpPr>
-        <p:spPr>
-          <a:xfrm>
-            <a:off x="567493" y="330048"/>
-            <a:ext cx="10713606" cy="508845"/>
-          </a:xfrm>
-          <a:prstGeom prst="rect">
-            <a:avLst/>
-          </a:prstGeom>
-          <a:noFill/>
-          <a:ln>
-            <a:noFill/>
-          </a:ln>
-        </p:spPr>
-        <p:style>
-          <a:lnRef idx="2">
-            <a:schemeClr val="accent1">
-              <a:shade val="50000"/>
-            </a:schemeClr>
-          </a:lnRef>
-          <a:fillRef idx="1">
-            <a:schemeClr val="accent1"/>
-          </a:fillRef>
-          <a:effectRef idx="0">
-            <a:schemeClr val="accent1"/>
-          </a:effectRef>
-          <a:fontRef idx="minor">
-            <a:schemeClr val="lt1"/>
-          </a:fontRef>
-        </p:style>
-        <p:txBody>
-          <a:bodyPr rtlCol="0" anchor="t"/>
-          <a:lstStyle/>
-          <a:p>
-            <a:r>
-              <a:rPr lang="en-US" sz="2400" smtClean="0">
-                <a:solidFill>
-                  <a:schemeClr val="accent2">
-                    <a:lumMod val="60000"/>
-                    <a:lumOff val="40000"/>
-                  </a:schemeClr>
-                </a:solidFill>
-                <a:latin typeface="Times New Roman" panose="02020603050405020304" pitchFamily="18" charset="0"/>
-                <a:cs typeface="Times New Roman" panose="02020603050405020304" pitchFamily="18" charset="0"/>
-              </a:rPr>
-              <a:t>Bài tập 3: </a:t>
-            </a:r>
-            <a:r>
-              <a:rPr lang="en-US" sz="2400" smtClean="0">
-                <a:solidFill>
-                  <a:schemeClr val="bg1"/>
-                </a:solidFill>
-                <a:latin typeface="Times New Roman" panose="02020603050405020304" pitchFamily="18" charset="0"/>
-                <a:cs typeface="Times New Roman" panose="02020603050405020304" pitchFamily="18" charset="0"/>
-              </a:rPr>
-              <a:t>Cho đoạn code sau</a:t>
-            </a:r>
-            <a:endParaRPr lang="en-US">
-              <a:solidFill>
-                <a:schemeClr val="bg1"/>
-              </a:solidFill>
-              <a:latin typeface="Times New Roman" panose="02020603050405020304" pitchFamily="18" charset="0"/>
-              <a:cs typeface="Times New Roman" panose="02020603050405020304" pitchFamily="18" charset="0"/>
-            </a:endParaRPr>
-          </a:p>
-        </p:txBody>
-      </p:sp>
-      <p:pic>
-        <p:nvPicPr>
-          <p:cNvPr id="4" name="Picture 3"/>
-          <p:cNvPicPr>
-            <a:picLocks noChangeAspect="1"/>
-          </p:cNvPicPr>
-          <p:nvPr/>
-        </p:nvPicPr>
-        <p:blipFill>
-          <a:blip r:embed="rId2"/>
-          <a:stretch>
-            <a:fillRect/>
-          </a:stretch>
-        </p:blipFill>
-        <p:spPr>
-          <a:xfrm>
-            <a:off x="663546" y="895122"/>
-            <a:ext cx="2621627" cy="1501093"/>
-          </a:xfrm>
-          <a:prstGeom prst="rect">
-            <a:avLst/>
-          </a:prstGeom>
-        </p:spPr>
-      </p:pic>
-      <p:sp>
-        <p:nvSpPr>
-          <p:cNvPr id="16" name="Rectangle 15"/>
-          <p:cNvSpPr/>
-          <p:nvPr/>
-        </p:nvSpPr>
-        <p:spPr>
-          <a:xfrm>
-            <a:off x="567493" y="2486676"/>
-            <a:ext cx="10713606" cy="508845"/>
-          </a:xfrm>
-          <a:prstGeom prst="rect">
-            <a:avLst/>
-          </a:prstGeom>
-          <a:noFill/>
-          <a:ln>
-            <a:noFill/>
-          </a:ln>
-        </p:spPr>
-        <p:style>
-          <a:lnRef idx="2">
-            <a:schemeClr val="accent1">
-              <a:shade val="50000"/>
-            </a:schemeClr>
-          </a:lnRef>
-          <a:fillRef idx="1">
-            <a:schemeClr val="accent1"/>
-          </a:fillRef>
-          <a:effectRef idx="0">
-            <a:schemeClr val="accent1"/>
-          </a:effectRef>
-          <a:fontRef idx="minor">
-            <a:schemeClr val="lt1"/>
-          </a:fontRef>
-        </p:style>
-        <p:txBody>
-          <a:bodyPr rtlCol="0" anchor="t"/>
-          <a:lstStyle/>
-          <a:p>
-            <a:r>
-              <a:rPr lang="en-US" sz="2400" smtClean="0">
-                <a:solidFill>
-                  <a:schemeClr val="bg1"/>
-                </a:solidFill>
-                <a:latin typeface="Times New Roman" panose="02020603050405020304" pitchFamily="18" charset="0"/>
-                <a:cs typeface="Times New Roman" panose="02020603050405020304" pitchFamily="18" charset="0"/>
-              </a:rPr>
-              <a:t>Kết quả của my_list là bao nhiêu?</a:t>
-            </a:r>
-            <a:endParaRPr lang="en-US">
-              <a:solidFill>
-                <a:schemeClr val="bg1"/>
-              </a:solidFill>
-              <a:latin typeface="Times New Roman" panose="02020603050405020304" pitchFamily="18" charset="0"/>
-              <a:cs typeface="Times New Roman" panose="02020603050405020304" pitchFamily="18" charset="0"/>
-            </a:endParaRPr>
-          </a:p>
-        </p:txBody>
-      </p:sp>
-    </p:spTree>
-    <p:extLst>
-      <p:ext uri="{BB962C8B-B14F-4D97-AF65-F5344CB8AC3E}">
-        <p14:creationId xmlns:p14="http://schemas.microsoft.com/office/powerpoint/2010/main" val="2262752232"/>
-      </p:ext>
-    </p:extLst>
-  </p:cSld>
-  <p:clrMapOvr>
-    <a:masterClrMapping/>
-  </p:clrMapOvr>
-  <p:timing>
-    <p:tnLst>
-      <p:par>
-        <p:cTn id="1" dur="indefinite" restart="never" nodeType="tmRoot"/>
-      </p:par>
-    </p:tnLst>
-  </p:timing>
-</p:sld>
-</file>
-
-<file path=ppt/slides/slide39.xml><?xml version="1.0" encoding="utf-8"?>
-<p:sld xmlns:a="http://schemas.openxmlformats.org/drawingml/2006/main" xmlns:r="http://schemas.openxmlformats.org/officeDocument/2006/relationships" xmlns:p="http://schemas.openxmlformats.org/presentationml/2006/main">
-  <p:cSld>
-    <p:spTree>
-      <p:nvGrpSpPr>
-        <p:cNvPr id="1" name=""/>
-        <p:cNvGrpSpPr/>
-        <p:nvPr/>
-      </p:nvGrpSpPr>
-      <p:grpSpPr>
-        <a:xfrm>
-          <a:off x="0" y="0"/>
-          <a:ext cx="0" cy="0"/>
-          <a:chOff x="0" y="0"/>
-          <a:chExt cx="0" cy="0"/>
-        </a:xfrm>
-      </p:grpSpPr>
-      <p:sp>
-        <p:nvSpPr>
-          <p:cNvPr id="9" name="TextBox 8"/>
-          <p:cNvSpPr txBox="1"/>
-          <p:nvPr/>
-        </p:nvSpPr>
-        <p:spPr>
-          <a:xfrm>
-            <a:off x="857756" y="2217218"/>
-            <a:ext cx="184731" cy="369332"/>
-          </a:xfrm>
-          <a:prstGeom prst="rect">
-            <a:avLst/>
-          </a:prstGeom>
-          <a:noFill/>
-        </p:spPr>
-        <p:txBody>
-          <a:bodyPr wrap="none" rtlCol="0">
-            <a:spAutoFit/>
-          </a:bodyPr>
-          <a:lstStyle/>
-          <a:p>
-            <a:endParaRPr lang="en-US"/>
-          </a:p>
-        </p:txBody>
-      </p:sp>
-      <p:sp>
-        <p:nvSpPr>
-          <p:cNvPr id="13" name="Rectangle 12"/>
-          <p:cNvSpPr/>
-          <p:nvPr/>
-        </p:nvSpPr>
-        <p:spPr>
-          <a:xfrm>
-            <a:off x="486572" y="1473300"/>
-            <a:ext cx="10713606" cy="508845"/>
-          </a:xfrm>
-          <a:prstGeom prst="rect">
-            <a:avLst/>
-          </a:prstGeom>
-          <a:noFill/>
-          <a:ln>
-            <a:noFill/>
-          </a:ln>
-        </p:spPr>
-        <p:style>
-          <a:lnRef idx="2">
-            <a:schemeClr val="accent1">
-              <a:shade val="50000"/>
-            </a:schemeClr>
-          </a:lnRef>
-          <a:fillRef idx="1">
-            <a:schemeClr val="accent1"/>
-          </a:fillRef>
-          <a:effectRef idx="0">
-            <a:schemeClr val="accent1"/>
-          </a:effectRef>
-          <a:fontRef idx="minor">
-            <a:schemeClr val="lt1"/>
-          </a:fontRef>
-        </p:style>
-        <p:txBody>
-          <a:bodyPr rtlCol="0" anchor="t"/>
-          <a:lstStyle/>
-          <a:p>
-            <a:r>
-              <a:rPr lang="en-US" sz="2400" smtClean="0">
-                <a:solidFill>
-                  <a:schemeClr val="accent2">
-                    <a:lumMod val="60000"/>
-                    <a:lumOff val="40000"/>
-                  </a:schemeClr>
-                </a:solidFill>
-                <a:latin typeface="Times New Roman" panose="02020603050405020304" pitchFamily="18" charset="0"/>
-                <a:cs typeface="Times New Roman" panose="02020603050405020304" pitchFamily="18" charset="0"/>
-              </a:rPr>
-              <a:t>Bài tập 6: </a:t>
-            </a:r>
-            <a:r>
-              <a:rPr lang="en-US" sz="2400">
-                <a:solidFill>
-                  <a:schemeClr val="bg1"/>
-                </a:solidFill>
-                <a:latin typeface="Times New Roman" panose="02020603050405020304" pitchFamily="18" charset="0"/>
-                <a:cs typeface="Times New Roman" panose="02020603050405020304" pitchFamily="18" charset="0"/>
-              </a:rPr>
-              <a:t>T</a:t>
-            </a:r>
-            <a:r>
-              <a:rPr lang="en-US" sz="2400" smtClean="0">
-                <a:solidFill>
-                  <a:schemeClr val="bg1"/>
-                </a:solidFill>
-                <a:latin typeface="Times New Roman" panose="02020603050405020304" pitchFamily="18" charset="0"/>
-                <a:cs typeface="Times New Roman" panose="02020603050405020304" pitchFamily="18" charset="0"/>
-              </a:rPr>
-              <a:t>ạo một list chứa 20 số chính phương đầu tiên</a:t>
-            </a:r>
-            <a:endParaRPr lang="en-US">
-              <a:solidFill>
-                <a:schemeClr val="bg1"/>
-              </a:solidFill>
-              <a:latin typeface="Times New Roman" panose="02020603050405020304" pitchFamily="18" charset="0"/>
-              <a:cs typeface="Times New Roman" panose="02020603050405020304" pitchFamily="18" charset="0"/>
-            </a:endParaRPr>
-          </a:p>
-        </p:txBody>
-      </p:sp>
-      <mc:AlternateContent xmlns:mc="http://schemas.openxmlformats.org/markup-compatibility/2006" xmlns:a14="http://schemas.microsoft.com/office/drawing/2010/main">
-        <mc:Choice Requires="a14">
-          <p:sp>
-            <p:nvSpPr>
-              <p:cNvPr id="8" name="Rectangle 7"/>
-              <p:cNvSpPr/>
-              <p:nvPr/>
-            </p:nvSpPr>
-            <p:spPr>
-              <a:xfrm>
-                <a:off x="486572" y="2217217"/>
-                <a:ext cx="11441088" cy="1124793"/>
-              </a:xfrm>
-              <a:prstGeom prst="rect">
-                <a:avLst/>
-              </a:prstGeom>
-              <a:noFill/>
-              <a:ln>
-                <a:noFill/>
-              </a:ln>
-            </p:spPr>
-            <p:style>
-              <a:lnRef idx="2">
-                <a:schemeClr val="accent1">
-                  <a:shade val="50000"/>
-                </a:schemeClr>
-              </a:lnRef>
-              <a:fillRef idx="1">
-                <a:schemeClr val="accent1"/>
-              </a:fillRef>
-              <a:effectRef idx="0">
-                <a:schemeClr val="accent1"/>
-              </a:effectRef>
-              <a:fontRef idx="minor">
-                <a:schemeClr val="lt1"/>
-              </a:fontRef>
-            </p:style>
-            <p:txBody>
-              <a:bodyPr rtlCol="0" anchor="t"/>
-              <a:lstStyle/>
-              <a:p>
-                <a:r>
-                  <a:rPr lang="en-US" sz="2400" smtClean="0">
-                    <a:solidFill>
-                      <a:schemeClr val="accent2">
-                        <a:lumMod val="60000"/>
-                        <a:lumOff val="40000"/>
-                      </a:schemeClr>
-                    </a:solidFill>
-                    <a:latin typeface="Times New Roman" panose="02020603050405020304" pitchFamily="18" charset="0"/>
-                    <a:cs typeface="Times New Roman" panose="02020603050405020304" pitchFamily="18" charset="0"/>
-                  </a:rPr>
-                  <a:t>Bài tập </a:t>
-                </a:r>
-                <a:r>
-                  <a:rPr lang="en-US" sz="2400">
-                    <a:solidFill>
-                      <a:schemeClr val="accent2">
-                        <a:lumMod val="60000"/>
-                        <a:lumOff val="40000"/>
-                      </a:schemeClr>
-                    </a:solidFill>
-                    <a:latin typeface="Times New Roman" panose="02020603050405020304" pitchFamily="18" charset="0"/>
-                    <a:cs typeface="Times New Roman" panose="02020603050405020304" pitchFamily="18" charset="0"/>
-                  </a:rPr>
-                  <a:t>7</a:t>
-                </a:r>
-                <a:r>
-                  <a:rPr lang="en-US" sz="2400" smtClean="0">
-                    <a:solidFill>
-                      <a:schemeClr val="accent2">
-                        <a:lumMod val="60000"/>
-                        <a:lumOff val="40000"/>
-                      </a:schemeClr>
-                    </a:solidFill>
-                    <a:latin typeface="Times New Roman" panose="02020603050405020304" pitchFamily="18" charset="0"/>
-                    <a:cs typeface="Times New Roman" panose="02020603050405020304" pitchFamily="18" charset="0"/>
-                  </a:rPr>
-                  <a:t>: </a:t>
-                </a:r>
-                <a:r>
-                  <a:rPr lang="en-US" sz="2400" smtClean="0">
-                    <a:solidFill>
-                      <a:schemeClr val="bg1"/>
-                    </a:solidFill>
-                    <a:latin typeface="Times New Roman" panose="02020603050405020304" pitchFamily="18" charset="0"/>
-                    <a:cs typeface="Times New Roman" panose="02020603050405020304" pitchFamily="18" charset="0"/>
-                  </a:rPr>
-                  <a:t>Cho n=1, cần phải chia n cho 2 tối thiểu bao nhiêu lần để n nhỏ hơn </a:t>
-                </a:r>
-                <a14:m>
-                  <m:oMath xmlns:m="http://schemas.openxmlformats.org/officeDocument/2006/math">
-                    <m:f>
-                      <m:fPr>
-                        <m:ctrlPr>
-                          <a:rPr lang="en-US" sz="2400" i="1" smtClean="0">
-                            <a:solidFill>
-                              <a:schemeClr val="bg1"/>
-                            </a:solidFill>
-                            <a:latin typeface="Cambria Math" panose="02040503050406030204" pitchFamily="18" charset="0"/>
-                            <a:cs typeface="Times New Roman" panose="02020603050405020304" pitchFamily="18" charset="0"/>
-                          </a:rPr>
-                        </m:ctrlPr>
-                      </m:fPr>
-                      <m:num>
-                        <m:r>
-                          <a:rPr lang="en-US" sz="2400" b="0" i="1" smtClean="0">
-                            <a:solidFill>
-                              <a:schemeClr val="bg1"/>
-                            </a:solidFill>
-                            <a:latin typeface="Cambria Math" panose="02040503050406030204" pitchFamily="18" charset="0"/>
-                            <a:cs typeface="Times New Roman" panose="02020603050405020304" pitchFamily="18" charset="0"/>
-                          </a:rPr>
-                          <m:t>1</m:t>
-                        </m:r>
-                      </m:num>
-                      <m:den>
-                        <m:r>
-                          <a:rPr lang="en-US" sz="2400" b="0" i="1" smtClean="0">
-                            <a:solidFill>
-                              <a:schemeClr val="bg1"/>
-                            </a:solidFill>
-                            <a:latin typeface="Cambria Math" panose="02040503050406030204" pitchFamily="18" charset="0"/>
-                            <a:cs typeface="Times New Roman" panose="02020603050405020304" pitchFamily="18" charset="0"/>
-                          </a:rPr>
-                          <m:t>10,000</m:t>
-                        </m:r>
-                      </m:den>
-                    </m:f>
-                  </m:oMath>
-                </a14:m>
-                <a:endParaRPr lang="en-US">
-                  <a:solidFill>
-                    <a:schemeClr val="bg1"/>
-                  </a:solidFill>
-                  <a:latin typeface="Times New Roman" panose="02020603050405020304" pitchFamily="18" charset="0"/>
-                  <a:cs typeface="Times New Roman" panose="02020603050405020304" pitchFamily="18" charset="0"/>
-                </a:endParaRPr>
-              </a:p>
-            </p:txBody>
-          </p:sp>
-        </mc:Choice>
-        <mc:Fallback xmlns="">
-          <p:sp>
-            <p:nvSpPr>
-              <p:cNvPr id="8" name="Rectangle 7"/>
-              <p:cNvSpPr>
-                <a:spLocks noRot="1" noChangeAspect="1" noMove="1" noResize="1" noEditPoints="1" noAdjustHandles="1" noChangeArrowheads="1" noChangeShapeType="1" noTextEdit="1"/>
-              </p:cNvSpPr>
-              <p:nvPr/>
-            </p:nvSpPr>
-            <p:spPr>
-              <a:xfrm>
-                <a:off x="486572" y="2217217"/>
-                <a:ext cx="11441088" cy="1124793"/>
-              </a:xfrm>
-              <a:prstGeom prst="rect">
-                <a:avLst/>
-              </a:prstGeom>
-              <a:blipFill rotWithShape="0">
-                <a:blip r:embed="rId2"/>
-                <a:stretch>
-                  <a:fillRect l="-852"/>
-                </a:stretch>
-              </a:blipFill>
-              <a:ln>
-                <a:noFill/>
-              </a:ln>
-            </p:spPr>
-            <p:txBody>
-              <a:bodyPr/>
-              <a:lstStyle/>
-              <a:p>
-                <a:r>
-                  <a:rPr lang="en-US">
-                    <a:noFill/>
-                  </a:rPr>
-                  <a:t> </a:t>
-                </a:r>
-              </a:p>
-            </p:txBody>
-          </p:sp>
-        </mc:Fallback>
-      </mc:AlternateContent>
-      <p:sp>
-        <p:nvSpPr>
-          <p:cNvPr id="10" name="Rectangle 9"/>
-          <p:cNvSpPr/>
-          <p:nvPr/>
-        </p:nvSpPr>
-        <p:spPr>
-          <a:xfrm>
-            <a:off x="486572" y="688084"/>
-            <a:ext cx="10713606" cy="508845"/>
-          </a:xfrm>
-          <a:prstGeom prst="rect">
-            <a:avLst/>
-          </a:prstGeom>
-          <a:noFill/>
-          <a:ln>
-            <a:noFill/>
-          </a:ln>
-        </p:spPr>
-        <p:style>
-          <a:lnRef idx="2">
-            <a:schemeClr val="accent1">
-              <a:shade val="50000"/>
-            </a:schemeClr>
-          </a:lnRef>
-          <a:fillRef idx="1">
-            <a:schemeClr val="accent1"/>
-          </a:fillRef>
-          <a:effectRef idx="0">
-            <a:schemeClr val="accent1"/>
-          </a:effectRef>
-          <a:fontRef idx="minor">
-            <a:schemeClr val="lt1"/>
-          </a:fontRef>
-        </p:style>
-        <p:txBody>
-          <a:bodyPr rtlCol="0" anchor="t"/>
-          <a:lstStyle/>
-          <a:p>
-            <a:r>
-              <a:rPr lang="en-US" sz="2400" smtClean="0">
-                <a:solidFill>
-                  <a:schemeClr val="accent2">
-                    <a:lumMod val="60000"/>
-                    <a:lumOff val="40000"/>
-                  </a:schemeClr>
-                </a:solidFill>
-                <a:latin typeface="Times New Roman" panose="02020603050405020304" pitchFamily="18" charset="0"/>
-                <a:cs typeface="Times New Roman" panose="02020603050405020304" pitchFamily="18" charset="0"/>
-              </a:rPr>
-              <a:t>Bài tập 5: </a:t>
-            </a:r>
-            <a:r>
-              <a:rPr lang="en-US" sz="2400">
-                <a:solidFill>
-                  <a:schemeClr val="bg1"/>
-                </a:solidFill>
-                <a:latin typeface="Times New Roman" panose="02020603050405020304" pitchFamily="18" charset="0"/>
-                <a:cs typeface="Times New Roman" panose="02020603050405020304" pitchFamily="18" charset="0"/>
-              </a:rPr>
-              <a:t>T</a:t>
-            </a:r>
-            <a:r>
-              <a:rPr lang="en-US" sz="2400" smtClean="0">
-                <a:solidFill>
-                  <a:schemeClr val="bg1"/>
-                </a:solidFill>
-                <a:latin typeface="Times New Roman" panose="02020603050405020304" pitchFamily="18" charset="0"/>
-                <a:cs typeface="Times New Roman" panose="02020603050405020304" pitchFamily="18" charset="0"/>
-              </a:rPr>
-              <a:t>ạo một list chứa các phần tử từ 1 đến 100</a:t>
-            </a:r>
-            <a:endParaRPr lang="en-US">
-              <a:solidFill>
-                <a:schemeClr val="bg1"/>
-              </a:solidFill>
-              <a:latin typeface="Times New Roman" panose="02020603050405020304" pitchFamily="18" charset="0"/>
-              <a:cs typeface="Times New Roman" panose="02020603050405020304" pitchFamily="18" charset="0"/>
-            </a:endParaRPr>
-          </a:p>
-        </p:txBody>
-      </p:sp>
-      <p:sp>
-        <p:nvSpPr>
-          <p:cNvPr id="11" name="Rectangle 10"/>
-          <p:cNvSpPr/>
-          <p:nvPr/>
-        </p:nvSpPr>
-        <p:spPr>
-          <a:xfrm>
-            <a:off x="486572" y="3421583"/>
-            <a:ext cx="11441088" cy="600160"/>
-          </a:xfrm>
-          <a:prstGeom prst="rect">
-            <a:avLst/>
-          </a:prstGeom>
-          <a:noFill/>
-          <a:ln>
-            <a:noFill/>
-          </a:ln>
-        </p:spPr>
-        <p:style>
-          <a:lnRef idx="2">
-            <a:schemeClr val="accent1">
-              <a:shade val="50000"/>
-            </a:schemeClr>
-          </a:lnRef>
-          <a:fillRef idx="1">
-            <a:schemeClr val="accent1"/>
-          </a:fillRef>
-          <a:effectRef idx="0">
-            <a:schemeClr val="accent1"/>
-          </a:effectRef>
-          <a:fontRef idx="minor">
-            <a:schemeClr val="lt1"/>
-          </a:fontRef>
-        </p:style>
-        <p:txBody>
-          <a:bodyPr rtlCol="0" anchor="t"/>
-          <a:lstStyle/>
-          <a:p>
-            <a:r>
-              <a:rPr lang="en-US" sz="2400" smtClean="0">
-                <a:solidFill>
-                  <a:schemeClr val="accent2">
-                    <a:lumMod val="60000"/>
-                    <a:lumOff val="40000"/>
-                  </a:schemeClr>
-                </a:solidFill>
-                <a:latin typeface="Times New Roman" panose="02020603050405020304" pitchFamily="18" charset="0"/>
-                <a:cs typeface="Times New Roman" panose="02020603050405020304" pitchFamily="18" charset="0"/>
-              </a:rPr>
-              <a:t>Bài tập 8: </a:t>
-            </a:r>
-            <a:r>
-              <a:rPr lang="en-US" sz="2400" smtClean="0">
-                <a:solidFill>
-                  <a:schemeClr val="bg1"/>
-                </a:solidFill>
-                <a:latin typeface="Times New Roman" panose="02020603050405020304" pitchFamily="18" charset="0"/>
-                <a:cs typeface="Times New Roman" panose="02020603050405020304" pitchFamily="18" charset="0"/>
-              </a:rPr>
-              <a:t>Một trái phiếu trả lãi 8% một năm, cần nắm giữ bao lâu để nhân 3 tài sản</a:t>
-            </a:r>
-            <a:endParaRPr lang="en-US">
-              <a:solidFill>
-                <a:schemeClr val="bg1"/>
-              </a:solidFill>
-              <a:latin typeface="Times New Roman" panose="02020603050405020304" pitchFamily="18" charset="0"/>
-              <a:cs typeface="Times New Roman" panose="02020603050405020304" pitchFamily="18" charset="0"/>
-            </a:endParaRPr>
-          </a:p>
-        </p:txBody>
-      </p:sp>
-    </p:spTree>
-    <p:extLst>
-      <p:ext uri="{BB962C8B-B14F-4D97-AF65-F5344CB8AC3E}">
-        <p14:creationId xmlns:p14="http://schemas.microsoft.com/office/powerpoint/2010/main" val="2346628482"/>
       </p:ext>
     </p:extLst>
   </p:cSld>
@@ -14857,2960 +11793,6 @@
     <p:extLst>
       <p:ext uri="{BB962C8B-B14F-4D97-AF65-F5344CB8AC3E}">
         <p14:creationId xmlns:p14="http://schemas.microsoft.com/office/powerpoint/2010/main" val="2154431868"/>
-      </p:ext>
-    </p:extLst>
-  </p:cSld>
-  <p:clrMapOvr>
-    <a:masterClrMapping/>
-  </p:clrMapOvr>
-  <p:timing>
-    <p:tnLst>
-      <p:par>
-        <p:cTn id="1" dur="indefinite" restart="never" nodeType="tmRoot"/>
-      </p:par>
-    </p:tnLst>
-  </p:timing>
-</p:sld>
-</file>
-
-<file path=ppt/slides/slide40.xml><?xml version="1.0" encoding="utf-8"?>
-<p:sld xmlns:a="http://schemas.openxmlformats.org/drawingml/2006/main" xmlns:r="http://schemas.openxmlformats.org/officeDocument/2006/relationships" xmlns:p="http://schemas.openxmlformats.org/presentationml/2006/main">
-  <p:cSld>
-    <p:spTree>
-      <p:nvGrpSpPr>
-        <p:cNvPr id="1" name=""/>
-        <p:cNvGrpSpPr/>
-        <p:nvPr/>
-      </p:nvGrpSpPr>
-      <p:grpSpPr>
-        <a:xfrm>
-          <a:off x="0" y="0"/>
-          <a:ext cx="0" cy="0"/>
-          <a:chOff x="0" y="0"/>
-          <a:chExt cx="0" cy="0"/>
-        </a:xfrm>
-      </p:grpSpPr>
-      <p:sp>
-        <p:nvSpPr>
-          <p:cNvPr id="4" name="TextBox 3"/>
-          <p:cNvSpPr txBox="1"/>
-          <p:nvPr/>
-        </p:nvSpPr>
-        <p:spPr>
-          <a:xfrm>
-            <a:off x="5347158" y="2355494"/>
-            <a:ext cx="1697901" cy="1200329"/>
-          </a:xfrm>
-          <a:prstGeom prst="rect">
-            <a:avLst/>
-          </a:prstGeom>
-          <a:noFill/>
-        </p:spPr>
-        <p:txBody>
-          <a:bodyPr wrap="none" rtlCol="0">
-            <a:spAutoFit/>
-          </a:bodyPr>
-          <a:lstStyle/>
-          <a:p>
-            <a:pPr algn="ctr"/>
-            <a:r>
-              <a:rPr lang="en-US" sz="3600">
-                <a:solidFill>
-                  <a:schemeClr val="bg1"/>
-                </a:solidFill>
-                <a:latin typeface="Times New Roman" panose="02020603050405020304" pitchFamily="18" charset="0"/>
-                <a:cs typeface="Times New Roman" panose="02020603050405020304" pitchFamily="18" charset="0"/>
-              </a:rPr>
-              <a:t>Phần </a:t>
-            </a:r>
-            <a:r>
-              <a:rPr lang="en-US" sz="3600" smtClean="0">
-                <a:solidFill>
-                  <a:schemeClr val="bg1"/>
-                </a:solidFill>
-                <a:latin typeface="Times New Roman" panose="02020603050405020304" pitchFamily="18" charset="0"/>
-                <a:cs typeface="Times New Roman" panose="02020603050405020304" pitchFamily="18" charset="0"/>
-              </a:rPr>
-              <a:t>7: </a:t>
-            </a:r>
-            <a:br>
-              <a:rPr lang="en-US" sz="3600" smtClean="0">
-                <a:solidFill>
-                  <a:schemeClr val="bg1"/>
-                </a:solidFill>
-                <a:latin typeface="Times New Roman" panose="02020603050405020304" pitchFamily="18" charset="0"/>
-                <a:cs typeface="Times New Roman" panose="02020603050405020304" pitchFamily="18" charset="0"/>
-              </a:rPr>
-            </a:br>
-            <a:r>
-              <a:rPr lang="en-US" sz="3600" smtClean="0">
-                <a:solidFill>
-                  <a:schemeClr val="accent4">
-                    <a:lumMod val="60000"/>
-                    <a:lumOff val="40000"/>
-                  </a:schemeClr>
-                </a:solidFill>
-                <a:latin typeface="Times New Roman" panose="02020603050405020304" pitchFamily="18" charset="0"/>
-                <a:cs typeface="Times New Roman" panose="02020603050405020304" pitchFamily="18" charset="0"/>
-              </a:rPr>
-              <a:t>for</a:t>
-            </a:r>
-            <a:endParaRPr lang="en-US" sz="3600">
-              <a:solidFill>
-                <a:schemeClr val="accent4">
-                  <a:lumMod val="60000"/>
-                  <a:lumOff val="40000"/>
-                </a:schemeClr>
-              </a:solidFill>
-              <a:latin typeface="Times New Roman" panose="02020603050405020304" pitchFamily="18" charset="0"/>
-              <a:cs typeface="Times New Roman" panose="02020603050405020304" pitchFamily="18" charset="0"/>
-            </a:endParaRPr>
-          </a:p>
-        </p:txBody>
-      </p:sp>
-      <p:cxnSp>
-        <p:nvCxnSpPr>
-          <p:cNvPr id="10" name="Straight Connector 9"/>
-          <p:cNvCxnSpPr/>
-          <p:nvPr/>
-        </p:nvCxnSpPr>
-        <p:spPr>
-          <a:xfrm>
-            <a:off x="4504467" y="3730428"/>
-            <a:ext cx="3383280" cy="0"/>
-          </a:xfrm>
-          <a:prstGeom prst="line">
-            <a:avLst/>
-          </a:prstGeom>
-          <a:ln w="19050">
-            <a:solidFill>
-              <a:schemeClr val="bg2">
-                <a:lumMod val="50000"/>
-              </a:schemeClr>
-            </a:solidFill>
-          </a:ln>
-        </p:spPr>
-        <p:style>
-          <a:lnRef idx="1">
-            <a:schemeClr val="accent1"/>
-          </a:lnRef>
-          <a:fillRef idx="0">
-            <a:schemeClr val="accent1"/>
-          </a:fillRef>
-          <a:effectRef idx="0">
-            <a:schemeClr val="accent1"/>
-          </a:effectRef>
-          <a:fontRef idx="minor">
-            <a:schemeClr val="tx1"/>
-          </a:fontRef>
-        </p:style>
-      </p:cxnSp>
-    </p:spTree>
-    <p:extLst>
-      <p:ext uri="{BB962C8B-B14F-4D97-AF65-F5344CB8AC3E}">
-        <p14:creationId xmlns:p14="http://schemas.microsoft.com/office/powerpoint/2010/main" val="2668179701"/>
-      </p:ext>
-    </p:extLst>
-  </p:cSld>
-  <p:clrMapOvr>
-    <a:masterClrMapping/>
-  </p:clrMapOvr>
-  <p:timing>
-    <p:tnLst>
-      <p:par>
-        <p:cTn id="1" dur="indefinite" restart="never" nodeType="tmRoot"/>
-      </p:par>
-    </p:tnLst>
-  </p:timing>
-</p:sld>
-</file>
-
-<file path=ppt/slides/slide41.xml><?xml version="1.0" encoding="utf-8"?>
-<p:sld xmlns:a="http://schemas.openxmlformats.org/drawingml/2006/main" xmlns:r="http://schemas.openxmlformats.org/officeDocument/2006/relationships" xmlns:p="http://schemas.openxmlformats.org/presentationml/2006/main">
-  <p:cSld>
-    <p:spTree>
-      <p:nvGrpSpPr>
-        <p:cNvPr id="1" name=""/>
-        <p:cNvGrpSpPr/>
-        <p:nvPr/>
-      </p:nvGrpSpPr>
-      <p:grpSpPr>
-        <a:xfrm>
-          <a:off x="0" y="0"/>
-          <a:ext cx="0" cy="0"/>
-          <a:chOff x="0" y="0"/>
-          <a:chExt cx="0" cy="0"/>
-        </a:xfrm>
-      </p:grpSpPr>
-      <p:sp>
-        <p:nvSpPr>
-          <p:cNvPr id="8" name="Rectangle 7"/>
-          <p:cNvSpPr/>
-          <p:nvPr/>
-        </p:nvSpPr>
-        <p:spPr>
-          <a:xfrm>
-            <a:off x="404672" y="2006465"/>
-            <a:ext cx="6224714" cy="979331"/>
-          </a:xfrm>
-          <a:prstGeom prst="rect">
-            <a:avLst/>
-          </a:prstGeom>
-          <a:solidFill>
-            <a:schemeClr val="tx1"/>
-          </a:solidFill>
-        </p:spPr>
-        <p:style>
-          <a:lnRef idx="2">
-            <a:schemeClr val="accent1">
-              <a:shade val="50000"/>
-            </a:schemeClr>
-          </a:lnRef>
-          <a:fillRef idx="1">
-            <a:schemeClr val="accent1"/>
-          </a:fillRef>
-          <a:effectRef idx="0">
-            <a:schemeClr val="accent1"/>
-          </a:effectRef>
-          <a:fontRef idx="minor">
-            <a:schemeClr val="lt1"/>
-          </a:fontRef>
-        </p:style>
-        <p:txBody>
-          <a:bodyPr rtlCol="0" anchor="t" anchorCtr="0"/>
-          <a:lstStyle/>
-          <a:p>
-            <a:r>
-              <a:rPr lang="en-US">
-                <a:latin typeface="Arial Narrow" panose="020B0606020202030204" pitchFamily="34" charset="0"/>
-              </a:rPr>
-              <a:t>&gt;&gt;&gt; </a:t>
-            </a:r>
-            <a:r>
-              <a:rPr lang="en-US" smtClean="0">
-                <a:solidFill>
-                  <a:srgbClr val="9933FF"/>
-                </a:solidFill>
-                <a:latin typeface="Arial Narrow" panose="020B0606020202030204" pitchFamily="34" charset="0"/>
-              </a:rPr>
-              <a:t>for </a:t>
-            </a:r>
-            <a:r>
-              <a:rPr lang="en-US" smtClean="0">
-                <a:solidFill>
-                  <a:schemeClr val="accent6">
-                    <a:lumMod val="60000"/>
-                    <a:lumOff val="40000"/>
-                  </a:schemeClr>
-                </a:solidFill>
-                <a:latin typeface="Arial Narrow" panose="020B0606020202030204" pitchFamily="34" charset="0"/>
-              </a:rPr>
-              <a:t>item </a:t>
-            </a:r>
-            <a:r>
-              <a:rPr lang="en-US" smtClean="0">
-                <a:solidFill>
-                  <a:srgbClr val="9933FF"/>
-                </a:solidFill>
-                <a:latin typeface="Arial Narrow" panose="020B0606020202030204" pitchFamily="34" charset="0"/>
-              </a:rPr>
-              <a:t>in</a:t>
-            </a:r>
-            <a:r>
-              <a:rPr lang="en-US" smtClean="0">
-                <a:solidFill>
-                  <a:schemeClr val="accent6">
-                    <a:lumMod val="60000"/>
-                    <a:lumOff val="40000"/>
-                  </a:schemeClr>
-                </a:solidFill>
-                <a:latin typeface="Arial Narrow" panose="020B0606020202030204" pitchFamily="34" charset="0"/>
-              </a:rPr>
-              <a:t> sequence</a:t>
-            </a:r>
-            <a:r>
-              <a:rPr lang="en-US" smtClean="0">
-                <a:latin typeface="Arial Narrow" panose="020B0606020202030204" pitchFamily="34" charset="0"/>
-              </a:rPr>
-              <a:t>:</a:t>
-            </a:r>
-            <a:endParaRPr lang="en-US">
-              <a:latin typeface="Arial Narrow" panose="020B0606020202030204" pitchFamily="34" charset="0"/>
-            </a:endParaRPr>
-          </a:p>
-          <a:p>
-            <a:r>
-              <a:rPr lang="en-US">
-                <a:latin typeface="Arial Narrow" panose="020B0606020202030204" pitchFamily="34" charset="0"/>
-              </a:rPr>
-              <a:t>...  </a:t>
-            </a:r>
-            <a:r>
-              <a:rPr lang="en-US" smtClean="0">
-                <a:latin typeface="Arial Narrow" panose="020B0606020202030204" pitchFamily="34" charset="0"/>
-              </a:rPr>
-              <a:t>         do something with </a:t>
-            </a:r>
-            <a:r>
-              <a:rPr lang="en-US">
-                <a:solidFill>
-                  <a:schemeClr val="accent6">
-                    <a:lumMod val="60000"/>
-                    <a:lumOff val="40000"/>
-                  </a:schemeClr>
-                </a:solidFill>
-                <a:latin typeface="Arial Narrow" panose="020B0606020202030204" pitchFamily="34" charset="0"/>
-              </a:rPr>
-              <a:t>item</a:t>
-            </a:r>
-          </a:p>
-        </p:txBody>
-      </p:sp>
-      <p:sp>
-        <p:nvSpPr>
-          <p:cNvPr id="10" name="TextBox 9"/>
-          <p:cNvSpPr txBox="1"/>
-          <p:nvPr/>
-        </p:nvSpPr>
-        <p:spPr>
-          <a:xfrm>
-            <a:off x="331843" y="1240496"/>
-            <a:ext cx="11546025" cy="369332"/>
-          </a:xfrm>
-          <a:prstGeom prst="rect">
-            <a:avLst/>
-          </a:prstGeom>
-          <a:noFill/>
-        </p:spPr>
-        <p:txBody>
-          <a:bodyPr wrap="square" rtlCol="0">
-            <a:spAutoFit/>
-          </a:bodyPr>
-          <a:lstStyle/>
-          <a:p>
-            <a:r>
-              <a:rPr lang="en-US" smtClean="0">
-                <a:solidFill>
-                  <a:schemeClr val="accent4"/>
-                </a:solidFill>
-              </a:rPr>
-              <a:t>for </a:t>
-            </a:r>
-            <a:r>
-              <a:rPr lang="en-US">
-                <a:solidFill>
-                  <a:schemeClr val="bg1"/>
-                </a:solidFill>
-              </a:rPr>
-              <a:t>khởi đầu một vòng </a:t>
-            </a:r>
-            <a:r>
-              <a:rPr lang="en-US" smtClean="0">
-                <a:solidFill>
-                  <a:schemeClr val="bg1"/>
-                </a:solidFill>
-              </a:rPr>
-              <a:t>lặp, mỗi vòng lặp sẽ sử dụng một phần tử trong chuỗi lặp (sequence) để làm biến số đầu vào</a:t>
-            </a:r>
-            <a:endParaRPr lang="en-US">
-              <a:solidFill>
-                <a:schemeClr val="bg1"/>
-              </a:solidFill>
-            </a:endParaRPr>
-          </a:p>
-        </p:txBody>
-      </p:sp>
-      <p:sp>
-        <p:nvSpPr>
-          <p:cNvPr id="11" name="TextBox 10"/>
-          <p:cNvSpPr txBox="1"/>
-          <p:nvPr/>
-        </p:nvSpPr>
-        <p:spPr>
-          <a:xfrm>
-            <a:off x="331844" y="267177"/>
-            <a:ext cx="11021351" cy="584775"/>
-          </a:xfrm>
-          <a:prstGeom prst="rect">
-            <a:avLst/>
-          </a:prstGeom>
-          <a:noFill/>
-        </p:spPr>
-        <p:txBody>
-          <a:bodyPr wrap="square" rtlCol="0">
-            <a:spAutoFit/>
-          </a:bodyPr>
-          <a:lstStyle/>
-          <a:p>
-            <a:r>
-              <a:rPr lang="en-US" sz="3200" b="1" smtClean="0">
-                <a:solidFill>
-                  <a:schemeClr val="bg1"/>
-                </a:solidFill>
-                <a:latin typeface="Times New Roman" panose="02020603050405020304" pitchFamily="18" charset="0"/>
-                <a:cs typeface="Times New Roman" panose="02020603050405020304" pitchFamily="18" charset="0"/>
-              </a:rPr>
-              <a:t>I. Định nghĩa:</a:t>
-            </a:r>
-            <a:endParaRPr lang="en-US" sz="3200" b="1">
-              <a:solidFill>
-                <a:schemeClr val="bg1"/>
-              </a:solidFill>
-              <a:latin typeface="Times New Roman" panose="02020603050405020304" pitchFamily="18" charset="0"/>
-              <a:cs typeface="Times New Roman" panose="02020603050405020304" pitchFamily="18" charset="0"/>
-            </a:endParaRPr>
-          </a:p>
-        </p:txBody>
-      </p:sp>
-    </p:spTree>
-    <p:extLst>
-      <p:ext uri="{BB962C8B-B14F-4D97-AF65-F5344CB8AC3E}">
-        <p14:creationId xmlns:p14="http://schemas.microsoft.com/office/powerpoint/2010/main" val="2150227263"/>
-      </p:ext>
-    </p:extLst>
-  </p:cSld>
-  <p:clrMapOvr>
-    <a:masterClrMapping/>
-  </p:clrMapOvr>
-  <p:timing>
-    <p:tnLst>
-      <p:par>
-        <p:cTn id="1" dur="indefinite" restart="never" nodeType="tmRoot"/>
-      </p:par>
-    </p:tnLst>
-  </p:timing>
-</p:sld>
-</file>
-
-<file path=ppt/slides/slide42.xml><?xml version="1.0" encoding="utf-8"?>
-<p:sld xmlns:a="http://schemas.openxmlformats.org/drawingml/2006/main" xmlns:r="http://schemas.openxmlformats.org/officeDocument/2006/relationships" xmlns:p="http://schemas.openxmlformats.org/presentationml/2006/main">
-  <p:cSld>
-    <p:spTree>
-      <p:nvGrpSpPr>
-        <p:cNvPr id="1" name=""/>
-        <p:cNvGrpSpPr/>
-        <p:nvPr/>
-      </p:nvGrpSpPr>
-      <p:grpSpPr>
-        <a:xfrm>
-          <a:off x="0" y="0"/>
-          <a:ext cx="0" cy="0"/>
-          <a:chOff x="0" y="0"/>
-          <a:chExt cx="0" cy="0"/>
-        </a:xfrm>
-      </p:grpSpPr>
-      <p:sp>
-        <p:nvSpPr>
-          <p:cNvPr id="5" name="TextBox 4"/>
-          <p:cNvSpPr txBox="1"/>
-          <p:nvPr/>
-        </p:nvSpPr>
-        <p:spPr>
-          <a:xfrm>
-            <a:off x="10328220" y="6482298"/>
-            <a:ext cx="1863780" cy="307777"/>
-          </a:xfrm>
-          <a:prstGeom prst="rect">
-            <a:avLst/>
-          </a:prstGeom>
-          <a:noFill/>
-        </p:spPr>
-        <p:txBody>
-          <a:bodyPr wrap="none" rtlCol="0">
-            <a:spAutoFit/>
-          </a:bodyPr>
-          <a:lstStyle/>
-          <a:p>
-            <a:r>
-              <a:rPr lang="en-US" sz="1400" smtClean="0">
-                <a:solidFill>
-                  <a:schemeClr val="bg1"/>
-                </a:solidFill>
-                <a:latin typeface="Times New Roman" panose="02020603050405020304" pitchFamily="18" charset="0"/>
-              </a:rPr>
-              <a:t>Prepared by Hiep Dang</a:t>
-            </a:r>
-            <a:endParaRPr lang="en-US" sz="1400">
-              <a:solidFill>
-                <a:schemeClr val="bg1"/>
-              </a:solidFill>
-              <a:latin typeface="Times New Roman" panose="02020603050405020304" pitchFamily="18" charset="0"/>
-            </a:endParaRPr>
-          </a:p>
-        </p:txBody>
-      </p:sp>
-      <p:sp>
-        <p:nvSpPr>
-          <p:cNvPr id="3" name="TextBox 2"/>
-          <p:cNvSpPr txBox="1"/>
-          <p:nvPr/>
-        </p:nvSpPr>
-        <p:spPr>
-          <a:xfrm>
-            <a:off x="317241" y="653823"/>
-            <a:ext cx="9244838" cy="369332"/>
-          </a:xfrm>
-          <a:prstGeom prst="rect">
-            <a:avLst/>
-          </a:prstGeom>
-          <a:noFill/>
-        </p:spPr>
-        <p:txBody>
-          <a:bodyPr wrap="none" rtlCol="0">
-            <a:spAutoFit/>
-          </a:bodyPr>
-          <a:lstStyle/>
-          <a:p>
-            <a:r>
-              <a:rPr lang="en-US" smtClean="0">
-                <a:solidFill>
-                  <a:srgbClr val="FFC000"/>
-                </a:solidFill>
-              </a:rPr>
-              <a:t>range() </a:t>
-            </a:r>
-            <a:r>
-              <a:rPr lang="en-US" smtClean="0">
-                <a:solidFill>
-                  <a:schemeClr val="bg1"/>
-                </a:solidFill>
-              </a:rPr>
-              <a:t>function tạo ra một object dùng trong các phép lặp chuỗi số. Cú pháp của range() có dạng:</a:t>
-            </a:r>
-          </a:p>
-        </p:txBody>
-      </p:sp>
-      <p:sp>
-        <p:nvSpPr>
-          <p:cNvPr id="4" name="TextBox 3"/>
-          <p:cNvSpPr txBox="1"/>
-          <p:nvPr/>
-        </p:nvSpPr>
-        <p:spPr>
-          <a:xfrm>
-            <a:off x="317241" y="1295007"/>
-            <a:ext cx="4292082" cy="369332"/>
-          </a:xfrm>
-          <a:prstGeom prst="rect">
-            <a:avLst/>
-          </a:prstGeom>
-          <a:noFill/>
-        </p:spPr>
-        <p:txBody>
-          <a:bodyPr wrap="square" rtlCol="0">
-            <a:spAutoFit/>
-          </a:bodyPr>
-          <a:lstStyle/>
-          <a:p>
-            <a:r>
-              <a:rPr lang="en-US">
-                <a:solidFill>
-                  <a:schemeClr val="bg1"/>
-                </a:solidFill>
-              </a:rPr>
-              <a:t>range(</a:t>
-            </a:r>
-            <a:r>
-              <a:rPr lang="en-US">
-                <a:solidFill>
-                  <a:schemeClr val="accent2">
-                    <a:lumMod val="60000"/>
-                    <a:lumOff val="40000"/>
-                  </a:schemeClr>
-                </a:solidFill>
-              </a:rPr>
-              <a:t>start</a:t>
-            </a:r>
-            <a:r>
-              <a:rPr lang="en-US" smtClean="0">
-                <a:solidFill>
-                  <a:schemeClr val="bg1"/>
-                </a:solidFill>
-              </a:rPr>
-              <a:t>, </a:t>
-            </a:r>
-            <a:r>
-              <a:rPr lang="en-US">
-                <a:solidFill>
-                  <a:schemeClr val="accent2">
-                    <a:lumMod val="60000"/>
-                    <a:lumOff val="40000"/>
-                  </a:schemeClr>
-                </a:solidFill>
-              </a:rPr>
-              <a:t>stop</a:t>
-            </a:r>
-            <a:r>
-              <a:rPr lang="en-US" smtClean="0">
-                <a:solidFill>
-                  <a:schemeClr val="bg1"/>
-                </a:solidFill>
-              </a:rPr>
-              <a:t>, </a:t>
-            </a:r>
-            <a:r>
-              <a:rPr lang="en-US">
-                <a:solidFill>
-                  <a:schemeClr val="accent2">
-                    <a:lumMod val="60000"/>
-                    <a:lumOff val="40000"/>
-                  </a:schemeClr>
-                </a:solidFill>
-              </a:rPr>
-              <a:t>step</a:t>
-            </a:r>
-            <a:r>
-              <a:rPr lang="en-US" smtClean="0">
-                <a:solidFill>
-                  <a:schemeClr val="bg1"/>
-                </a:solidFill>
-              </a:rPr>
-              <a:t>)</a:t>
-            </a:r>
-            <a:endParaRPr lang="en-US">
-              <a:solidFill>
-                <a:schemeClr val="bg1"/>
-              </a:solidFill>
-            </a:endParaRPr>
-          </a:p>
-        </p:txBody>
-      </p:sp>
-      <p:sp>
-        <p:nvSpPr>
-          <p:cNvPr id="8" name="TextBox 7"/>
-          <p:cNvSpPr txBox="1"/>
-          <p:nvPr/>
-        </p:nvSpPr>
-        <p:spPr>
-          <a:xfrm>
-            <a:off x="317241" y="1940945"/>
-            <a:ext cx="3834881" cy="369332"/>
-          </a:xfrm>
-          <a:prstGeom prst="rect">
-            <a:avLst/>
-          </a:prstGeom>
-          <a:noFill/>
-        </p:spPr>
-        <p:txBody>
-          <a:bodyPr wrap="square" rtlCol="0">
-            <a:spAutoFit/>
-          </a:bodyPr>
-          <a:lstStyle/>
-          <a:p>
-            <a:r>
-              <a:rPr lang="en-US" smtClean="0">
-                <a:solidFill>
-                  <a:schemeClr val="bg1"/>
-                </a:solidFill>
-              </a:rPr>
-              <a:t>Ví dụ: </a:t>
-            </a:r>
-          </a:p>
-        </p:txBody>
-      </p:sp>
-      <p:sp>
-        <p:nvSpPr>
-          <p:cNvPr id="15" name="Rectangle 14"/>
-          <p:cNvSpPr/>
-          <p:nvPr/>
-        </p:nvSpPr>
-        <p:spPr>
-          <a:xfrm>
-            <a:off x="317241" y="4282282"/>
-            <a:ext cx="10713606" cy="508845"/>
-          </a:xfrm>
-          <a:prstGeom prst="rect">
-            <a:avLst/>
-          </a:prstGeom>
-          <a:noFill/>
-          <a:ln>
-            <a:noFill/>
-          </a:ln>
-        </p:spPr>
-        <p:style>
-          <a:lnRef idx="2">
-            <a:schemeClr val="accent1">
-              <a:shade val="50000"/>
-            </a:schemeClr>
-          </a:lnRef>
-          <a:fillRef idx="1">
-            <a:schemeClr val="accent1"/>
-          </a:fillRef>
-          <a:effectRef idx="0">
-            <a:schemeClr val="accent1"/>
-          </a:effectRef>
-          <a:fontRef idx="minor">
-            <a:schemeClr val="lt1"/>
-          </a:fontRef>
-        </p:style>
-        <p:txBody>
-          <a:bodyPr rtlCol="0" anchor="t"/>
-          <a:lstStyle/>
-          <a:p>
-            <a:r>
-              <a:rPr lang="en-US" sz="2400" smtClean="0">
-                <a:solidFill>
-                  <a:schemeClr val="accent2">
-                    <a:lumMod val="60000"/>
-                    <a:lumOff val="40000"/>
-                  </a:schemeClr>
-                </a:solidFill>
-                <a:latin typeface="Times New Roman" panose="02020603050405020304" pitchFamily="18" charset="0"/>
-                <a:cs typeface="Times New Roman" panose="02020603050405020304" pitchFamily="18" charset="0"/>
-              </a:rPr>
-              <a:t>Bài tập 1: </a:t>
-            </a:r>
-            <a:r>
-              <a:rPr lang="en-US" sz="2400" smtClean="0">
-                <a:solidFill>
-                  <a:schemeClr val="bg1"/>
-                </a:solidFill>
-                <a:latin typeface="Times New Roman" panose="02020603050405020304" pitchFamily="18" charset="0"/>
-                <a:cs typeface="Times New Roman" panose="02020603050405020304" pitchFamily="18" charset="0"/>
-              </a:rPr>
-              <a:t>Thử các đoạn code sau</a:t>
-            </a:r>
-            <a:endParaRPr lang="en-US">
-              <a:solidFill>
-                <a:schemeClr val="bg1"/>
-              </a:solidFill>
-              <a:latin typeface="Times New Roman" panose="02020603050405020304" pitchFamily="18" charset="0"/>
-              <a:cs typeface="Times New Roman" panose="02020603050405020304" pitchFamily="18" charset="0"/>
-            </a:endParaRPr>
-          </a:p>
-        </p:txBody>
-      </p:sp>
-      <p:pic>
-        <p:nvPicPr>
-          <p:cNvPr id="17" name="Picture 16"/>
-          <p:cNvPicPr>
-            <a:picLocks noChangeAspect="1"/>
-          </p:cNvPicPr>
-          <p:nvPr/>
-        </p:nvPicPr>
-        <p:blipFill>
-          <a:blip r:embed="rId2"/>
-          <a:stretch>
-            <a:fillRect/>
-          </a:stretch>
-        </p:blipFill>
-        <p:spPr>
-          <a:xfrm>
-            <a:off x="415016" y="2487583"/>
-            <a:ext cx="4994403" cy="1480300"/>
-          </a:xfrm>
-          <a:prstGeom prst="rect">
-            <a:avLst/>
-          </a:prstGeom>
-        </p:spPr>
-      </p:pic>
-      <p:pic>
-        <p:nvPicPr>
-          <p:cNvPr id="21" name="Picture 20"/>
-          <p:cNvPicPr>
-            <a:picLocks noChangeAspect="1"/>
-          </p:cNvPicPr>
-          <p:nvPr/>
-        </p:nvPicPr>
-        <p:blipFill>
-          <a:blip r:embed="rId3"/>
-          <a:stretch>
-            <a:fillRect/>
-          </a:stretch>
-        </p:blipFill>
-        <p:spPr>
-          <a:xfrm>
-            <a:off x="415016" y="4923466"/>
-            <a:ext cx="4432465" cy="1442310"/>
-          </a:xfrm>
-          <a:prstGeom prst="rect">
-            <a:avLst/>
-          </a:prstGeom>
-        </p:spPr>
-      </p:pic>
-    </p:spTree>
-    <p:extLst>
-      <p:ext uri="{BB962C8B-B14F-4D97-AF65-F5344CB8AC3E}">
-        <p14:creationId xmlns:p14="http://schemas.microsoft.com/office/powerpoint/2010/main" val="3056357706"/>
-      </p:ext>
-    </p:extLst>
-  </p:cSld>
-  <p:clrMapOvr>
-    <a:masterClrMapping/>
-  </p:clrMapOvr>
-  <p:timing>
-    <p:tnLst>
-      <p:par>
-        <p:cTn id="1" dur="indefinite" restart="never" nodeType="tmRoot"/>
-      </p:par>
-    </p:tnLst>
-  </p:timing>
-</p:sld>
-</file>
-
-<file path=ppt/slides/slide43.xml><?xml version="1.0" encoding="utf-8"?>
-<p:sld xmlns:a="http://schemas.openxmlformats.org/drawingml/2006/main" xmlns:r="http://schemas.openxmlformats.org/officeDocument/2006/relationships" xmlns:p="http://schemas.openxmlformats.org/presentationml/2006/main">
-  <p:cSld>
-    <p:spTree>
-      <p:nvGrpSpPr>
-        <p:cNvPr id="1" name=""/>
-        <p:cNvGrpSpPr/>
-        <p:nvPr/>
-      </p:nvGrpSpPr>
-      <p:grpSpPr>
-        <a:xfrm>
-          <a:off x="0" y="0"/>
-          <a:ext cx="0" cy="0"/>
-          <a:chOff x="0" y="0"/>
-          <a:chExt cx="0" cy="0"/>
-        </a:xfrm>
-      </p:grpSpPr>
-      <p:sp>
-        <p:nvSpPr>
-          <p:cNvPr id="13" name="Rectangle 12"/>
-          <p:cNvSpPr/>
-          <p:nvPr/>
-        </p:nvSpPr>
-        <p:spPr>
-          <a:xfrm>
-            <a:off x="426956" y="1154071"/>
-            <a:ext cx="10713606" cy="508845"/>
-          </a:xfrm>
-          <a:prstGeom prst="rect">
-            <a:avLst/>
-          </a:prstGeom>
-          <a:noFill/>
-          <a:ln>
-            <a:noFill/>
-          </a:ln>
-        </p:spPr>
-        <p:style>
-          <a:lnRef idx="2">
-            <a:schemeClr val="accent1">
-              <a:shade val="50000"/>
-            </a:schemeClr>
-          </a:lnRef>
-          <a:fillRef idx="1">
-            <a:schemeClr val="accent1"/>
-          </a:fillRef>
-          <a:effectRef idx="0">
-            <a:schemeClr val="accent1"/>
-          </a:effectRef>
-          <a:fontRef idx="minor">
-            <a:schemeClr val="lt1"/>
-          </a:fontRef>
-        </p:style>
-        <p:txBody>
-          <a:bodyPr rtlCol="0" anchor="t"/>
-          <a:lstStyle/>
-          <a:p>
-            <a:r>
-              <a:rPr lang="en-US" sz="2400" smtClean="0">
-                <a:solidFill>
-                  <a:schemeClr val="accent2">
-                    <a:lumMod val="60000"/>
-                    <a:lumOff val="40000"/>
-                  </a:schemeClr>
-                </a:solidFill>
-                <a:latin typeface="Times New Roman" panose="02020603050405020304" pitchFamily="18" charset="0"/>
-                <a:cs typeface="Times New Roman" panose="02020603050405020304" pitchFamily="18" charset="0"/>
-              </a:rPr>
-              <a:t>Bài tập 3: </a:t>
-            </a:r>
-            <a:r>
-              <a:rPr lang="en-US" sz="2400">
-                <a:solidFill>
-                  <a:schemeClr val="bg1"/>
-                </a:solidFill>
-                <a:latin typeface="Times New Roman" panose="02020603050405020304" pitchFamily="18" charset="0"/>
-                <a:cs typeface="Times New Roman" panose="02020603050405020304" pitchFamily="18" charset="0"/>
-              </a:rPr>
-              <a:t>T</a:t>
-            </a:r>
-            <a:r>
-              <a:rPr lang="en-US" sz="2400" smtClean="0">
-                <a:solidFill>
-                  <a:schemeClr val="bg1"/>
-                </a:solidFill>
-                <a:latin typeface="Times New Roman" panose="02020603050405020304" pitchFamily="18" charset="0"/>
-                <a:cs typeface="Times New Roman" panose="02020603050405020304" pitchFamily="18" charset="0"/>
-              </a:rPr>
-              <a:t>ạo một list các phần tử từ 1 đến 100</a:t>
-            </a:r>
-            <a:endParaRPr lang="en-US">
-              <a:solidFill>
-                <a:schemeClr val="bg1"/>
-              </a:solidFill>
-              <a:latin typeface="Times New Roman" panose="02020603050405020304" pitchFamily="18" charset="0"/>
-              <a:cs typeface="Times New Roman" panose="02020603050405020304" pitchFamily="18" charset="0"/>
-            </a:endParaRPr>
-          </a:p>
-        </p:txBody>
-      </p:sp>
-      <p:sp>
-        <p:nvSpPr>
-          <p:cNvPr id="14" name="Rectangle 13"/>
-          <p:cNvSpPr/>
-          <p:nvPr/>
-        </p:nvSpPr>
-        <p:spPr>
-          <a:xfrm>
-            <a:off x="426956" y="2665697"/>
-            <a:ext cx="10713606" cy="508845"/>
-          </a:xfrm>
-          <a:prstGeom prst="rect">
-            <a:avLst/>
-          </a:prstGeom>
-          <a:noFill/>
-          <a:ln>
-            <a:noFill/>
-          </a:ln>
-        </p:spPr>
-        <p:style>
-          <a:lnRef idx="2">
-            <a:schemeClr val="accent1">
-              <a:shade val="50000"/>
-            </a:schemeClr>
-          </a:lnRef>
-          <a:fillRef idx="1">
-            <a:schemeClr val="accent1"/>
-          </a:fillRef>
-          <a:effectRef idx="0">
-            <a:schemeClr val="accent1"/>
-          </a:effectRef>
-          <a:fontRef idx="minor">
-            <a:schemeClr val="lt1"/>
-          </a:fontRef>
-        </p:style>
-        <p:txBody>
-          <a:bodyPr rtlCol="0" anchor="t"/>
-          <a:lstStyle/>
-          <a:p>
-            <a:r>
-              <a:rPr lang="en-US" sz="2400" smtClean="0">
-                <a:solidFill>
-                  <a:schemeClr val="accent2">
-                    <a:lumMod val="60000"/>
-                    <a:lumOff val="40000"/>
-                  </a:schemeClr>
-                </a:solidFill>
-                <a:latin typeface="Times New Roman" panose="02020603050405020304" pitchFamily="18" charset="0"/>
-                <a:cs typeface="Times New Roman" panose="02020603050405020304" pitchFamily="18" charset="0"/>
-              </a:rPr>
-              <a:t>Bài tập 5: </a:t>
-            </a:r>
-            <a:r>
-              <a:rPr lang="en-US" sz="2400">
-                <a:solidFill>
-                  <a:schemeClr val="bg1"/>
-                </a:solidFill>
-                <a:latin typeface="Times New Roman" panose="02020603050405020304" pitchFamily="18" charset="0"/>
-                <a:cs typeface="Times New Roman" panose="02020603050405020304" pitchFamily="18" charset="0"/>
-              </a:rPr>
-              <a:t>T</a:t>
-            </a:r>
-            <a:r>
-              <a:rPr lang="en-US" sz="2400" smtClean="0">
-                <a:solidFill>
-                  <a:schemeClr val="bg1"/>
-                </a:solidFill>
-                <a:latin typeface="Times New Roman" panose="02020603050405020304" pitchFamily="18" charset="0"/>
-                <a:cs typeface="Times New Roman" panose="02020603050405020304" pitchFamily="18" charset="0"/>
-              </a:rPr>
-              <a:t>ạo một list chứa 20 số chính phương đầu tiên</a:t>
-            </a:r>
-            <a:endParaRPr lang="en-US">
-              <a:solidFill>
-                <a:schemeClr val="bg1"/>
-              </a:solidFill>
-              <a:latin typeface="Times New Roman" panose="02020603050405020304" pitchFamily="18" charset="0"/>
-              <a:cs typeface="Times New Roman" panose="02020603050405020304" pitchFamily="18" charset="0"/>
-            </a:endParaRPr>
-          </a:p>
-        </p:txBody>
-      </p:sp>
-      <p:sp>
-        <p:nvSpPr>
-          <p:cNvPr id="9" name="Rectangle 8"/>
-          <p:cNvSpPr/>
-          <p:nvPr/>
-        </p:nvSpPr>
-        <p:spPr>
-          <a:xfrm>
-            <a:off x="426956" y="1909884"/>
-            <a:ext cx="10713606" cy="508845"/>
-          </a:xfrm>
-          <a:prstGeom prst="rect">
-            <a:avLst/>
-          </a:prstGeom>
-          <a:noFill/>
-          <a:ln>
-            <a:noFill/>
-          </a:ln>
-        </p:spPr>
-        <p:style>
-          <a:lnRef idx="2">
-            <a:schemeClr val="accent1">
-              <a:shade val="50000"/>
-            </a:schemeClr>
-          </a:lnRef>
-          <a:fillRef idx="1">
-            <a:schemeClr val="accent1"/>
-          </a:fillRef>
-          <a:effectRef idx="0">
-            <a:schemeClr val="accent1"/>
-          </a:effectRef>
-          <a:fontRef idx="minor">
-            <a:schemeClr val="lt1"/>
-          </a:fontRef>
-        </p:style>
-        <p:txBody>
-          <a:bodyPr rtlCol="0" anchor="t"/>
-          <a:lstStyle/>
-          <a:p>
-            <a:r>
-              <a:rPr lang="en-US" sz="2400" smtClean="0">
-                <a:solidFill>
-                  <a:schemeClr val="accent2">
-                    <a:lumMod val="60000"/>
-                    <a:lumOff val="40000"/>
-                  </a:schemeClr>
-                </a:solidFill>
-                <a:latin typeface="Times New Roman" panose="02020603050405020304" pitchFamily="18" charset="0"/>
-                <a:cs typeface="Times New Roman" panose="02020603050405020304" pitchFamily="18" charset="0"/>
-              </a:rPr>
-              <a:t>Bài tập 4: </a:t>
-            </a:r>
-            <a:r>
-              <a:rPr lang="en-US" sz="2400">
-                <a:solidFill>
-                  <a:schemeClr val="bg1"/>
-                </a:solidFill>
-                <a:latin typeface="Times New Roman" panose="02020603050405020304" pitchFamily="18" charset="0"/>
-                <a:cs typeface="Times New Roman" panose="02020603050405020304" pitchFamily="18" charset="0"/>
-              </a:rPr>
-              <a:t>T</a:t>
-            </a:r>
-            <a:r>
-              <a:rPr lang="en-US" sz="2400" smtClean="0">
-                <a:solidFill>
-                  <a:schemeClr val="bg1"/>
-                </a:solidFill>
-                <a:latin typeface="Times New Roman" panose="02020603050405020304" pitchFamily="18" charset="0"/>
-                <a:cs typeface="Times New Roman" panose="02020603050405020304" pitchFamily="18" charset="0"/>
-              </a:rPr>
-              <a:t>ạo một list các số chẵn từ -50 đến 50</a:t>
-            </a:r>
-            <a:endParaRPr lang="en-US">
-              <a:solidFill>
-                <a:schemeClr val="bg1"/>
-              </a:solidFill>
-              <a:latin typeface="Times New Roman" panose="02020603050405020304" pitchFamily="18" charset="0"/>
-              <a:cs typeface="Times New Roman" panose="02020603050405020304" pitchFamily="18" charset="0"/>
-            </a:endParaRPr>
-          </a:p>
-        </p:txBody>
-      </p:sp>
-      <p:sp>
-        <p:nvSpPr>
-          <p:cNvPr id="10" name="Rectangle 9"/>
-          <p:cNvSpPr/>
-          <p:nvPr/>
-        </p:nvSpPr>
-        <p:spPr>
-          <a:xfrm>
-            <a:off x="426956" y="3421510"/>
-            <a:ext cx="10713606" cy="508845"/>
-          </a:xfrm>
-          <a:prstGeom prst="rect">
-            <a:avLst/>
-          </a:prstGeom>
-          <a:noFill/>
-          <a:ln>
-            <a:noFill/>
-          </a:ln>
-        </p:spPr>
-        <p:style>
-          <a:lnRef idx="2">
-            <a:schemeClr val="accent1">
-              <a:shade val="50000"/>
-            </a:schemeClr>
-          </a:lnRef>
-          <a:fillRef idx="1">
-            <a:schemeClr val="accent1"/>
-          </a:fillRef>
-          <a:effectRef idx="0">
-            <a:schemeClr val="accent1"/>
-          </a:effectRef>
-          <a:fontRef idx="minor">
-            <a:schemeClr val="lt1"/>
-          </a:fontRef>
-        </p:style>
-        <p:txBody>
-          <a:bodyPr rtlCol="0" anchor="t"/>
-          <a:lstStyle/>
-          <a:p>
-            <a:r>
-              <a:rPr lang="en-US" sz="2400" smtClean="0">
-                <a:solidFill>
-                  <a:schemeClr val="accent2">
-                    <a:lumMod val="60000"/>
-                    <a:lumOff val="40000"/>
-                  </a:schemeClr>
-                </a:solidFill>
-                <a:latin typeface="Times New Roman" panose="02020603050405020304" pitchFamily="18" charset="0"/>
-                <a:cs typeface="Times New Roman" panose="02020603050405020304" pitchFamily="18" charset="0"/>
-              </a:rPr>
-              <a:t>Bài tập 6: </a:t>
-            </a:r>
-            <a:r>
-              <a:rPr lang="en-US" sz="2400" smtClean="0">
-                <a:solidFill>
-                  <a:schemeClr val="bg1"/>
-                </a:solidFill>
-                <a:latin typeface="Times New Roman" panose="02020603050405020304" pitchFamily="18" charset="0"/>
-                <a:cs typeface="Times New Roman" panose="02020603050405020304" pitchFamily="18" charset="0"/>
-              </a:rPr>
-              <a:t>Với</a:t>
-            </a:r>
-            <a:endParaRPr lang="en-US">
-              <a:solidFill>
-                <a:schemeClr val="bg1"/>
-              </a:solidFill>
-              <a:latin typeface="Times New Roman" panose="02020603050405020304" pitchFamily="18" charset="0"/>
-              <a:cs typeface="Times New Roman" panose="02020603050405020304" pitchFamily="18" charset="0"/>
-            </a:endParaRPr>
-          </a:p>
-        </p:txBody>
-      </p:sp>
-      <p:sp>
-        <p:nvSpPr>
-          <p:cNvPr id="11" name="Rectangle 10"/>
-          <p:cNvSpPr/>
-          <p:nvPr/>
-        </p:nvSpPr>
-        <p:spPr>
-          <a:xfrm>
-            <a:off x="426956" y="4100664"/>
-            <a:ext cx="7654521" cy="813645"/>
-          </a:xfrm>
-          <a:prstGeom prst="rect">
-            <a:avLst/>
-          </a:prstGeom>
-          <a:solidFill>
-            <a:schemeClr val="tx1"/>
-          </a:solidFill>
-        </p:spPr>
-        <p:style>
-          <a:lnRef idx="2">
-            <a:schemeClr val="accent1">
-              <a:shade val="50000"/>
-            </a:schemeClr>
-          </a:lnRef>
-          <a:fillRef idx="1">
-            <a:schemeClr val="accent1"/>
-          </a:fillRef>
-          <a:effectRef idx="0">
-            <a:schemeClr val="accent1"/>
-          </a:effectRef>
-          <a:fontRef idx="minor">
-            <a:schemeClr val="lt1"/>
-          </a:fontRef>
-        </p:style>
-        <p:txBody>
-          <a:bodyPr rtlCol="0" anchor="t" anchorCtr="0"/>
-          <a:lstStyle/>
-          <a:p>
-            <a:r>
-              <a:rPr lang="en-US">
-                <a:latin typeface="Arial Narrow" panose="020B0606020202030204" pitchFamily="34" charset="0"/>
-              </a:rPr>
-              <a:t>&gt;&gt;&gt; </a:t>
-            </a:r>
-            <a:r>
-              <a:rPr lang="en-US" smtClean="0">
-                <a:latin typeface="Arial Narrow" panose="020B0606020202030204" pitchFamily="34" charset="0"/>
-              </a:rPr>
-              <a:t>nested_list = [[</a:t>
-            </a:r>
-            <a:r>
-              <a:rPr lang="en-US">
-                <a:latin typeface="Arial Narrow" panose="020B0606020202030204" pitchFamily="34" charset="0"/>
-              </a:rPr>
-              <a:t>1, 4, 9, 16, </a:t>
-            </a:r>
-            <a:r>
-              <a:rPr lang="en-US" smtClean="0">
-                <a:latin typeface="Arial Narrow" panose="020B0606020202030204" pitchFamily="34" charset="0"/>
-              </a:rPr>
-              <a:t>25], [‘a’, ‘b’, ‘c’, ‘d’]</a:t>
-            </a:r>
-            <a:r>
-              <a:rPr lang="en-US">
-                <a:latin typeface="Arial Narrow" panose="020B0606020202030204" pitchFamily="34" charset="0"/>
-              </a:rPr>
-              <a:t> , </a:t>
-            </a:r>
-            <a:r>
-              <a:rPr lang="en-US" smtClean="0">
-                <a:latin typeface="Arial Narrow" panose="020B0606020202030204" pitchFamily="34" charset="0"/>
-              </a:rPr>
-              <a:t>[‘X0’, ‘X1’, ‘X2’, ‘Y1’, ‘Y2’, ‘Y3’]]</a:t>
-            </a:r>
-            <a:endParaRPr lang="en-US">
-              <a:latin typeface="Arial Narrow" panose="020B0606020202030204" pitchFamily="34" charset="0"/>
-            </a:endParaRPr>
-          </a:p>
-          <a:p>
-            <a:endParaRPr lang="en-US">
-              <a:latin typeface="Arial Narrow" panose="020B0606020202030204" pitchFamily="34" charset="0"/>
-            </a:endParaRPr>
-          </a:p>
-        </p:txBody>
-      </p:sp>
-      <p:sp>
-        <p:nvSpPr>
-          <p:cNvPr id="12" name="Rectangle 11"/>
-          <p:cNvSpPr/>
-          <p:nvPr/>
-        </p:nvSpPr>
-        <p:spPr>
-          <a:xfrm>
-            <a:off x="426956" y="5084618"/>
-            <a:ext cx="10713606" cy="503444"/>
-          </a:xfrm>
-          <a:prstGeom prst="rect">
-            <a:avLst/>
-          </a:prstGeom>
-          <a:noFill/>
-          <a:ln>
-            <a:noFill/>
-          </a:ln>
-        </p:spPr>
-        <p:style>
-          <a:lnRef idx="2">
-            <a:schemeClr val="accent1">
-              <a:shade val="50000"/>
-            </a:schemeClr>
-          </a:lnRef>
-          <a:fillRef idx="1">
-            <a:schemeClr val="accent1"/>
-          </a:fillRef>
-          <a:effectRef idx="0">
-            <a:schemeClr val="accent1"/>
-          </a:effectRef>
-          <a:fontRef idx="minor">
-            <a:schemeClr val="lt1"/>
-          </a:fontRef>
-        </p:style>
-        <p:txBody>
-          <a:bodyPr rtlCol="0" anchor="t"/>
-          <a:lstStyle/>
-          <a:p>
-            <a:r>
-              <a:rPr lang="en-US" sz="2400" smtClean="0">
-                <a:solidFill>
-                  <a:schemeClr val="bg1"/>
-                </a:solidFill>
-                <a:latin typeface="Times New Roman" panose="02020603050405020304" pitchFamily="18" charset="0"/>
-                <a:cs typeface="Times New Roman" panose="02020603050405020304" pitchFamily="18" charset="0"/>
-              </a:rPr>
-              <a:t>Tạo list mới như sau </a:t>
-            </a:r>
-          </a:p>
-        </p:txBody>
-      </p:sp>
-      <p:sp>
-        <p:nvSpPr>
-          <p:cNvPr id="15" name="Rectangle 14"/>
-          <p:cNvSpPr/>
-          <p:nvPr/>
-        </p:nvSpPr>
-        <p:spPr>
-          <a:xfrm>
-            <a:off x="426956" y="5668653"/>
-            <a:ext cx="7654521" cy="813645"/>
-          </a:xfrm>
-          <a:prstGeom prst="rect">
-            <a:avLst/>
-          </a:prstGeom>
-          <a:solidFill>
-            <a:schemeClr val="tx1"/>
-          </a:solidFill>
-        </p:spPr>
-        <p:style>
-          <a:lnRef idx="2">
-            <a:schemeClr val="accent1">
-              <a:shade val="50000"/>
-            </a:schemeClr>
-          </a:lnRef>
-          <a:fillRef idx="1">
-            <a:schemeClr val="accent1"/>
-          </a:fillRef>
-          <a:effectRef idx="0">
-            <a:schemeClr val="accent1"/>
-          </a:effectRef>
-          <a:fontRef idx="minor">
-            <a:schemeClr val="lt1"/>
-          </a:fontRef>
-        </p:style>
-        <p:txBody>
-          <a:bodyPr rtlCol="0" anchor="t" anchorCtr="0"/>
-          <a:lstStyle/>
-          <a:p>
-            <a:r>
-              <a:rPr lang="en-US">
-                <a:latin typeface="Arial Narrow" panose="020B0606020202030204" pitchFamily="34" charset="0"/>
-              </a:rPr>
-              <a:t>&gt;&gt;&gt; </a:t>
-            </a:r>
-            <a:r>
-              <a:rPr lang="en-US" smtClean="0">
-                <a:latin typeface="Arial Narrow" panose="020B0606020202030204" pitchFamily="34" charset="0"/>
-              </a:rPr>
-              <a:t>flattened_list </a:t>
-            </a:r>
-            <a:r>
-              <a:rPr lang="en-US">
-                <a:latin typeface="Arial Narrow" panose="020B0606020202030204" pitchFamily="34" charset="0"/>
-              </a:rPr>
-              <a:t>= </a:t>
-            </a:r>
-            <a:r>
-              <a:rPr lang="en-US" smtClean="0">
-                <a:latin typeface="Arial Narrow" panose="020B0606020202030204" pitchFamily="34" charset="0"/>
-              </a:rPr>
-              <a:t>[1</a:t>
-            </a:r>
-            <a:r>
-              <a:rPr lang="en-US">
-                <a:latin typeface="Arial Narrow" panose="020B0606020202030204" pitchFamily="34" charset="0"/>
-              </a:rPr>
-              <a:t>, 4, 9, 16, </a:t>
-            </a:r>
-            <a:r>
-              <a:rPr lang="en-US" smtClean="0">
-                <a:latin typeface="Arial Narrow" panose="020B0606020202030204" pitchFamily="34" charset="0"/>
-              </a:rPr>
-              <a:t>25, ‘a’, ‘b’, ‘c’, ‘d’ </a:t>
-            </a:r>
-            <a:r>
-              <a:rPr lang="en-US">
-                <a:latin typeface="Arial Narrow" panose="020B0606020202030204" pitchFamily="34" charset="0"/>
-              </a:rPr>
-              <a:t>, </a:t>
-            </a:r>
-            <a:r>
-              <a:rPr lang="en-US" smtClean="0">
-                <a:latin typeface="Arial Narrow" panose="020B0606020202030204" pitchFamily="34" charset="0"/>
-              </a:rPr>
-              <a:t>‘X0’, ‘X1’, ‘X2’, ‘Y1’, ‘Y2’, ‘Y3’]</a:t>
-            </a:r>
-            <a:endParaRPr lang="en-US">
-              <a:latin typeface="Arial Narrow" panose="020B0606020202030204" pitchFamily="34" charset="0"/>
-            </a:endParaRPr>
-          </a:p>
-          <a:p>
-            <a:endParaRPr lang="en-US">
-              <a:latin typeface="Arial Narrow" panose="020B0606020202030204" pitchFamily="34" charset="0"/>
-            </a:endParaRPr>
-          </a:p>
-        </p:txBody>
-      </p:sp>
-      <p:sp>
-        <p:nvSpPr>
-          <p:cNvPr id="18" name="Rectangle 17"/>
-          <p:cNvSpPr/>
-          <p:nvPr/>
-        </p:nvSpPr>
-        <p:spPr>
-          <a:xfrm>
-            <a:off x="426956" y="398258"/>
-            <a:ext cx="10713606" cy="508845"/>
-          </a:xfrm>
-          <a:prstGeom prst="rect">
-            <a:avLst/>
-          </a:prstGeom>
-          <a:noFill/>
-          <a:ln>
-            <a:noFill/>
-          </a:ln>
-        </p:spPr>
-        <p:style>
-          <a:lnRef idx="2">
-            <a:schemeClr val="accent1">
-              <a:shade val="50000"/>
-            </a:schemeClr>
-          </a:lnRef>
-          <a:fillRef idx="1">
-            <a:schemeClr val="accent1"/>
-          </a:fillRef>
-          <a:effectRef idx="0">
-            <a:schemeClr val="accent1"/>
-          </a:effectRef>
-          <a:fontRef idx="minor">
-            <a:schemeClr val="lt1"/>
-          </a:fontRef>
-        </p:style>
-        <p:txBody>
-          <a:bodyPr rtlCol="0" anchor="t"/>
-          <a:lstStyle/>
-          <a:p>
-            <a:r>
-              <a:rPr lang="en-US" sz="2400" smtClean="0">
-                <a:solidFill>
-                  <a:schemeClr val="accent2">
-                    <a:lumMod val="60000"/>
-                    <a:lumOff val="40000"/>
-                  </a:schemeClr>
-                </a:solidFill>
-                <a:latin typeface="Times New Roman" panose="02020603050405020304" pitchFamily="18" charset="0"/>
-                <a:cs typeface="Times New Roman" panose="02020603050405020304" pitchFamily="18" charset="0"/>
-              </a:rPr>
-              <a:t>Bài tập 2: </a:t>
-            </a:r>
-            <a:r>
-              <a:rPr lang="en-US" sz="2400" smtClean="0">
-                <a:solidFill>
-                  <a:schemeClr val="bg1"/>
-                </a:solidFill>
-                <a:latin typeface="Times New Roman" panose="02020603050405020304" pitchFamily="18" charset="0"/>
-                <a:cs typeface="Times New Roman" panose="02020603050405020304" pitchFamily="18" charset="0"/>
-              </a:rPr>
-              <a:t>Viết họ và tên của mình 100 lần</a:t>
-            </a:r>
-            <a:endParaRPr lang="en-US">
-              <a:solidFill>
-                <a:schemeClr val="bg1"/>
-              </a:solidFill>
-              <a:latin typeface="Times New Roman" panose="02020603050405020304" pitchFamily="18" charset="0"/>
-              <a:cs typeface="Times New Roman" panose="02020603050405020304" pitchFamily="18" charset="0"/>
-            </a:endParaRPr>
-          </a:p>
-        </p:txBody>
-      </p:sp>
-    </p:spTree>
-    <p:extLst>
-      <p:ext uri="{BB962C8B-B14F-4D97-AF65-F5344CB8AC3E}">
-        <p14:creationId xmlns:p14="http://schemas.microsoft.com/office/powerpoint/2010/main" val="1486414474"/>
-      </p:ext>
-    </p:extLst>
-  </p:cSld>
-  <p:clrMapOvr>
-    <a:masterClrMapping/>
-  </p:clrMapOvr>
-  <p:timing>
-    <p:tnLst>
-      <p:par>
-        <p:cTn id="1" dur="indefinite" restart="never" nodeType="tmRoot"/>
-      </p:par>
-    </p:tnLst>
-  </p:timing>
-</p:sld>
-</file>
-
-<file path=ppt/slides/slide44.xml><?xml version="1.0" encoding="utf-8"?>
-<p:sld xmlns:a="http://schemas.openxmlformats.org/drawingml/2006/main" xmlns:r="http://schemas.openxmlformats.org/officeDocument/2006/relationships" xmlns:p="http://schemas.openxmlformats.org/presentationml/2006/main">
-  <p:cSld>
-    <p:spTree>
-      <p:nvGrpSpPr>
-        <p:cNvPr id="1" name=""/>
-        <p:cNvGrpSpPr/>
-        <p:nvPr/>
-      </p:nvGrpSpPr>
-      <p:grpSpPr>
-        <a:xfrm>
-          <a:off x="0" y="0"/>
-          <a:ext cx="0" cy="0"/>
-          <a:chOff x="0" y="0"/>
-          <a:chExt cx="0" cy="0"/>
-        </a:xfrm>
-      </p:grpSpPr>
-      <p:sp>
-        <p:nvSpPr>
-          <p:cNvPr id="18" name="Rectangle 17"/>
-          <p:cNvSpPr/>
-          <p:nvPr/>
-        </p:nvSpPr>
-        <p:spPr>
-          <a:xfrm>
-            <a:off x="426956" y="398258"/>
-            <a:ext cx="10713606" cy="508845"/>
-          </a:xfrm>
-          <a:prstGeom prst="rect">
-            <a:avLst/>
-          </a:prstGeom>
-          <a:noFill/>
-          <a:ln>
-            <a:noFill/>
-          </a:ln>
-        </p:spPr>
-        <p:style>
-          <a:lnRef idx="2">
-            <a:schemeClr val="accent1">
-              <a:shade val="50000"/>
-            </a:schemeClr>
-          </a:lnRef>
-          <a:fillRef idx="1">
-            <a:schemeClr val="accent1"/>
-          </a:fillRef>
-          <a:effectRef idx="0">
-            <a:schemeClr val="accent1"/>
-          </a:effectRef>
-          <a:fontRef idx="minor">
-            <a:schemeClr val="lt1"/>
-          </a:fontRef>
-        </p:style>
-        <p:txBody>
-          <a:bodyPr rtlCol="0" anchor="t"/>
-          <a:lstStyle/>
-          <a:p>
-            <a:r>
-              <a:rPr lang="en-US" sz="2400" smtClean="0">
-                <a:solidFill>
-                  <a:schemeClr val="accent2">
-                    <a:lumMod val="60000"/>
-                    <a:lumOff val="40000"/>
-                  </a:schemeClr>
-                </a:solidFill>
-                <a:latin typeface="Times New Roman" panose="02020603050405020304" pitchFamily="18" charset="0"/>
-                <a:cs typeface="Times New Roman" panose="02020603050405020304" pitchFamily="18" charset="0"/>
-              </a:rPr>
-              <a:t>Bài tập 7: </a:t>
-            </a:r>
-            <a:r>
-              <a:rPr lang="en-US" sz="2400" smtClean="0">
-                <a:solidFill>
-                  <a:schemeClr val="bg1"/>
-                </a:solidFill>
-                <a:latin typeface="Times New Roman" panose="02020603050405020304" pitchFamily="18" charset="0"/>
-                <a:cs typeface="Times New Roman" panose="02020603050405020304" pitchFamily="18" charset="0"/>
-              </a:rPr>
-              <a:t>Tung một con xúc xắc 3 lần, liệt kê tất cả các trường hợp</a:t>
-            </a:r>
-            <a:endParaRPr lang="en-US">
-              <a:solidFill>
-                <a:schemeClr val="bg1"/>
-              </a:solidFill>
-              <a:latin typeface="Times New Roman" panose="02020603050405020304" pitchFamily="18" charset="0"/>
-              <a:cs typeface="Times New Roman" panose="02020603050405020304" pitchFamily="18" charset="0"/>
-            </a:endParaRPr>
-          </a:p>
-        </p:txBody>
-      </p:sp>
-      <p:sp>
-        <p:nvSpPr>
-          <p:cNvPr id="17" name="Rectangle 16"/>
-          <p:cNvSpPr/>
-          <p:nvPr/>
-        </p:nvSpPr>
-        <p:spPr>
-          <a:xfrm>
-            <a:off x="426954" y="1283482"/>
-            <a:ext cx="10377893" cy="820447"/>
-          </a:xfrm>
-          <a:prstGeom prst="rect">
-            <a:avLst/>
-          </a:prstGeom>
-          <a:noFill/>
-          <a:ln>
-            <a:noFill/>
-          </a:ln>
-        </p:spPr>
-        <p:style>
-          <a:lnRef idx="2">
-            <a:schemeClr val="accent1">
-              <a:shade val="50000"/>
-            </a:schemeClr>
-          </a:lnRef>
-          <a:fillRef idx="1">
-            <a:schemeClr val="accent1"/>
-          </a:fillRef>
-          <a:effectRef idx="0">
-            <a:schemeClr val="accent1"/>
-          </a:effectRef>
-          <a:fontRef idx="minor">
-            <a:schemeClr val="lt1"/>
-          </a:fontRef>
-        </p:style>
-        <p:txBody>
-          <a:bodyPr rtlCol="0" anchor="t"/>
-          <a:lstStyle/>
-          <a:p>
-            <a:r>
-              <a:rPr lang="en-US" sz="2400" smtClean="0">
-                <a:solidFill>
-                  <a:schemeClr val="accent2">
-                    <a:lumMod val="60000"/>
-                    <a:lumOff val="40000"/>
-                  </a:schemeClr>
-                </a:solidFill>
-                <a:latin typeface="Times New Roman" panose="02020603050405020304" pitchFamily="18" charset="0"/>
-                <a:cs typeface="Times New Roman" panose="02020603050405020304" pitchFamily="18" charset="0"/>
-              </a:rPr>
-              <a:t>Bài tập 8: </a:t>
-            </a:r>
-            <a:r>
-              <a:rPr lang="en-US" sz="2400" smtClean="0">
-                <a:solidFill>
-                  <a:schemeClr val="bg1"/>
-                </a:solidFill>
-                <a:latin typeface="Times New Roman" panose="02020603050405020304" pitchFamily="18" charset="0"/>
-                <a:cs typeface="Times New Roman" panose="02020603050405020304" pitchFamily="18" charset="0"/>
-              </a:rPr>
-              <a:t>Tung một con xúc xắc 3 lần, tính xác suất để tổng số điểm sau 3 lần tung nhỏ hơn 10</a:t>
-            </a:r>
-            <a:endParaRPr lang="en-US">
-              <a:solidFill>
-                <a:schemeClr val="bg1"/>
-              </a:solidFill>
-              <a:latin typeface="Times New Roman" panose="02020603050405020304" pitchFamily="18" charset="0"/>
-              <a:cs typeface="Times New Roman" panose="02020603050405020304" pitchFamily="18" charset="0"/>
-            </a:endParaRPr>
-          </a:p>
-        </p:txBody>
-      </p:sp>
-      <p:sp>
-        <p:nvSpPr>
-          <p:cNvPr id="6" name="Rectangle 5"/>
-          <p:cNvSpPr/>
-          <p:nvPr/>
-        </p:nvSpPr>
-        <p:spPr>
-          <a:xfrm>
-            <a:off x="426954" y="2480060"/>
-            <a:ext cx="10377893" cy="2156675"/>
-          </a:xfrm>
-          <a:prstGeom prst="rect">
-            <a:avLst/>
-          </a:prstGeom>
-          <a:noFill/>
-          <a:ln>
-            <a:noFill/>
-          </a:ln>
-        </p:spPr>
-        <p:style>
-          <a:lnRef idx="2">
-            <a:schemeClr val="accent1">
-              <a:shade val="50000"/>
-            </a:schemeClr>
-          </a:lnRef>
-          <a:fillRef idx="1">
-            <a:schemeClr val="accent1"/>
-          </a:fillRef>
-          <a:effectRef idx="0">
-            <a:schemeClr val="accent1"/>
-          </a:effectRef>
-          <a:fontRef idx="minor">
-            <a:schemeClr val="lt1"/>
-          </a:fontRef>
-        </p:style>
-        <p:txBody>
-          <a:bodyPr rtlCol="0" anchor="t"/>
-          <a:lstStyle/>
-          <a:p>
-            <a:r>
-              <a:rPr lang="en-US" sz="2400" smtClean="0">
-                <a:solidFill>
-                  <a:schemeClr val="accent2">
-                    <a:lumMod val="60000"/>
-                    <a:lumOff val="40000"/>
-                  </a:schemeClr>
-                </a:solidFill>
-                <a:latin typeface="Times New Roman" panose="02020603050405020304" pitchFamily="18" charset="0"/>
-                <a:cs typeface="Times New Roman" panose="02020603050405020304" pitchFamily="18" charset="0"/>
-              </a:rPr>
-              <a:t>Bài tập </a:t>
-            </a:r>
-            <a:r>
-              <a:rPr lang="en-US" sz="2400">
-                <a:solidFill>
-                  <a:schemeClr val="accent2">
-                    <a:lumMod val="60000"/>
-                    <a:lumOff val="40000"/>
-                  </a:schemeClr>
-                </a:solidFill>
-                <a:latin typeface="Times New Roman" panose="02020603050405020304" pitchFamily="18" charset="0"/>
-                <a:cs typeface="Times New Roman" panose="02020603050405020304" pitchFamily="18" charset="0"/>
-              </a:rPr>
-              <a:t>9</a:t>
-            </a:r>
-            <a:r>
-              <a:rPr lang="en-US" sz="2400" smtClean="0">
-                <a:solidFill>
-                  <a:schemeClr val="accent2">
-                    <a:lumMod val="60000"/>
-                    <a:lumOff val="40000"/>
-                  </a:schemeClr>
-                </a:solidFill>
-                <a:latin typeface="Times New Roman" panose="02020603050405020304" pitchFamily="18" charset="0"/>
-                <a:cs typeface="Times New Roman" panose="02020603050405020304" pitchFamily="18" charset="0"/>
-              </a:rPr>
-              <a:t>: </a:t>
-            </a:r>
-            <a:r>
-              <a:rPr lang="en-US" sz="2400" smtClean="0">
-                <a:solidFill>
-                  <a:schemeClr val="bg1"/>
-                </a:solidFill>
-                <a:latin typeface="Times New Roman" panose="02020603050405020304" pitchFamily="18" charset="0"/>
-                <a:cs typeface="Times New Roman" panose="02020603050405020304" pitchFamily="18" charset="0"/>
-              </a:rPr>
-              <a:t>(Bài cào) Rút 3 lá từ một bộ bài 52 lá. Giả sử mỗi lá J,Q,K có giá trị là 10, và không có luật rút được 3 lá J,Q,K là thắng</a:t>
-            </a:r>
-          </a:p>
-          <a:p>
-            <a:endParaRPr lang="en-US" sz="2400" smtClean="0">
-              <a:solidFill>
-                <a:schemeClr val="bg1"/>
-              </a:solidFill>
-              <a:latin typeface="Times New Roman" panose="02020603050405020304" pitchFamily="18" charset="0"/>
-              <a:cs typeface="Times New Roman" panose="02020603050405020304" pitchFamily="18" charset="0"/>
-            </a:endParaRPr>
-          </a:p>
-          <a:p>
-            <a:r>
-              <a:rPr lang="en-US" sz="2400" smtClean="0">
-                <a:solidFill>
-                  <a:schemeClr val="bg1"/>
-                </a:solidFill>
-                <a:latin typeface="Times New Roman" panose="02020603050405020304" pitchFamily="18" charset="0"/>
-                <a:cs typeface="Times New Roman" panose="02020603050405020304" pitchFamily="18" charset="0"/>
-              </a:rPr>
-              <a:t>a. Tính xác suất để được 9 nút</a:t>
-            </a:r>
-          </a:p>
-          <a:p>
-            <a:r>
-              <a:rPr lang="en-US" sz="2400" smtClean="0">
-                <a:solidFill>
-                  <a:schemeClr val="bg1"/>
-                </a:solidFill>
-                <a:latin typeface="Times New Roman" panose="02020603050405020304" pitchFamily="18" charset="0"/>
-                <a:cs typeface="Times New Roman" panose="02020603050405020304" pitchFamily="18" charset="0"/>
-              </a:rPr>
-              <a:t>b. Giả sử chơi cùng 1 người khác, tính xác suất thắng khi đã rút được 7 nút</a:t>
-            </a:r>
-          </a:p>
-        </p:txBody>
-      </p:sp>
-    </p:spTree>
-    <p:extLst>
-      <p:ext uri="{BB962C8B-B14F-4D97-AF65-F5344CB8AC3E}">
-        <p14:creationId xmlns:p14="http://schemas.microsoft.com/office/powerpoint/2010/main" val="1958740406"/>
-      </p:ext>
-    </p:extLst>
-  </p:cSld>
-  <p:clrMapOvr>
-    <a:masterClrMapping/>
-  </p:clrMapOvr>
-  <p:timing>
-    <p:tnLst>
-      <p:par>
-        <p:cTn id="1" dur="indefinite" restart="never" nodeType="tmRoot"/>
-      </p:par>
-    </p:tnLst>
-  </p:timing>
-</p:sld>
-</file>
-
-<file path=ppt/slides/slide45.xml><?xml version="1.0" encoding="utf-8"?>
-<p:sld xmlns:a="http://schemas.openxmlformats.org/drawingml/2006/main" xmlns:r="http://schemas.openxmlformats.org/officeDocument/2006/relationships" xmlns:p="http://schemas.openxmlformats.org/presentationml/2006/main">
-  <p:cSld>
-    <p:spTree>
-      <p:nvGrpSpPr>
-        <p:cNvPr id="1" name=""/>
-        <p:cNvGrpSpPr/>
-        <p:nvPr/>
-      </p:nvGrpSpPr>
-      <p:grpSpPr>
-        <a:xfrm>
-          <a:off x="0" y="0"/>
-          <a:ext cx="0" cy="0"/>
-          <a:chOff x="0" y="0"/>
-          <a:chExt cx="0" cy="0"/>
-        </a:xfrm>
-      </p:grpSpPr>
-      <p:sp>
-        <p:nvSpPr>
-          <p:cNvPr id="4" name="TextBox 3"/>
-          <p:cNvSpPr txBox="1"/>
-          <p:nvPr/>
-        </p:nvSpPr>
-        <p:spPr>
-          <a:xfrm>
-            <a:off x="5404866" y="2355494"/>
-            <a:ext cx="1582484" cy="1200329"/>
-          </a:xfrm>
-          <a:prstGeom prst="rect">
-            <a:avLst/>
-          </a:prstGeom>
-          <a:noFill/>
-        </p:spPr>
-        <p:txBody>
-          <a:bodyPr wrap="none" rtlCol="0">
-            <a:spAutoFit/>
-          </a:bodyPr>
-          <a:lstStyle/>
-          <a:p>
-            <a:pPr algn="ctr"/>
-            <a:r>
-              <a:rPr lang="en-US" sz="3600">
-                <a:solidFill>
-                  <a:schemeClr val="bg1"/>
-                </a:solidFill>
-                <a:latin typeface="Times New Roman" panose="02020603050405020304" pitchFamily="18" charset="0"/>
-                <a:cs typeface="Times New Roman" panose="02020603050405020304" pitchFamily="18" charset="0"/>
-              </a:rPr>
-              <a:t>Phần </a:t>
-            </a:r>
-            <a:r>
-              <a:rPr lang="en-US" sz="3600" smtClean="0">
-                <a:solidFill>
-                  <a:schemeClr val="bg1"/>
-                </a:solidFill>
-                <a:latin typeface="Times New Roman" panose="02020603050405020304" pitchFamily="18" charset="0"/>
-                <a:cs typeface="Times New Roman" panose="02020603050405020304" pitchFamily="18" charset="0"/>
-              </a:rPr>
-              <a:t>8:</a:t>
-            </a:r>
-            <a:br>
-              <a:rPr lang="en-US" sz="3600" smtClean="0">
-                <a:solidFill>
-                  <a:schemeClr val="bg1"/>
-                </a:solidFill>
-                <a:latin typeface="Times New Roman" panose="02020603050405020304" pitchFamily="18" charset="0"/>
-                <a:cs typeface="Times New Roman" panose="02020603050405020304" pitchFamily="18" charset="0"/>
-              </a:rPr>
-            </a:br>
-            <a:r>
-              <a:rPr lang="en-US" sz="3600" smtClean="0">
-                <a:solidFill>
-                  <a:schemeClr val="accent4">
-                    <a:lumMod val="60000"/>
-                    <a:lumOff val="40000"/>
-                  </a:schemeClr>
-                </a:solidFill>
-                <a:latin typeface="Times New Roman" panose="02020603050405020304" pitchFamily="18" charset="0"/>
-                <a:cs typeface="Times New Roman" panose="02020603050405020304" pitchFamily="18" charset="0"/>
-              </a:rPr>
-              <a:t>def</a:t>
-            </a:r>
-            <a:endParaRPr lang="en-US" sz="3600">
-              <a:solidFill>
-                <a:schemeClr val="accent4">
-                  <a:lumMod val="60000"/>
-                  <a:lumOff val="40000"/>
-                </a:schemeClr>
-              </a:solidFill>
-              <a:latin typeface="Times New Roman" panose="02020603050405020304" pitchFamily="18" charset="0"/>
-              <a:cs typeface="Times New Roman" panose="02020603050405020304" pitchFamily="18" charset="0"/>
-            </a:endParaRPr>
-          </a:p>
-        </p:txBody>
-      </p:sp>
-      <p:cxnSp>
-        <p:nvCxnSpPr>
-          <p:cNvPr id="10" name="Straight Connector 9"/>
-          <p:cNvCxnSpPr/>
-          <p:nvPr/>
-        </p:nvCxnSpPr>
-        <p:spPr>
-          <a:xfrm>
-            <a:off x="4504467" y="3730428"/>
-            <a:ext cx="3383280" cy="0"/>
-          </a:xfrm>
-          <a:prstGeom prst="line">
-            <a:avLst/>
-          </a:prstGeom>
-          <a:ln w="19050">
-            <a:solidFill>
-              <a:schemeClr val="bg2">
-                <a:lumMod val="50000"/>
-              </a:schemeClr>
-            </a:solidFill>
-          </a:ln>
-        </p:spPr>
-        <p:style>
-          <a:lnRef idx="1">
-            <a:schemeClr val="accent1"/>
-          </a:lnRef>
-          <a:fillRef idx="0">
-            <a:schemeClr val="accent1"/>
-          </a:fillRef>
-          <a:effectRef idx="0">
-            <a:schemeClr val="accent1"/>
-          </a:effectRef>
-          <a:fontRef idx="minor">
-            <a:schemeClr val="tx1"/>
-          </a:fontRef>
-        </p:style>
-      </p:cxnSp>
-    </p:spTree>
-    <p:extLst>
-      <p:ext uri="{BB962C8B-B14F-4D97-AF65-F5344CB8AC3E}">
-        <p14:creationId xmlns:p14="http://schemas.microsoft.com/office/powerpoint/2010/main" val="4015520085"/>
-      </p:ext>
-    </p:extLst>
-  </p:cSld>
-  <p:clrMapOvr>
-    <a:masterClrMapping/>
-  </p:clrMapOvr>
-  <p:timing>
-    <p:tnLst>
-      <p:par>
-        <p:cTn id="1" dur="indefinite" restart="never" nodeType="tmRoot"/>
-      </p:par>
-    </p:tnLst>
-  </p:timing>
-</p:sld>
-</file>
-
-<file path=ppt/slides/slide46.xml><?xml version="1.0" encoding="utf-8"?>
-<p:sld xmlns:a="http://schemas.openxmlformats.org/drawingml/2006/main" xmlns:r="http://schemas.openxmlformats.org/officeDocument/2006/relationships" xmlns:p="http://schemas.openxmlformats.org/presentationml/2006/main">
-  <p:cSld>
-    <p:spTree>
-      <p:nvGrpSpPr>
-        <p:cNvPr id="1" name=""/>
-        <p:cNvGrpSpPr/>
-        <p:nvPr/>
-      </p:nvGrpSpPr>
-      <p:grpSpPr>
-        <a:xfrm>
-          <a:off x="0" y="0"/>
-          <a:ext cx="0" cy="0"/>
-          <a:chOff x="0" y="0"/>
-          <a:chExt cx="0" cy="0"/>
-        </a:xfrm>
-      </p:grpSpPr>
-      <p:sp>
-        <p:nvSpPr>
-          <p:cNvPr id="10" name="TextBox 9"/>
-          <p:cNvSpPr txBox="1"/>
-          <p:nvPr/>
-        </p:nvSpPr>
-        <p:spPr>
-          <a:xfrm>
-            <a:off x="331844" y="1240496"/>
-            <a:ext cx="10928266" cy="923330"/>
-          </a:xfrm>
-          <a:prstGeom prst="rect">
-            <a:avLst/>
-          </a:prstGeom>
-          <a:noFill/>
-        </p:spPr>
-        <p:txBody>
-          <a:bodyPr wrap="square" rtlCol="0">
-            <a:spAutoFit/>
-          </a:bodyPr>
-          <a:lstStyle/>
-          <a:p>
-            <a:r>
-              <a:rPr lang="en-US" smtClean="0">
-                <a:solidFill>
-                  <a:schemeClr val="accent4"/>
-                </a:solidFill>
-              </a:rPr>
-              <a:t>def </a:t>
-            </a:r>
-            <a:r>
-              <a:rPr lang="en-US" smtClean="0">
-                <a:solidFill>
-                  <a:schemeClr val="bg1"/>
-                </a:solidFill>
-              </a:rPr>
-              <a:t>dùng để tạo một hàm (function). Function là một khối lệnh tiếp nhận các tham số đầu vào (arguments) để thực thi một tác vụ nào đó, hoặc trả ra (return) một hoặc nhiều kết quả cụ thể.</a:t>
-            </a:r>
-          </a:p>
-          <a:p>
-            <a:r>
-              <a:rPr lang="en-US" smtClean="0">
-                <a:solidFill>
-                  <a:schemeClr val="bg1"/>
-                </a:solidFill>
-              </a:rPr>
-              <a:t>Function đóng vai trò quan trọng trong Python vì tính có thể tái sử dụng được</a:t>
-            </a:r>
-          </a:p>
-        </p:txBody>
-      </p:sp>
-      <p:sp>
-        <p:nvSpPr>
-          <p:cNvPr id="11" name="TextBox 10"/>
-          <p:cNvSpPr txBox="1"/>
-          <p:nvPr/>
-        </p:nvSpPr>
-        <p:spPr>
-          <a:xfrm>
-            <a:off x="331844" y="267177"/>
-            <a:ext cx="11021351" cy="584775"/>
-          </a:xfrm>
-          <a:prstGeom prst="rect">
-            <a:avLst/>
-          </a:prstGeom>
-          <a:noFill/>
-        </p:spPr>
-        <p:txBody>
-          <a:bodyPr wrap="square" rtlCol="0">
-            <a:spAutoFit/>
-          </a:bodyPr>
-          <a:lstStyle/>
-          <a:p>
-            <a:r>
-              <a:rPr lang="en-US" sz="3200" b="1" smtClean="0">
-                <a:solidFill>
-                  <a:schemeClr val="bg1"/>
-                </a:solidFill>
-                <a:latin typeface="Times New Roman" panose="02020603050405020304" pitchFamily="18" charset="0"/>
-                <a:cs typeface="Times New Roman" panose="02020603050405020304" pitchFamily="18" charset="0"/>
-              </a:rPr>
-              <a:t>I. Định nghĩa:</a:t>
-            </a:r>
-            <a:endParaRPr lang="en-US" sz="3200" b="1">
-              <a:solidFill>
-                <a:schemeClr val="bg1"/>
-              </a:solidFill>
-              <a:latin typeface="Times New Roman" panose="02020603050405020304" pitchFamily="18" charset="0"/>
-              <a:cs typeface="Times New Roman" panose="02020603050405020304" pitchFamily="18" charset="0"/>
-            </a:endParaRPr>
-          </a:p>
-        </p:txBody>
-      </p:sp>
-      <p:sp>
-        <p:nvSpPr>
-          <p:cNvPr id="6" name="Rectangle 5"/>
-          <p:cNvSpPr/>
-          <p:nvPr/>
-        </p:nvSpPr>
-        <p:spPr>
-          <a:xfrm>
-            <a:off x="331844" y="2552371"/>
-            <a:ext cx="6224714" cy="1914434"/>
-          </a:xfrm>
-          <a:prstGeom prst="rect">
-            <a:avLst/>
-          </a:prstGeom>
-          <a:solidFill>
-            <a:schemeClr val="tx1"/>
-          </a:solidFill>
-        </p:spPr>
-        <p:style>
-          <a:lnRef idx="2">
-            <a:schemeClr val="accent1">
-              <a:shade val="50000"/>
-            </a:schemeClr>
-          </a:lnRef>
-          <a:fillRef idx="1">
-            <a:schemeClr val="accent1"/>
-          </a:fillRef>
-          <a:effectRef idx="0">
-            <a:schemeClr val="accent1"/>
-          </a:effectRef>
-          <a:fontRef idx="minor">
-            <a:schemeClr val="lt1"/>
-          </a:fontRef>
-        </p:style>
-        <p:txBody>
-          <a:bodyPr rtlCol="0" anchor="t" anchorCtr="0"/>
-          <a:lstStyle/>
-          <a:p>
-            <a:r>
-              <a:rPr lang="en-US">
-                <a:latin typeface="Arial Narrow" panose="020B0606020202030204" pitchFamily="34" charset="0"/>
-              </a:rPr>
-              <a:t>&gt;&gt;&gt; </a:t>
-            </a:r>
-            <a:r>
-              <a:rPr lang="en-US" smtClean="0">
-                <a:solidFill>
-                  <a:srgbClr val="FFC000"/>
-                </a:solidFill>
-                <a:latin typeface="Arial Narrow" panose="020B0606020202030204" pitchFamily="34" charset="0"/>
-              </a:rPr>
-              <a:t>def</a:t>
-            </a:r>
-            <a:r>
-              <a:rPr lang="en-US" smtClean="0">
-                <a:solidFill>
-                  <a:srgbClr val="9933FF"/>
-                </a:solidFill>
-                <a:latin typeface="Arial Narrow" panose="020B0606020202030204" pitchFamily="34" charset="0"/>
-              </a:rPr>
-              <a:t> </a:t>
-            </a:r>
-            <a:r>
-              <a:rPr lang="en-US" smtClean="0">
-                <a:solidFill>
-                  <a:schemeClr val="accent6">
-                    <a:lumMod val="60000"/>
-                    <a:lumOff val="40000"/>
-                  </a:schemeClr>
-                </a:solidFill>
-                <a:latin typeface="Arial Narrow" panose="020B0606020202030204" pitchFamily="34" charset="0"/>
-              </a:rPr>
-              <a:t>function_name(arg_1, arg_2,…):</a:t>
-            </a:r>
-            <a:endParaRPr lang="en-US">
-              <a:solidFill>
-                <a:schemeClr val="accent6">
-                  <a:lumMod val="60000"/>
-                  <a:lumOff val="40000"/>
-                </a:schemeClr>
-              </a:solidFill>
-              <a:latin typeface="Arial Narrow" panose="020B0606020202030204" pitchFamily="34" charset="0"/>
-            </a:endParaRPr>
-          </a:p>
-          <a:p>
-            <a:r>
-              <a:rPr lang="en-US">
-                <a:latin typeface="Arial Narrow" panose="020B0606020202030204" pitchFamily="34" charset="0"/>
-              </a:rPr>
-              <a:t>...  </a:t>
-            </a:r>
-            <a:r>
-              <a:rPr lang="en-US" smtClean="0">
-                <a:latin typeface="Arial Narrow" panose="020B0606020202030204" pitchFamily="34" charset="0"/>
-              </a:rPr>
-              <a:t>         do something</a:t>
-            </a:r>
-          </a:p>
-          <a:p>
-            <a:r>
-              <a:rPr lang="en-US">
-                <a:latin typeface="Arial Narrow" panose="020B0606020202030204" pitchFamily="34" charset="0"/>
-              </a:rPr>
-              <a:t>...           do </a:t>
-            </a:r>
-            <a:r>
-              <a:rPr lang="en-US" smtClean="0">
-                <a:latin typeface="Arial Narrow" panose="020B0606020202030204" pitchFamily="34" charset="0"/>
-              </a:rPr>
-              <a:t>something else</a:t>
-            </a:r>
-            <a:endParaRPr lang="en-US">
-              <a:latin typeface="Arial Narrow" panose="020B0606020202030204" pitchFamily="34" charset="0"/>
-            </a:endParaRPr>
-          </a:p>
-          <a:p>
-            <a:r>
-              <a:rPr lang="en-US">
-                <a:latin typeface="Arial Narrow" panose="020B0606020202030204" pitchFamily="34" charset="0"/>
-              </a:rPr>
-              <a:t>...           </a:t>
-            </a:r>
-          </a:p>
-          <a:p>
-            <a:r>
-              <a:rPr lang="en-US">
-                <a:latin typeface="Arial Narrow" panose="020B0606020202030204" pitchFamily="34" charset="0"/>
-              </a:rPr>
-              <a:t>...           </a:t>
-            </a:r>
-          </a:p>
-          <a:p>
-            <a:r>
-              <a:rPr lang="en-US">
-                <a:latin typeface="Arial Narrow" panose="020B0606020202030204" pitchFamily="34" charset="0"/>
-              </a:rPr>
-              <a:t>...           </a:t>
-            </a:r>
-            <a:r>
-              <a:rPr lang="en-US" smtClean="0">
-                <a:solidFill>
-                  <a:srgbClr val="FFC000"/>
-                </a:solidFill>
-                <a:latin typeface="Arial Narrow" panose="020B0606020202030204" pitchFamily="34" charset="0"/>
-              </a:rPr>
-              <a:t>return </a:t>
-            </a:r>
-            <a:r>
-              <a:rPr lang="en-US" smtClean="0">
-                <a:solidFill>
-                  <a:schemeClr val="bg1"/>
-                </a:solidFill>
-                <a:latin typeface="Arial Narrow" panose="020B0606020202030204" pitchFamily="34" charset="0"/>
-              </a:rPr>
-              <a:t>something</a:t>
-            </a:r>
-            <a:endParaRPr lang="en-US">
-              <a:solidFill>
-                <a:schemeClr val="bg1"/>
-              </a:solidFill>
-              <a:latin typeface="Arial Narrow" panose="020B0606020202030204" pitchFamily="34" charset="0"/>
-            </a:endParaRPr>
-          </a:p>
-          <a:p>
-            <a:endParaRPr lang="en-US">
-              <a:latin typeface="Arial Narrow" panose="020B0606020202030204" pitchFamily="34" charset="0"/>
-            </a:endParaRPr>
-          </a:p>
-        </p:txBody>
-      </p:sp>
-    </p:spTree>
-    <p:extLst>
-      <p:ext uri="{BB962C8B-B14F-4D97-AF65-F5344CB8AC3E}">
-        <p14:creationId xmlns:p14="http://schemas.microsoft.com/office/powerpoint/2010/main" val="1617481131"/>
-      </p:ext>
-    </p:extLst>
-  </p:cSld>
-  <p:clrMapOvr>
-    <a:masterClrMapping/>
-  </p:clrMapOvr>
-  <p:timing>
-    <p:tnLst>
-      <p:par>
-        <p:cTn id="1" dur="indefinite" restart="never" nodeType="tmRoot"/>
-      </p:par>
-    </p:tnLst>
-  </p:timing>
-</p:sld>
-</file>
-
-<file path=ppt/slides/slide47.xml><?xml version="1.0" encoding="utf-8"?>
-<p:sld xmlns:a="http://schemas.openxmlformats.org/drawingml/2006/main" xmlns:r="http://schemas.openxmlformats.org/officeDocument/2006/relationships" xmlns:p="http://schemas.openxmlformats.org/presentationml/2006/main">
-  <p:cSld>
-    <p:spTree>
-      <p:nvGrpSpPr>
-        <p:cNvPr id="1" name=""/>
-        <p:cNvGrpSpPr/>
-        <p:nvPr/>
-      </p:nvGrpSpPr>
-      <p:grpSpPr>
-        <a:xfrm>
-          <a:off x="0" y="0"/>
-          <a:ext cx="0" cy="0"/>
-          <a:chOff x="0" y="0"/>
-          <a:chExt cx="0" cy="0"/>
-        </a:xfrm>
-      </p:grpSpPr>
-      <p:sp>
-        <p:nvSpPr>
-          <p:cNvPr id="16" name="Rectangle 15"/>
-          <p:cNvSpPr/>
-          <p:nvPr/>
-        </p:nvSpPr>
-        <p:spPr>
-          <a:xfrm>
-            <a:off x="632229" y="557955"/>
-            <a:ext cx="10713606" cy="508845"/>
-          </a:xfrm>
-          <a:prstGeom prst="rect">
-            <a:avLst/>
-          </a:prstGeom>
-          <a:noFill/>
-          <a:ln>
-            <a:noFill/>
-          </a:ln>
-        </p:spPr>
-        <p:style>
-          <a:lnRef idx="2">
-            <a:schemeClr val="accent1">
-              <a:shade val="50000"/>
-            </a:schemeClr>
-          </a:lnRef>
-          <a:fillRef idx="1">
-            <a:schemeClr val="accent1"/>
-          </a:fillRef>
-          <a:effectRef idx="0">
-            <a:schemeClr val="accent1"/>
-          </a:effectRef>
-          <a:fontRef idx="minor">
-            <a:schemeClr val="lt1"/>
-          </a:fontRef>
-        </p:style>
-        <p:txBody>
-          <a:bodyPr rtlCol="0" anchor="t"/>
-          <a:lstStyle/>
-          <a:p>
-            <a:r>
-              <a:rPr lang="en-US" sz="2400" smtClean="0">
-                <a:solidFill>
-                  <a:schemeClr val="accent2">
-                    <a:lumMod val="60000"/>
-                    <a:lumOff val="40000"/>
-                  </a:schemeClr>
-                </a:solidFill>
-                <a:latin typeface="Times New Roman" panose="02020603050405020304" pitchFamily="18" charset="0"/>
-                <a:cs typeface="Times New Roman" panose="02020603050405020304" pitchFamily="18" charset="0"/>
-              </a:rPr>
-              <a:t>Bài tập 1: </a:t>
-            </a:r>
-            <a:r>
-              <a:rPr lang="en-US" sz="2400" smtClean="0">
-                <a:solidFill>
-                  <a:schemeClr val="bg1"/>
-                </a:solidFill>
-                <a:latin typeface="Times New Roman" panose="02020603050405020304" pitchFamily="18" charset="0"/>
-                <a:cs typeface="Times New Roman" panose="02020603050405020304" pitchFamily="18" charset="0"/>
-              </a:rPr>
-              <a:t>Tạo một function tính tổng 2 số bất kỳ</a:t>
-            </a:r>
-            <a:endParaRPr lang="en-US">
-              <a:solidFill>
-                <a:schemeClr val="bg1"/>
-              </a:solidFill>
-              <a:latin typeface="Times New Roman" panose="02020603050405020304" pitchFamily="18" charset="0"/>
-              <a:cs typeface="Times New Roman" panose="02020603050405020304" pitchFamily="18" charset="0"/>
-            </a:endParaRPr>
-          </a:p>
-        </p:txBody>
-      </p:sp>
-      <p:sp>
-        <p:nvSpPr>
-          <p:cNvPr id="8" name="Rectangle 7"/>
-          <p:cNvSpPr/>
-          <p:nvPr/>
-        </p:nvSpPr>
-        <p:spPr>
-          <a:xfrm>
-            <a:off x="632229" y="2202760"/>
-            <a:ext cx="10713606" cy="883776"/>
-          </a:xfrm>
-          <a:prstGeom prst="rect">
-            <a:avLst/>
-          </a:prstGeom>
-          <a:noFill/>
-          <a:ln>
-            <a:noFill/>
-          </a:ln>
-        </p:spPr>
-        <p:style>
-          <a:lnRef idx="2">
-            <a:schemeClr val="accent1">
-              <a:shade val="50000"/>
-            </a:schemeClr>
-          </a:lnRef>
-          <a:fillRef idx="1">
-            <a:schemeClr val="accent1"/>
-          </a:fillRef>
-          <a:effectRef idx="0">
-            <a:schemeClr val="accent1"/>
-          </a:effectRef>
-          <a:fontRef idx="minor">
-            <a:schemeClr val="lt1"/>
-          </a:fontRef>
-        </p:style>
-        <p:txBody>
-          <a:bodyPr rtlCol="0" anchor="t"/>
-          <a:lstStyle/>
-          <a:p>
-            <a:r>
-              <a:rPr lang="en-US" sz="2400" smtClean="0">
-                <a:solidFill>
-                  <a:schemeClr val="accent2">
-                    <a:lumMod val="60000"/>
-                    <a:lumOff val="40000"/>
-                  </a:schemeClr>
-                </a:solidFill>
-                <a:latin typeface="Times New Roman" panose="02020603050405020304" pitchFamily="18" charset="0"/>
-                <a:cs typeface="Times New Roman" panose="02020603050405020304" pitchFamily="18" charset="0"/>
-              </a:rPr>
-              <a:t>Bài tập 3: </a:t>
-            </a:r>
-            <a:r>
-              <a:rPr lang="en-US" sz="2400" smtClean="0">
-                <a:solidFill>
-                  <a:schemeClr val="bg1"/>
-                </a:solidFill>
-                <a:latin typeface="Times New Roman" panose="02020603050405020304" pitchFamily="18" charset="0"/>
-                <a:cs typeface="Times New Roman" panose="02020603050405020304" pitchFamily="18" charset="0"/>
-              </a:rPr>
-              <a:t>Tạo một function nhận đầu vào là một list bất kỳ sau đó nối thêm phần tử ‘ABC’ vào cuối</a:t>
-            </a:r>
-            <a:endParaRPr lang="en-US">
-              <a:solidFill>
-                <a:schemeClr val="bg1"/>
-              </a:solidFill>
-              <a:latin typeface="Times New Roman" panose="02020603050405020304" pitchFamily="18" charset="0"/>
-              <a:cs typeface="Times New Roman" panose="02020603050405020304" pitchFamily="18" charset="0"/>
-            </a:endParaRPr>
-          </a:p>
-        </p:txBody>
-      </p:sp>
-      <p:sp>
-        <p:nvSpPr>
-          <p:cNvPr id="9" name="Rectangle 8"/>
-          <p:cNvSpPr/>
-          <p:nvPr/>
-        </p:nvSpPr>
-        <p:spPr>
-          <a:xfrm>
-            <a:off x="632229" y="3332661"/>
-            <a:ext cx="11012210" cy="883776"/>
-          </a:xfrm>
-          <a:prstGeom prst="rect">
-            <a:avLst/>
-          </a:prstGeom>
-          <a:noFill/>
-          <a:ln>
-            <a:noFill/>
-          </a:ln>
-        </p:spPr>
-        <p:style>
-          <a:lnRef idx="2">
-            <a:schemeClr val="accent1">
-              <a:shade val="50000"/>
-            </a:schemeClr>
-          </a:lnRef>
-          <a:fillRef idx="1">
-            <a:schemeClr val="accent1"/>
-          </a:fillRef>
-          <a:effectRef idx="0">
-            <a:schemeClr val="accent1"/>
-          </a:effectRef>
-          <a:fontRef idx="minor">
-            <a:schemeClr val="lt1"/>
-          </a:fontRef>
-        </p:style>
-        <p:txBody>
-          <a:bodyPr rtlCol="0" anchor="t"/>
-          <a:lstStyle/>
-          <a:p>
-            <a:r>
-              <a:rPr lang="en-US" sz="2400" smtClean="0">
-                <a:solidFill>
-                  <a:schemeClr val="accent2">
-                    <a:lumMod val="60000"/>
-                    <a:lumOff val="40000"/>
-                  </a:schemeClr>
-                </a:solidFill>
-                <a:latin typeface="Times New Roman" panose="02020603050405020304" pitchFamily="18" charset="0"/>
-                <a:cs typeface="Times New Roman" panose="02020603050405020304" pitchFamily="18" charset="0"/>
-              </a:rPr>
-              <a:t>Bài tập 4: </a:t>
-            </a:r>
-            <a:r>
-              <a:rPr lang="en-US" sz="2400" smtClean="0">
-                <a:solidFill>
-                  <a:schemeClr val="bg1"/>
-                </a:solidFill>
-                <a:latin typeface="Times New Roman" panose="02020603050405020304" pitchFamily="18" charset="0"/>
-                <a:cs typeface="Times New Roman" panose="02020603050405020304" pitchFamily="18" charset="0"/>
-              </a:rPr>
-              <a:t>Tạo một function nhận đầu vào là 2 list bất kỳ và sau đó nối 2 list lại với nhau</a:t>
-            </a:r>
-            <a:endParaRPr lang="en-US">
-              <a:solidFill>
-                <a:schemeClr val="bg1"/>
-              </a:solidFill>
-              <a:latin typeface="Times New Roman" panose="02020603050405020304" pitchFamily="18" charset="0"/>
-              <a:cs typeface="Times New Roman" panose="02020603050405020304" pitchFamily="18" charset="0"/>
-            </a:endParaRPr>
-          </a:p>
-        </p:txBody>
-      </p:sp>
-      <p:sp>
-        <p:nvSpPr>
-          <p:cNvPr id="11" name="Rectangle 10"/>
-          <p:cNvSpPr/>
-          <p:nvPr/>
-        </p:nvSpPr>
-        <p:spPr>
-          <a:xfrm>
-            <a:off x="632229" y="1393734"/>
-            <a:ext cx="10713606" cy="508845"/>
-          </a:xfrm>
-          <a:prstGeom prst="rect">
-            <a:avLst/>
-          </a:prstGeom>
-          <a:noFill/>
-          <a:ln>
-            <a:noFill/>
-          </a:ln>
-        </p:spPr>
-        <p:style>
-          <a:lnRef idx="2">
-            <a:schemeClr val="accent1">
-              <a:shade val="50000"/>
-            </a:schemeClr>
-          </a:lnRef>
-          <a:fillRef idx="1">
-            <a:schemeClr val="accent1"/>
-          </a:fillRef>
-          <a:effectRef idx="0">
-            <a:schemeClr val="accent1"/>
-          </a:effectRef>
-          <a:fontRef idx="minor">
-            <a:schemeClr val="lt1"/>
-          </a:fontRef>
-        </p:style>
-        <p:txBody>
-          <a:bodyPr rtlCol="0" anchor="t"/>
-          <a:lstStyle/>
-          <a:p>
-            <a:r>
-              <a:rPr lang="en-US" sz="2400" smtClean="0">
-                <a:solidFill>
-                  <a:schemeClr val="accent2">
-                    <a:lumMod val="60000"/>
-                    <a:lumOff val="40000"/>
-                  </a:schemeClr>
-                </a:solidFill>
-                <a:latin typeface="Times New Roman" panose="02020603050405020304" pitchFamily="18" charset="0"/>
-                <a:cs typeface="Times New Roman" panose="02020603050405020304" pitchFamily="18" charset="0"/>
-              </a:rPr>
-              <a:t>Bài tập 2: </a:t>
-            </a:r>
-            <a:r>
-              <a:rPr lang="en-US" sz="2400" smtClean="0">
-                <a:solidFill>
-                  <a:schemeClr val="bg1"/>
-                </a:solidFill>
-                <a:latin typeface="Times New Roman" panose="02020603050405020304" pitchFamily="18" charset="0"/>
-                <a:cs typeface="Times New Roman" panose="02020603050405020304" pitchFamily="18" charset="0"/>
-              </a:rPr>
-              <a:t>Tạo một function nhận đầu và là 3 số a,b,c sau đó trả ra kết quả:</a:t>
-            </a:r>
-          </a:p>
-          <a:p>
-            <a:endParaRPr lang="en-US">
-              <a:solidFill>
-                <a:schemeClr val="bg1"/>
-              </a:solidFill>
-              <a:latin typeface="Times New Roman" panose="02020603050405020304" pitchFamily="18" charset="0"/>
-              <a:cs typeface="Times New Roman" panose="02020603050405020304" pitchFamily="18" charset="0"/>
-            </a:endParaRPr>
-          </a:p>
-        </p:txBody>
-      </p:sp>
-      <mc:AlternateContent xmlns:mc="http://schemas.openxmlformats.org/markup-compatibility/2006" xmlns:a14="http://schemas.microsoft.com/office/drawing/2010/main">
-        <mc:Choice Requires="a14">
-          <p:sp>
-            <p:nvSpPr>
-              <p:cNvPr id="2" name="TextBox 1"/>
-              <p:cNvSpPr txBox="1"/>
-              <p:nvPr/>
-            </p:nvSpPr>
-            <p:spPr>
-              <a:xfrm>
-                <a:off x="9865080" y="1460220"/>
-                <a:ext cx="926279" cy="375872"/>
-              </a:xfrm>
-              <a:prstGeom prst="rect">
-                <a:avLst/>
-              </a:prstGeom>
-              <a:noFill/>
-            </p:spPr>
-            <p:txBody>
-              <a:bodyPr wrap="none" lIns="0" tIns="0" rIns="0" bIns="0" rtlCol="0">
-                <a:spAutoFit/>
-              </a:bodyPr>
-              <a:lstStyle/>
-              <a:p>
-                <a:pPr/>
-                <a14:m>
-                  <m:oMathPara xmlns:m="http://schemas.openxmlformats.org/officeDocument/2006/math">
-                    <m:oMathParaPr>
-                      <m:jc m:val="centerGroup"/>
-                    </m:oMathParaPr>
-                    <m:oMath xmlns:m="http://schemas.openxmlformats.org/officeDocument/2006/math">
-                      <m:sSup>
-                        <m:sSupPr>
-                          <m:ctrlPr>
-                            <a:rPr lang="en-US" sz="2400" b="0" i="1" smtClean="0">
-                              <a:solidFill>
-                                <a:schemeClr val="bg1"/>
-                              </a:solidFill>
-                              <a:latin typeface="Cambria Math" panose="02040503050406030204" pitchFamily="18" charset="0"/>
-                            </a:rPr>
-                          </m:ctrlPr>
-                        </m:sSupPr>
-                        <m:e>
-                          <m:r>
-                            <a:rPr lang="en-US" sz="2400" b="0" i="1" smtClean="0">
-                              <a:solidFill>
-                                <a:schemeClr val="bg1"/>
-                              </a:solidFill>
-                              <a:latin typeface="Cambria Math" panose="02040503050406030204" pitchFamily="18" charset="0"/>
-                            </a:rPr>
-                            <m:t>𝑎</m:t>
-                          </m:r>
-                        </m:e>
-                        <m:sup>
-                          <m:r>
-                            <a:rPr lang="en-US" sz="2400" b="0" i="1" smtClean="0">
-                              <a:solidFill>
-                                <a:schemeClr val="bg1"/>
-                              </a:solidFill>
-                              <a:latin typeface="Cambria Math" panose="02040503050406030204" pitchFamily="18" charset="0"/>
-                            </a:rPr>
-                            <m:t>𝑏</m:t>
-                          </m:r>
-                        </m:sup>
-                      </m:sSup>
-                      <m:r>
-                        <a:rPr lang="en-US" sz="2400" b="0" i="1" smtClean="0">
-                          <a:solidFill>
-                            <a:schemeClr val="bg1"/>
-                          </a:solidFill>
-                          <a:latin typeface="Cambria Math" panose="02040503050406030204" pitchFamily="18" charset="0"/>
-                        </a:rPr>
-                        <m:t>−</m:t>
-                      </m:r>
-                      <m:r>
-                        <a:rPr lang="en-US" sz="2400" b="0" i="1" smtClean="0">
-                          <a:solidFill>
-                            <a:schemeClr val="bg1"/>
-                          </a:solidFill>
-                          <a:latin typeface="Cambria Math" panose="02040503050406030204" pitchFamily="18" charset="0"/>
-                        </a:rPr>
-                        <m:t>𝑐</m:t>
-                      </m:r>
-                    </m:oMath>
-                  </m:oMathPara>
-                </a14:m>
-                <a:endParaRPr lang="en-US" sz="2400">
-                  <a:solidFill>
-                    <a:schemeClr val="bg1"/>
-                  </a:solidFill>
-                </a:endParaRPr>
-              </a:p>
-            </p:txBody>
-          </p:sp>
-        </mc:Choice>
-        <mc:Fallback xmlns="">
-          <p:sp>
-            <p:nvSpPr>
-              <p:cNvPr id="2" name="TextBox 1"/>
-              <p:cNvSpPr txBox="1">
-                <a:spLocks noRot="1" noChangeAspect="1" noMove="1" noResize="1" noEditPoints="1" noAdjustHandles="1" noChangeArrowheads="1" noChangeShapeType="1" noTextEdit="1"/>
-              </p:cNvSpPr>
-              <p:nvPr/>
-            </p:nvSpPr>
-            <p:spPr>
-              <a:xfrm>
-                <a:off x="9865080" y="1460220"/>
-                <a:ext cx="926279" cy="375872"/>
-              </a:xfrm>
-              <a:prstGeom prst="rect">
-                <a:avLst/>
-              </a:prstGeom>
-              <a:blipFill rotWithShape="0">
-                <a:blip r:embed="rId2"/>
-                <a:stretch>
-                  <a:fillRect l="-3289" t="-1639" r="-2632"/>
-                </a:stretch>
-              </a:blipFill>
-            </p:spPr>
-            <p:txBody>
-              <a:bodyPr/>
-              <a:lstStyle/>
-              <a:p>
-                <a:r>
-                  <a:rPr lang="en-US">
-                    <a:noFill/>
-                  </a:rPr>
-                  <a:t> </a:t>
-                </a:r>
-              </a:p>
-            </p:txBody>
-          </p:sp>
-        </mc:Fallback>
-      </mc:AlternateContent>
-    </p:spTree>
-    <p:extLst>
-      <p:ext uri="{BB962C8B-B14F-4D97-AF65-F5344CB8AC3E}">
-        <p14:creationId xmlns:p14="http://schemas.microsoft.com/office/powerpoint/2010/main" val="2399999751"/>
-      </p:ext>
-    </p:extLst>
-  </p:cSld>
-  <p:clrMapOvr>
-    <a:masterClrMapping/>
-  </p:clrMapOvr>
-  <p:timing>
-    <p:tnLst>
-      <p:par>
-        <p:cTn id="1" dur="indefinite" restart="never" nodeType="tmRoot"/>
-      </p:par>
-    </p:tnLst>
-  </p:timing>
-</p:sld>
-</file>
-
-<file path=ppt/slides/slide48.xml><?xml version="1.0" encoding="utf-8"?>
-<p:sld xmlns:a="http://schemas.openxmlformats.org/drawingml/2006/main" xmlns:r="http://schemas.openxmlformats.org/officeDocument/2006/relationships" xmlns:p="http://schemas.openxmlformats.org/presentationml/2006/main">
-  <p:cSld>
-    <p:spTree>
-      <p:nvGrpSpPr>
-        <p:cNvPr id="1" name=""/>
-        <p:cNvGrpSpPr/>
-        <p:nvPr/>
-      </p:nvGrpSpPr>
-      <p:grpSpPr>
-        <a:xfrm>
-          <a:off x="0" y="0"/>
-          <a:ext cx="0" cy="0"/>
-          <a:chOff x="0" y="0"/>
-          <a:chExt cx="0" cy="0"/>
-        </a:xfrm>
-      </p:grpSpPr>
-      <p:sp>
-        <p:nvSpPr>
-          <p:cNvPr id="10" name="TextBox 9"/>
-          <p:cNvSpPr txBox="1"/>
-          <p:nvPr/>
-        </p:nvSpPr>
-        <p:spPr>
-          <a:xfrm>
-            <a:off x="331844" y="1240496"/>
-            <a:ext cx="10928266" cy="923330"/>
-          </a:xfrm>
-          <a:prstGeom prst="rect">
-            <a:avLst/>
-          </a:prstGeom>
-          <a:noFill/>
-        </p:spPr>
-        <p:txBody>
-          <a:bodyPr wrap="square" rtlCol="0">
-            <a:spAutoFit/>
-          </a:bodyPr>
-          <a:lstStyle/>
-          <a:p>
-            <a:r>
-              <a:rPr lang="en-US" smtClean="0">
-                <a:solidFill>
-                  <a:schemeClr val="accent4"/>
-                </a:solidFill>
-              </a:rPr>
-              <a:t>def </a:t>
-            </a:r>
-            <a:r>
-              <a:rPr lang="en-US" smtClean="0">
-                <a:solidFill>
-                  <a:schemeClr val="bg1"/>
-                </a:solidFill>
-              </a:rPr>
-              <a:t>dùng để tạo một hàm (function). Function là một khối lệnh tiếp nhận các tham số đầu vào (arguments) để thực thi một tác vụ nào đó, hoặc trả ra (return) một hoặc nhiều kết quả cụ thể.</a:t>
-            </a:r>
-          </a:p>
-          <a:p>
-            <a:r>
-              <a:rPr lang="en-US" smtClean="0">
-                <a:solidFill>
-                  <a:schemeClr val="bg1"/>
-                </a:solidFill>
-              </a:rPr>
-              <a:t>Function đóng vai trò quan trọng trong Python vì tính có thể tái sử dụng được</a:t>
-            </a:r>
-          </a:p>
-        </p:txBody>
-      </p:sp>
-      <p:sp>
-        <p:nvSpPr>
-          <p:cNvPr id="11" name="TextBox 10"/>
-          <p:cNvSpPr txBox="1"/>
-          <p:nvPr/>
-        </p:nvSpPr>
-        <p:spPr>
-          <a:xfrm>
-            <a:off x="331844" y="267177"/>
-            <a:ext cx="11021351" cy="584775"/>
-          </a:xfrm>
-          <a:prstGeom prst="rect">
-            <a:avLst/>
-          </a:prstGeom>
-          <a:noFill/>
-        </p:spPr>
-        <p:txBody>
-          <a:bodyPr wrap="square" rtlCol="0">
-            <a:spAutoFit/>
-          </a:bodyPr>
-          <a:lstStyle/>
-          <a:p>
-            <a:r>
-              <a:rPr lang="en-US" sz="3200" b="1" smtClean="0">
-                <a:solidFill>
-                  <a:schemeClr val="bg1"/>
-                </a:solidFill>
-                <a:latin typeface="Times New Roman" panose="02020603050405020304" pitchFamily="18" charset="0"/>
-                <a:cs typeface="Times New Roman" panose="02020603050405020304" pitchFamily="18" charset="0"/>
-              </a:rPr>
-              <a:t>II. Non-keyword argument</a:t>
-            </a:r>
-            <a:endParaRPr lang="en-US" sz="3200" b="1">
-              <a:solidFill>
-                <a:schemeClr val="bg1"/>
-              </a:solidFill>
-              <a:latin typeface="Times New Roman" panose="02020603050405020304" pitchFamily="18" charset="0"/>
-              <a:cs typeface="Times New Roman" panose="02020603050405020304" pitchFamily="18" charset="0"/>
-            </a:endParaRPr>
-          </a:p>
-        </p:txBody>
-      </p:sp>
-      <p:sp>
-        <p:nvSpPr>
-          <p:cNvPr id="6" name="Rectangle 5"/>
-          <p:cNvSpPr/>
-          <p:nvPr/>
-        </p:nvSpPr>
-        <p:spPr>
-          <a:xfrm>
-            <a:off x="331844" y="2552371"/>
-            <a:ext cx="6224714" cy="1914434"/>
-          </a:xfrm>
-          <a:prstGeom prst="rect">
-            <a:avLst/>
-          </a:prstGeom>
-          <a:solidFill>
-            <a:schemeClr val="tx1"/>
-          </a:solidFill>
-        </p:spPr>
-        <p:style>
-          <a:lnRef idx="2">
-            <a:schemeClr val="accent1">
-              <a:shade val="50000"/>
-            </a:schemeClr>
-          </a:lnRef>
-          <a:fillRef idx="1">
-            <a:schemeClr val="accent1"/>
-          </a:fillRef>
-          <a:effectRef idx="0">
-            <a:schemeClr val="accent1"/>
-          </a:effectRef>
-          <a:fontRef idx="minor">
-            <a:schemeClr val="lt1"/>
-          </a:fontRef>
-        </p:style>
-        <p:txBody>
-          <a:bodyPr rtlCol="0" anchor="t" anchorCtr="0"/>
-          <a:lstStyle/>
-          <a:p>
-            <a:r>
-              <a:rPr lang="en-US">
-                <a:latin typeface="Arial Narrow" panose="020B0606020202030204" pitchFamily="34" charset="0"/>
-              </a:rPr>
-              <a:t>&gt;&gt;&gt; </a:t>
-            </a:r>
-            <a:r>
-              <a:rPr lang="en-US" smtClean="0">
-                <a:solidFill>
-                  <a:srgbClr val="FFC000"/>
-                </a:solidFill>
-                <a:latin typeface="Arial Narrow" panose="020B0606020202030204" pitchFamily="34" charset="0"/>
-              </a:rPr>
-              <a:t>def</a:t>
-            </a:r>
-            <a:r>
-              <a:rPr lang="en-US" smtClean="0">
-                <a:solidFill>
-                  <a:srgbClr val="9933FF"/>
-                </a:solidFill>
-                <a:latin typeface="Arial Narrow" panose="020B0606020202030204" pitchFamily="34" charset="0"/>
-              </a:rPr>
-              <a:t> </a:t>
-            </a:r>
-            <a:r>
-              <a:rPr lang="en-US" smtClean="0">
-                <a:solidFill>
-                  <a:schemeClr val="accent6">
-                    <a:lumMod val="60000"/>
-                    <a:lumOff val="40000"/>
-                  </a:schemeClr>
-                </a:solidFill>
-                <a:latin typeface="Arial Narrow" panose="020B0606020202030204" pitchFamily="34" charset="0"/>
-              </a:rPr>
-              <a:t>function_name(arg_1, arg_2,…):</a:t>
-            </a:r>
-            <a:endParaRPr lang="en-US">
-              <a:solidFill>
-                <a:schemeClr val="accent6">
-                  <a:lumMod val="60000"/>
-                  <a:lumOff val="40000"/>
-                </a:schemeClr>
-              </a:solidFill>
-              <a:latin typeface="Arial Narrow" panose="020B0606020202030204" pitchFamily="34" charset="0"/>
-            </a:endParaRPr>
-          </a:p>
-          <a:p>
-            <a:r>
-              <a:rPr lang="en-US">
-                <a:latin typeface="Arial Narrow" panose="020B0606020202030204" pitchFamily="34" charset="0"/>
-              </a:rPr>
-              <a:t>...  </a:t>
-            </a:r>
-            <a:r>
-              <a:rPr lang="en-US" smtClean="0">
-                <a:latin typeface="Arial Narrow" panose="020B0606020202030204" pitchFamily="34" charset="0"/>
-              </a:rPr>
-              <a:t>         do something</a:t>
-            </a:r>
-          </a:p>
-          <a:p>
-            <a:r>
-              <a:rPr lang="en-US">
-                <a:latin typeface="Arial Narrow" panose="020B0606020202030204" pitchFamily="34" charset="0"/>
-              </a:rPr>
-              <a:t>...           do </a:t>
-            </a:r>
-            <a:r>
-              <a:rPr lang="en-US" smtClean="0">
-                <a:latin typeface="Arial Narrow" panose="020B0606020202030204" pitchFamily="34" charset="0"/>
-              </a:rPr>
-              <a:t>something else</a:t>
-            </a:r>
-            <a:endParaRPr lang="en-US">
-              <a:latin typeface="Arial Narrow" panose="020B0606020202030204" pitchFamily="34" charset="0"/>
-            </a:endParaRPr>
-          </a:p>
-          <a:p>
-            <a:r>
-              <a:rPr lang="en-US">
-                <a:latin typeface="Arial Narrow" panose="020B0606020202030204" pitchFamily="34" charset="0"/>
-              </a:rPr>
-              <a:t>...           </a:t>
-            </a:r>
-          </a:p>
-          <a:p>
-            <a:r>
-              <a:rPr lang="en-US">
-                <a:latin typeface="Arial Narrow" panose="020B0606020202030204" pitchFamily="34" charset="0"/>
-              </a:rPr>
-              <a:t>...           </a:t>
-            </a:r>
-          </a:p>
-          <a:p>
-            <a:r>
-              <a:rPr lang="en-US">
-                <a:latin typeface="Arial Narrow" panose="020B0606020202030204" pitchFamily="34" charset="0"/>
-              </a:rPr>
-              <a:t>...           </a:t>
-            </a:r>
-            <a:r>
-              <a:rPr lang="en-US" smtClean="0">
-                <a:solidFill>
-                  <a:srgbClr val="FFC000"/>
-                </a:solidFill>
-                <a:latin typeface="Arial Narrow" panose="020B0606020202030204" pitchFamily="34" charset="0"/>
-              </a:rPr>
-              <a:t>return </a:t>
-            </a:r>
-            <a:r>
-              <a:rPr lang="en-US" smtClean="0">
-                <a:solidFill>
-                  <a:schemeClr val="bg1"/>
-                </a:solidFill>
-                <a:latin typeface="Arial Narrow" panose="020B0606020202030204" pitchFamily="34" charset="0"/>
-              </a:rPr>
-              <a:t>something</a:t>
-            </a:r>
-            <a:endParaRPr lang="en-US">
-              <a:solidFill>
-                <a:schemeClr val="bg1"/>
-              </a:solidFill>
-              <a:latin typeface="Arial Narrow" panose="020B0606020202030204" pitchFamily="34" charset="0"/>
-            </a:endParaRPr>
-          </a:p>
-          <a:p>
-            <a:endParaRPr lang="en-US">
-              <a:latin typeface="Arial Narrow" panose="020B0606020202030204" pitchFamily="34" charset="0"/>
-            </a:endParaRPr>
-          </a:p>
-        </p:txBody>
-      </p:sp>
-    </p:spTree>
-    <p:extLst>
-      <p:ext uri="{BB962C8B-B14F-4D97-AF65-F5344CB8AC3E}">
-        <p14:creationId xmlns:p14="http://schemas.microsoft.com/office/powerpoint/2010/main" val="1243524095"/>
       </p:ext>
     </p:extLst>
   </p:cSld>
